--- a/docs/lectures/lecture_07/07_01_lecture_powerpoint.pptx
+++ b/docs/lectures/lecture_07/07_01_lecture_powerpoint.pptx
@@ -26,11 +26,6 @@
     <p:sldId id="274" r:id="rId20"/>
     <p:sldId id="275" r:id="rId21"/>
     <p:sldId id="276" r:id="rId22"/>
-    <p:sldId id="277" r:id="rId23"/>
-    <p:sldId id="278" r:id="rId24"/>
-    <p:sldId id="279" r:id="rId25"/>
-    <p:sldId id="280" r:id="rId26"/>
-    <p:sldId id="281" r:id="rId27"/>
   </p:sldIdLst>
   <p:sldSz cx="9144000" cy="5143500" type="screen16x9"/>
   <p:notesSz cx="6858000" cy="9144000"/>
@@ -3422,38 +3417,84 @@
           <a:bodyPr/>
           <a:lstStyle/>
           <a:p>
+            <a:pPr lvl="0" indent="0" marL="0">
+              <a:buNone/>
+            </a:pPr>
+            <a:r>
+              <a:rPr/>
+              <a:t>Basic assumptions of parametric t-tests:</a:t>
+            </a:r>
+          </a:p>
+          <a:p>
             <a:pPr lvl="0"/>
             <a:r>
               <a:rPr/>
-              <a:t>Normality, equal variance, random sampling, no outliers</a:t>
+              <a:t>Normality</a:t>
             </a:r>
           </a:p>
           <a:p>
             <a:pPr lvl="0"/>
             <a:r>
               <a:rPr/>
-              <a:t>No outliers: no “extreme” values that are very different from rest of sample</a:t>
+              <a:t>equal variance</a:t>
+            </a:r>
+          </a:p>
+          <a:p>
+            <a:pPr lvl="0"/>
+            <a:r>
+              <a:rPr/>
+              <a:t>random sampling</a:t>
+            </a:r>
+          </a:p>
+          <a:p>
+            <a:pPr lvl="0"/>
+            <a:r>
+              <a:rPr/>
+              <a:t>no outliers</a:t>
+            </a:r>
+          </a:p>
+          <a:p>
+            <a:pPr lvl="0" indent="0" marL="0">
+              <a:buNone/>
+            </a:pPr>
+            <a:r>
+              <a:rPr/>
+              <a:t>Equal variance: samples are from populations with similar degree of variability</a:t>
+            </a:r>
+          </a:p>
+          <a:p>
+            <a:pPr lvl="0"/>
+            <a:r>
+              <a:rPr/>
+              <a:t>Graphical tests: boxplots</a:t>
+            </a:r>
+          </a:p>
+          <a:p>
+            <a:pPr lvl="0"/>
+            <a:r>
+              <a:rPr/>
+              <a:t>“Formal” tests: F-ratio test</a:t>
+            </a:r>
+          </a:p>
+          <a:p>
+            <a:pPr lvl="0"/>
+            <a:r>
+              <a:rPr/>
+              <a:t>When samples sizes equal</a:t>
             </a:r>
           </a:p>
           <a:p>
             <a:pPr lvl="1"/>
             <a:r>
               <a:rPr/>
-              <a:t>Graphical tests: boxplots, histograms</a:t>
+              <a:t>Parametric tests most robust to violations of normality</a:t>
             </a:r>
           </a:p>
           <a:p>
             <a:pPr lvl="1"/>
             <a:r>
               <a:rPr/>
-              <a:t>“Formal tests”: Grubb’s test - no one really does this</a:t>
-            </a:r>
-          </a:p>
-          <a:p>
-            <a:pPr lvl="1"/>
-            <a:r>
-              <a:rPr b="1"/>
-              <a:t>Note: outliers also problem for non-parametric tests</a:t>
+              <a:t>Less so for equal variation assumptions</a:t>
             </a:r>
           </a:p>
         </p:txBody>
@@ -3483,7 +3524,7 @@
                 </a:solidFill>
                 <a:latin typeface="Courier"/>
               </a:rPr>
-              <a:t>ne12_histo_plot</a:t>
+              <a:t>length_plot &lt;- ne12_data </a:t>
             </a:r>
             <a:r>
               <a:rPr>
@@ -3492,16 +3533,270 @@
                 </a:solidFill>
                 <a:latin typeface="Courier"/>
               </a:rPr>
+              <a:t>%&gt;%</a:t>
+            </a:r>
+            <a:r>
+              <a:rPr>
+                <a:solidFill>
+                  <a:srgbClr val="003B4F"/>
+                </a:solidFill>
+                <a:latin typeface="Courier"/>
+              </a:rPr>
+              <a:t> </a:t>
+            </a:r>
+            <a:r>
+              <a:rPr>
+                <a:solidFill>
+                  <a:srgbClr val="4758AB"/>
+                </a:solidFill>
+                <a:latin typeface="Courier"/>
+              </a:rPr>
+              <a:t>ggplot</a:t>
+            </a:r>
+            <a:r>
+              <a:rPr>
+                <a:solidFill>
+                  <a:srgbClr val="003B4F"/>
+                </a:solidFill>
+                <a:latin typeface="Courier"/>
+              </a:rPr>
+              <a:t>(</a:t>
+            </a:r>
+            <a:r>
+              <a:rPr>
+                <a:solidFill>
+                  <a:srgbClr val="4758AB"/>
+                </a:solidFill>
+                <a:latin typeface="Courier"/>
+              </a:rPr>
+              <a:t>aes</a:t>
+            </a:r>
+            <a:r>
+              <a:rPr>
+                <a:solidFill>
+                  <a:srgbClr val="003B4F"/>
+                </a:solidFill>
+                <a:latin typeface="Courier"/>
+              </a:rPr>
+              <a:t>(</a:t>
+            </a:r>
+            <a:r>
+              <a:rPr>
+                <a:solidFill>
+                  <a:srgbClr val="657422"/>
+                </a:solidFill>
+                <a:latin typeface="Courier"/>
+              </a:rPr>
+              <a:t>x=</a:t>
+            </a:r>
+            <a:r>
+              <a:rPr>
+                <a:solidFill>
+                  <a:srgbClr val="003B4F"/>
+                </a:solidFill>
+                <a:latin typeface="Courier"/>
+              </a:rPr>
+              <a:t>lake, </a:t>
+            </a:r>
+            <a:r>
+              <a:rPr>
+                <a:solidFill>
+                  <a:srgbClr val="657422"/>
+                </a:solidFill>
+                <a:latin typeface="Courier"/>
+              </a:rPr>
+              <a:t>y =</a:t>
+            </a:r>
+            <a:r>
+              <a:rPr>
+                <a:solidFill>
+                  <a:srgbClr val="003B4F"/>
+                </a:solidFill>
+                <a:latin typeface="Courier"/>
+              </a:rPr>
+              <a:t> length_mm)) </a:t>
+            </a:r>
+            <a:r>
+              <a:rPr>
+                <a:solidFill>
+                  <a:srgbClr val="5E5E5E"/>
+                </a:solidFill>
+                <a:latin typeface="Courier"/>
+              </a:rPr>
               <a:t>+</a:t>
             </a:r>
             <a:r>
               <a:rPr>
                 <a:solidFill>
-                  <a:srgbClr val="003B4F"/>
-                </a:solidFill>
-                <a:latin typeface="Courier"/>
-              </a:rPr>
-              <a:t>ne12_box_plot</a:t>
+                  <a:srgbClr val="4758AB"/>
+                </a:solidFill>
+                <a:latin typeface="Courier"/>
+              </a:rPr>
+              <a:t>geom_boxplot</a:t>
+            </a:r>
+            <a:r>
+              <a:rPr>
+                <a:solidFill>
+                  <a:srgbClr val="003B4F"/>
+                </a:solidFill>
+                <a:latin typeface="Courier"/>
+              </a:rPr>
+              <a:t>() </a:t>
+            </a:r>
+            <a:br/>
+            <a:r>
+              <a:rPr>
+                <a:solidFill>
+                  <a:srgbClr val="003B4F"/>
+                </a:solidFill>
+                <a:latin typeface="Courier"/>
+              </a:rPr>
+              <a:t>mass_plot &lt;- ne12_data </a:t>
+            </a:r>
+            <a:r>
+              <a:rPr>
+                <a:solidFill>
+                  <a:srgbClr val="5E5E5E"/>
+                </a:solidFill>
+                <a:latin typeface="Courier"/>
+              </a:rPr>
+              <a:t>%&gt;%</a:t>
+            </a:r>
+            <a:r>
+              <a:rPr>
+                <a:solidFill>
+                  <a:srgbClr val="003B4F"/>
+                </a:solidFill>
+                <a:latin typeface="Courier"/>
+              </a:rPr>
+              <a:t> </a:t>
+            </a:r>
+            <a:r>
+              <a:rPr>
+                <a:solidFill>
+                  <a:srgbClr val="4758AB"/>
+                </a:solidFill>
+                <a:latin typeface="Courier"/>
+              </a:rPr>
+              <a:t>ggplot</a:t>
+            </a:r>
+            <a:r>
+              <a:rPr>
+                <a:solidFill>
+                  <a:srgbClr val="003B4F"/>
+                </a:solidFill>
+                <a:latin typeface="Courier"/>
+              </a:rPr>
+              <a:t>(</a:t>
+            </a:r>
+            <a:r>
+              <a:rPr>
+                <a:solidFill>
+                  <a:srgbClr val="4758AB"/>
+                </a:solidFill>
+                <a:latin typeface="Courier"/>
+              </a:rPr>
+              <a:t>aes</a:t>
+            </a:r>
+            <a:r>
+              <a:rPr>
+                <a:solidFill>
+                  <a:srgbClr val="003B4F"/>
+                </a:solidFill>
+                <a:latin typeface="Courier"/>
+              </a:rPr>
+              <a:t>(</a:t>
+            </a:r>
+            <a:r>
+              <a:rPr>
+                <a:solidFill>
+                  <a:srgbClr val="657422"/>
+                </a:solidFill>
+                <a:latin typeface="Courier"/>
+              </a:rPr>
+              <a:t>x=</a:t>
+            </a:r>
+            <a:r>
+              <a:rPr>
+                <a:solidFill>
+                  <a:srgbClr val="003B4F"/>
+                </a:solidFill>
+                <a:latin typeface="Courier"/>
+              </a:rPr>
+              <a:t>lake, </a:t>
+            </a:r>
+            <a:r>
+              <a:rPr>
+                <a:solidFill>
+                  <a:srgbClr val="657422"/>
+                </a:solidFill>
+                <a:latin typeface="Courier"/>
+              </a:rPr>
+              <a:t>y =</a:t>
+            </a:r>
+            <a:r>
+              <a:rPr>
+                <a:solidFill>
+                  <a:srgbClr val="003B4F"/>
+                </a:solidFill>
+                <a:latin typeface="Courier"/>
+              </a:rPr>
+              <a:t> mass_g)) </a:t>
+            </a:r>
+            <a:r>
+              <a:rPr>
+                <a:solidFill>
+                  <a:srgbClr val="5E5E5E"/>
+                </a:solidFill>
+                <a:latin typeface="Courier"/>
+              </a:rPr>
+              <a:t>+</a:t>
+            </a:r>
+            <a:r>
+              <a:rPr>
+                <a:solidFill>
+                  <a:srgbClr val="4758AB"/>
+                </a:solidFill>
+                <a:latin typeface="Courier"/>
+              </a:rPr>
+              <a:t>geom_boxplot</a:t>
+            </a:r>
+            <a:r>
+              <a:rPr>
+                <a:solidFill>
+                  <a:srgbClr val="003B4F"/>
+                </a:solidFill>
+                <a:latin typeface="Courier"/>
+              </a:rPr>
+              <a:t>()</a:t>
+            </a:r>
+            <a:br/>
+            <a:r>
+              <a:rPr>
+                <a:solidFill>
+                  <a:srgbClr val="003B4F"/>
+                </a:solidFill>
+                <a:latin typeface="Courier"/>
+              </a:rPr>
+              <a:t>length_plot </a:t>
+            </a:r>
+            <a:r>
+              <a:rPr>
+                <a:solidFill>
+                  <a:srgbClr val="5E5E5E"/>
+                </a:solidFill>
+                <a:latin typeface="Courier"/>
+              </a:rPr>
+              <a:t>+</a:t>
+            </a:r>
+            <a:r>
+              <a:rPr>
+                <a:solidFill>
+                  <a:srgbClr val="003B4F"/>
+                </a:solidFill>
+                <a:latin typeface="Courier"/>
+              </a:rPr>
+              <a:t> mass_plot </a:t>
             </a:r>
             <a:r>
               <a:rPr>
@@ -3633,12 +3928,9 @@
         </p:nvSpPr>
         <p:spPr>
           <a:xfrm>
-            <a:off x="0" y="0"/>
-            <a:ext cx="9144000" cy="602780"/>
+            <a:off x="139485" y="78119"/>
+            <a:ext cx="8229600" cy="607682"/>
           </a:xfrm>
-          <a:solidFill>
-            <a:srgbClr val="70121D"/>
-          </a:solidFill>
         </p:spPr>
         <p:txBody>
           <a:bodyPr/>
@@ -3649,19 +3941,19 @@
             </a:pPr>
             <a:r>
               <a:rPr/>
-              <a:t>Statistical vs. biological significance</a:t>
-            </a:r>
-          </a:p>
-        </p:txBody>
-      </p:sp>
-      <p:sp>
-        <p:nvSpPr>
-          <p:cNvPr id="3" name="Content Placeholder 2"/>
-          <p:cNvSpPr>
-            <a:spLocks noGrp="1"/>
-          </p:cNvSpPr>
-          <p:nvPr>
-            <p:ph idx="1" sz="half"/>
+              <a:t>Assumptions of parametric tests</a:t>
+            </a:r>
+          </a:p>
+        </p:txBody>
+      </p:sp>
+      <p:sp>
+        <p:nvSpPr>
+          <p:cNvPr id="3" name="Text Placeholder 2"/>
+          <p:cNvSpPr>
+            <a:spLocks noGrp="1"/>
+          </p:cNvSpPr>
+          <p:nvPr>
+            <p:ph idx="1" type="body"/>
           </p:nvPr>
         </p:nvSpPr>
         <p:spPr/>
@@ -3672,49 +3964,168 @@
             <a:pPr lvl="0"/>
             <a:r>
               <a:rPr/>
-              <a:t>Statistical significance: difference unlikely due to chance</a:t>
+              <a:t>Basic assumptions of parametric t-tests: - Normality</a:t>
+            </a:r>
+          </a:p>
+          <a:p>
+            <a:pPr lvl="0" indent="0">
+              <a:buNone/>
+            </a:pPr>
+            <a:r>
+              <a:rPr>
+                <a:latin typeface="Courier"/>
+              </a:rPr>
+              <a:t>-   equal variance
+-   random sampling
+-   no outliers</a:t>
             </a:r>
           </a:p>
           <a:p>
             <a:pPr lvl="0"/>
             <a:r>
               <a:rPr/>
-              <a:t>Says nothing about biological significance of difference!</a:t>
-            </a:r>
-          </a:p>
-          <a:p>
-            <a:pPr lvl="0"/>
-            <a:r>
-              <a:rPr/>
-              <a:t>With large sample size can detect very small differences between populations</a:t>
-            </a:r>
-          </a:p>
-          <a:p>
-            <a:pPr lvl="0"/>
-            <a:r>
-              <a:rPr/>
-              <a:t>E.g.: consider 2 lake trout populations are the lengths the same</a:t>
+              <a:t>No outliers: no “extreme” values that are very different from rest of sample</a:t>
             </a:r>
           </a:p>
           <a:p>
             <a:pPr lvl="1"/>
             <a:r>
               <a:rPr/>
-              <a:t>Island Lake and NE 12</a:t>
-            </a:r>
-          </a:p>
-          <a:p>
-            <a:pPr lvl="2"/>
-            <a:r>
-              <a:rPr/>
-              <a:t>Ho: µ~size A~ = µ~size B~</a:t>
-            </a:r>
-          </a:p>
-          <a:p>
-            <a:pPr lvl="2"/>
-            <a:r>
-              <a:rPr/>
-              <a:t>Ha: µ~size A~ ≠ µ~size B~</a:t>
+              <a:t>Graphical tests: boxplots, histograms</a:t>
+            </a:r>
+          </a:p>
+          <a:p>
+            <a:pPr lvl="1"/>
+            <a:r>
+              <a:rPr/>
+              <a:t>“Formal tests”: Grubb’s test - no one really does this</a:t>
+            </a:r>
+          </a:p>
+          <a:p>
+            <a:pPr lvl="1"/>
+            <a:r>
+              <a:rPr b="1"/>
+              <a:t>Note: outliers a problem for non-parametric tests as well</a:t>
+            </a:r>
+          </a:p>
+        </p:txBody>
+      </p:sp>
+      <p:sp>
+        <p:nvSpPr>
+          <p:cNvPr id="5" name="Text Placeholder 4"/>
+          <p:cNvSpPr>
+            <a:spLocks noGrp="1"/>
+          </p:cNvSpPr>
+          <p:nvPr>
+            <p:ph idx="3" sz="quarter" type="body"/>
+          </p:nvPr>
+        </p:nvSpPr>
+        <p:spPr/>
+        <p:txBody>
+          <a:bodyPr/>
+          <a:lstStyle/>
+          <a:p>
+            <a:pPr lvl="0" indent="0">
+              <a:buNone/>
+            </a:pPr>
+            <a:r>
+              <a:rPr>
+                <a:solidFill>
+                  <a:srgbClr val="003B4F"/>
+                </a:solidFill>
+                <a:latin typeface="Courier"/>
+              </a:rPr>
+              <a:t>ne12_histo_plot </a:t>
+            </a:r>
+            <a:r>
+              <a:rPr>
+                <a:solidFill>
+                  <a:srgbClr val="5E5E5E"/>
+                </a:solidFill>
+                <a:latin typeface="Courier"/>
+              </a:rPr>
+              <a:t>+</a:t>
+            </a:r>
+            <a:r>
+              <a:rPr>
+                <a:solidFill>
+                  <a:srgbClr val="003B4F"/>
+                </a:solidFill>
+                <a:latin typeface="Courier"/>
+              </a:rPr>
+              <a:t> ne12_box_plot </a:t>
+            </a:r>
+            <a:r>
+              <a:rPr>
+                <a:solidFill>
+                  <a:srgbClr val="5E5E5E"/>
+                </a:solidFill>
+                <a:latin typeface="Courier"/>
+              </a:rPr>
+              <a:t>+</a:t>
+            </a:r>
+            <a:r>
+              <a:rPr>
+                <a:solidFill>
+                  <a:srgbClr val="003B4F"/>
+                </a:solidFill>
+                <a:latin typeface="Courier"/>
+              </a:rPr>
+              <a:t> </a:t>
+            </a:r>
+            <a:r>
+              <a:rPr>
+                <a:solidFill>
+                  <a:srgbClr val="4758AB"/>
+                </a:solidFill>
+                <a:latin typeface="Courier"/>
+              </a:rPr>
+              <a:t>plot_layout</a:t>
+            </a:r>
+            <a:r>
+              <a:rPr>
+                <a:solidFill>
+                  <a:srgbClr val="003B4F"/>
+                </a:solidFill>
+                <a:latin typeface="Courier"/>
+              </a:rPr>
+              <a:t>(</a:t>
+            </a:r>
+            <a:r>
+              <a:rPr>
+                <a:solidFill>
+                  <a:srgbClr val="657422"/>
+                </a:solidFill>
+                <a:latin typeface="Courier"/>
+              </a:rPr>
+              <a:t>ncol =</a:t>
+            </a:r>
+            <a:r>
+              <a:rPr>
+                <a:solidFill>
+                  <a:srgbClr val="003B4F"/>
+                </a:solidFill>
+                <a:latin typeface="Courier"/>
+              </a:rPr>
+              <a:t> </a:t>
+            </a:r>
+            <a:r>
+              <a:rPr>
+                <a:solidFill>
+                  <a:srgbClr val="AD0000"/>
+                </a:solidFill>
+                <a:latin typeface="Courier"/>
+              </a:rPr>
+              <a:t>1</a:t>
+            </a:r>
+            <a:r>
+              <a:rPr>
+                <a:solidFill>
+                  <a:srgbClr val="003B4F"/>
+                </a:solidFill>
+                <a:latin typeface="Courier"/>
+              </a:rPr>
+              <a:t>)</a:t>
             </a:r>
           </a:p>
         </p:txBody>
@@ -3735,8 +4146,8 @@
         </p:blipFill>
         <p:spPr bwMode="auto">
           <a:xfrm>
-            <a:off x="6121400" y="1498600"/>
-            <a:ext cx="2781300" cy="2781300"/>
+            <a:off x="5130800" y="1295400"/>
+            <a:ext cx="3276600" cy="3276600"/>
           </a:xfrm>
           <a:prstGeom prst="rect">
             <a:avLst/>
@@ -3783,12 +4194,9 @@
         </p:nvSpPr>
         <p:spPr>
           <a:xfrm>
-            <a:off x="0" y="0"/>
-            <a:ext cx="9144000" cy="602780"/>
+            <a:off x="139485" y="78119"/>
+            <a:ext cx="8229600" cy="607682"/>
           </a:xfrm>
-          <a:solidFill>
-            <a:srgbClr val="70121D"/>
-          </a:solidFill>
         </p:spPr>
         <p:txBody>
           <a:bodyPr/>
@@ -3799,19 +4207,19 @@
             </a:pPr>
             <a:r>
               <a:rPr/>
-              <a:t>Statistical vs. biological significance</a:t>
-            </a:r>
-          </a:p>
-        </p:txBody>
-      </p:sp>
-      <p:sp>
-        <p:nvSpPr>
-          <p:cNvPr id="3" name="Content Placeholder 2"/>
-          <p:cNvSpPr>
-            <a:spLocks noGrp="1"/>
-          </p:cNvSpPr>
-          <p:nvPr>
-            <p:ph idx="1" sz="half"/>
+              <a:t>Nonparametric test</a:t>
+            </a:r>
+          </a:p>
+        </p:txBody>
+      </p:sp>
+      <p:sp>
+        <p:nvSpPr>
+          <p:cNvPr id="3" name="Text Placeholder 2"/>
+          <p:cNvSpPr>
+            <a:spLocks noGrp="1"/>
+          </p:cNvSpPr>
+          <p:nvPr>
+            <p:ph idx="1" type="body"/>
           </p:nvPr>
         </p:nvSpPr>
         <p:spPr/>
@@ -3822,39 +4230,192 @@
             <a:pPr lvl="0"/>
             <a:r>
               <a:rPr/>
-              <a:t>Size of A: 5.05 (± 2.00 SD)mm, size of B: 5.00 (± 2.00 SD)mm</a:t>
+              <a:t>What if T Test assumptions fail?</a:t>
             </a:r>
           </a:p>
           <a:p>
             <a:pPr lvl="0"/>
             <a:r>
               <a:rPr/>
-              <a:t>Sample 50, 200, 30,000 individuals from each pop:</a:t>
+              <a:t>Alternative tests, with more relaxed assumptions, are available</a:t>
+            </a:r>
+          </a:p>
+          <a:p>
+            <a:pPr lvl="0"/>
+            <a:r>
+              <a:rPr/>
+              <a:t>In which case would you use the following tests?</a:t>
             </a:r>
           </a:p>
           <a:p>
             <a:pPr lvl="1"/>
             <a:r>
               <a:rPr/>
-              <a:t>n = 50: t = 0.32, df = 98, p-value = 0.75</a:t>
+              <a:t>Welch’s t-test: </a:t>
+            </a:r>
+            <a:r>
+              <a:rPr i="1"/>
+              <a:t>when distribution normal but variance unequal</a:t>
             </a:r>
           </a:p>
           <a:p>
             <a:pPr lvl="1"/>
             <a:r>
               <a:rPr/>
-              <a:t>n = 200: t = 0.058, df = 398, p-value = 0.95</a:t>
+              <a:t>Mann-Whitney-Wilcoxon test: </a:t>
+            </a:r>
+            <a:r>
+              <a:rPr i="1"/>
+              <a:t>when distribution not normal and/or outliers are present (but both groups should still have similar distributions and ~equal variance)</a:t>
             </a:r>
           </a:p>
           <a:p>
             <a:pPr lvl="1"/>
             <a:r>
               <a:rPr/>
-              <a:t>n = 30,000: t = -4.47, df = 59998, p-value = 7.996*10</a:t>
-            </a:r>
-            <a:r>
-              <a:rPr baseline="30000"/>
-              <a:t>-6</a:t>
+              <a:t>Permutation test for two samples: </a:t>
+            </a:r>
+            <a:r>
+              <a:rPr i="1"/>
+              <a:t>when distribution not normal (but both groups should still have similar distributions and ~equal variance)</a:t>
+            </a:r>
+          </a:p>
+        </p:txBody>
+      </p:sp>
+      <p:sp>
+        <p:nvSpPr>
+          <p:cNvPr id="5" name="Text Placeholder 4"/>
+          <p:cNvSpPr>
+            <a:spLocks noGrp="1"/>
+          </p:cNvSpPr>
+          <p:nvPr>
+            <p:ph idx="3" sz="quarter" type="body"/>
+          </p:nvPr>
+        </p:nvSpPr>
+        <p:spPr/>
+        <p:txBody>
+          <a:bodyPr/>
+          <a:lstStyle/>
+          <a:p>
+            <a:pPr lvl="0" indent="0" marL="0">
+              <a:buNone/>
+            </a:pPr>
+            <a:r>
+              <a:rPr/>
+              <a:t>&lt; –</a:t>
+            </a:r>
+          </a:p>
+          <a:p>
+            <a:pPr lvl="0" indent="0">
+              <a:buNone/>
+            </a:pPr>
+            <a:r>
+              <a:rPr>
+                <a:solidFill>
+                  <a:srgbClr val="003B4F"/>
+                </a:solidFill>
+                <a:latin typeface="Courier"/>
+              </a:rPr>
+              <a:t>ne12_histo_plot</a:t>
+            </a:r>
+            <a:r>
+              <a:rPr>
+                <a:solidFill>
+                  <a:srgbClr val="5E5E5E"/>
+                </a:solidFill>
+                <a:latin typeface="Courier"/>
+              </a:rPr>
+              <a:t>+</a:t>
+            </a:r>
+            <a:r>
+              <a:rPr>
+                <a:solidFill>
+                  <a:srgbClr val="003B4F"/>
+                </a:solidFill>
+                <a:latin typeface="Courier"/>
+              </a:rPr>
+              <a:t>ne12_box_plot </a:t>
+            </a:r>
+            <a:r>
+              <a:rPr>
+                <a:solidFill>
+                  <a:srgbClr val="5E5E5E"/>
+                </a:solidFill>
+                <a:latin typeface="Courier"/>
+              </a:rPr>
+              <a:t>+</a:t>
+            </a:r>
+            <a:r>
+              <a:rPr>
+                <a:solidFill>
+                  <a:srgbClr val="003B4F"/>
+                </a:solidFill>
+                <a:latin typeface="Courier"/>
+              </a:rPr>
+              <a:t> ne12_qq_plot </a:t>
+            </a:r>
+            <a:r>
+              <a:rPr>
+                <a:solidFill>
+                  <a:srgbClr val="5E5E5E"/>
+                </a:solidFill>
+                <a:latin typeface="Courier"/>
+              </a:rPr>
+              <a:t>+</a:t>
+            </a:r>
+            <a:r>
+              <a:rPr>
+                <a:solidFill>
+                  <a:srgbClr val="003B4F"/>
+                </a:solidFill>
+                <a:latin typeface="Courier"/>
+              </a:rPr>
+              <a:t> </a:t>
+            </a:r>
+            <a:r>
+              <a:rPr>
+                <a:solidFill>
+                  <a:srgbClr val="4758AB"/>
+                </a:solidFill>
+                <a:latin typeface="Courier"/>
+              </a:rPr>
+              <a:t>plot_layout</a:t>
+            </a:r>
+            <a:r>
+              <a:rPr>
+                <a:solidFill>
+                  <a:srgbClr val="003B4F"/>
+                </a:solidFill>
+                <a:latin typeface="Courier"/>
+              </a:rPr>
+              <a:t>(</a:t>
+            </a:r>
+            <a:r>
+              <a:rPr>
+                <a:solidFill>
+                  <a:srgbClr val="657422"/>
+                </a:solidFill>
+                <a:latin typeface="Courier"/>
+              </a:rPr>
+              <a:t>ncol=</a:t>
+            </a:r>
+            <a:r>
+              <a:rPr>
+                <a:solidFill>
+                  <a:srgbClr val="AD0000"/>
+                </a:solidFill>
+                <a:latin typeface="Courier"/>
+              </a:rPr>
+              <a:t>1</a:t>
+            </a:r>
+            <a:r>
+              <a:rPr>
+                <a:solidFill>
+                  <a:srgbClr val="003B4F"/>
+                </a:solidFill>
+                <a:latin typeface="Courier"/>
+              </a:rPr>
+              <a:t>)</a:t>
             </a:r>
           </a:p>
         </p:txBody>
@@ -3875,8 +4436,8 @@
         </p:blipFill>
         <p:spPr bwMode="auto">
           <a:xfrm>
-            <a:off x="6121400" y="1498600"/>
-            <a:ext cx="2781300" cy="2781300"/>
+            <a:off x="5130800" y="1295400"/>
+            <a:ext cx="3276600" cy="3276600"/>
           </a:xfrm>
           <a:prstGeom prst="rect">
             <a:avLst/>
@@ -3923,148 +4484,6 @@
         </p:nvSpPr>
         <p:spPr>
           <a:xfrm>
-            <a:off x="0" y="0"/>
-            <a:ext cx="9144000" cy="602780"/>
-          </a:xfrm>
-          <a:solidFill>
-            <a:srgbClr val="70121D"/>
-          </a:solidFill>
-        </p:spPr>
-        <p:txBody>
-          <a:bodyPr/>
-          <a:lstStyle/>
-          <a:p>
-            <a:pPr lvl="0" indent="0" marL="0">
-              <a:buNone/>
-            </a:pPr>
-            <a:r>
-              <a:rPr/>
-              <a:t>Statistical vs. biological significance</a:t>
-            </a:r>
-          </a:p>
-        </p:txBody>
-      </p:sp>
-      <p:sp>
-        <p:nvSpPr>
-          <p:cNvPr id="3" name="Content Placeholder 2"/>
-          <p:cNvSpPr>
-            <a:spLocks noGrp="1"/>
-          </p:cNvSpPr>
-          <p:nvPr>
-            <p:ph idx="1" sz="half"/>
-          </p:nvPr>
-        </p:nvSpPr>
-        <p:spPr/>
-        <p:txBody>
-          <a:bodyPr/>
-          <a:lstStyle/>
-          <a:p>
-            <a:pPr lvl="0"/>
-            <a:r>
-              <a:rPr/>
-              <a:t>Finally, statistically significant difference…</a:t>
-            </a:r>
-          </a:p>
-          <a:p>
-            <a:pPr lvl="1"/>
-            <a:r>
-              <a:rPr/>
-              <a:t>Meaningful?</a:t>
-            </a:r>
-          </a:p>
-          <a:p>
-            <a:pPr lvl="1"/>
-            <a:r>
-              <a:rPr/>
-              <a:t>Ecologically significant?</a:t>
-            </a:r>
-          </a:p>
-          <a:p>
-            <a:pPr lvl="1"/>
-            <a:r>
-              <a:rPr/>
-              <a:t>Statistics can’t answer this question</a:t>
-            </a:r>
-          </a:p>
-          <a:p>
-            <a:pPr lvl="0"/>
-            <a:r>
-              <a:rPr b="1"/>
-              <a:t>IMPORTANT</a:t>
-            </a:r>
-            <a:r>
-              <a:rPr/>
-              <a:t> to report info that can assess biological significance</a:t>
-            </a:r>
-          </a:p>
-          <a:p>
-            <a:pPr lvl="0"/>
-            <a:r>
-              <a:rPr/>
-              <a:t>“A two-tailed, two-sample independent t-test showed significant difference in size between pop. A (4.99 mm ± 1.99 SD) and pop. B (5.06 mm ± 1.99 SD) at á=0.05 (t = -4.47, df = 59998, p-value &lt; 0.0001).”</a:t>
-            </a:r>
-          </a:p>
-        </p:txBody>
-      </p:sp>
-      <p:sp>
-        <p:nvSpPr>
-          <p:cNvPr id="4" name="Content Placeholder 3"/>
-          <p:cNvSpPr>
-            <a:spLocks noGrp="1"/>
-          </p:cNvSpPr>
-          <p:nvPr>
-            <p:ph idx="2" sz="half"/>
-          </p:nvPr>
-        </p:nvSpPr>
-        <p:spPr/>
-        <p:txBody>
-          <a:bodyPr/>
-          <a:lstStyle/>
-          <a:p>
-            <a:pPr lvl="0" indent="0" marL="0">
-              <a:buNone/>
-            </a:pPr>
-            <a:r>
-              <a:rPr/>
-              <a:t>&lt;!– –&gt;</a:t>
-            </a:r>
-          </a:p>
-        </p:txBody>
-      </p:sp>
-    </p:spTree>
-  </p:cSld>
-</p:sld>
-</file>
-
-<file path=ppt/slides/slide14.xml><?xml version="1.0" encoding="utf-8"?>
-<p:sld xmlns:a="http://schemas.openxmlformats.org/drawingml/2006/main" xmlns:r="http://schemas.openxmlformats.org/officeDocument/2006/relationships" xmlns:p="http://schemas.openxmlformats.org/presentationml/2006/main">
-  <p:cSld>
-    <p:spTree>
-      <p:nvGrpSpPr>
-        <p:cNvPr id="1" name=""/>
-        <p:cNvGrpSpPr/>
-        <p:nvPr/>
-      </p:nvGrpSpPr>
-      <p:grpSpPr>
-        <a:xfrm>
-          <a:off x="0" y="0"/>
-          <a:ext cx="0" cy="0"/>
-          <a:chOff x="0" y="0"/>
-          <a:chExt cx="0" cy="0"/>
-        </a:xfrm>
-      </p:grpSpPr>
-      <p:sp>
-        <p:nvSpPr>
-          <p:cNvPr id="2" name="Title 1"/>
-          <p:cNvSpPr>
-            <a:spLocks noGrp="1"/>
-          </p:cNvSpPr>
-          <p:nvPr>
-            <p:ph type="title"/>
-          </p:nvPr>
-        </p:nvSpPr>
-        <p:spPr>
-          <a:xfrm>
             <a:off x="139485" y="78119"/>
             <a:ext cx="8229600" cy="607682"/>
           </a:xfrm>
@@ -4101,21 +4520,28 @@
             <a:pPr lvl="0"/>
             <a:r>
               <a:rPr/>
-              <a:t>Basic assumptions of parametric t-tests:</a:t>
-            </a:r>
-          </a:p>
-          <a:p>
-            <a:pPr lvl="0"/>
-            <a:r>
-              <a:rPr/>
-              <a:t>Normality, equal variance, random sampling, no outliers</a:t>
-            </a:r>
-          </a:p>
-          <a:p>
-            <a:pPr lvl="0"/>
-            <a:r>
-              <a:rPr/>
-              <a:t>What to do if assumptions are violated?</a:t>
+              <a:t>QQ-plots: tool for assessing normality</a:t>
+            </a:r>
+          </a:p>
+          <a:p>
+            <a:pPr lvl="1"/>
+            <a:r>
+              <a:rPr/>
+              <a:t>On x- theoretical quantiles from SND</a:t>
+            </a:r>
+          </a:p>
+          <a:p>
+            <a:pPr lvl="1"/>
+            <a:r>
+              <a:rPr/>
+              <a:t>On y- ordered sample values</a:t>
+            </a:r>
+          </a:p>
+          <a:p>
+            <a:pPr lvl="1"/>
+            <a:r>
+              <a:rPr/>
+              <a:t>Deviation from normal can be detected as deviation from straight line</a:t>
             </a:r>
           </a:p>
         </p:txBody>
@@ -4145,7 +4571,7 @@
                 </a:solidFill>
                 <a:latin typeface="Courier"/>
               </a:rPr>
-              <a:t>ne12_histo_plot</a:t>
+              <a:t>isl_ne12_df &lt;- lt_df </a:t>
             </a:r>
             <a:r>
               <a:rPr>
@@ -4154,16 +4580,272 @@
                 </a:solidFill>
                 <a:latin typeface="Courier"/>
               </a:rPr>
+              <a:t>%&gt;%</a:t>
+            </a:r>
+            <a:r>
+              <a:rPr>
+                <a:solidFill>
+                  <a:srgbClr val="003B4F"/>
+                </a:solidFill>
+                <a:latin typeface="Courier"/>
+              </a:rPr>
+              <a:t> </a:t>
+            </a:r>
+            <a:r>
+              <a:rPr>
+                <a:solidFill>
+                  <a:srgbClr val="4758AB"/>
+                </a:solidFill>
+                <a:latin typeface="Courier"/>
+              </a:rPr>
+              <a:t>filter</a:t>
+            </a:r>
+            <a:r>
+              <a:rPr>
+                <a:solidFill>
+                  <a:srgbClr val="003B4F"/>
+                </a:solidFill>
+                <a:latin typeface="Courier"/>
+              </a:rPr>
+              <a:t>(lake </a:t>
+            </a:r>
+            <a:r>
+              <a:rPr>
+                <a:solidFill>
+                  <a:srgbClr val="5E5E5E"/>
+                </a:solidFill>
+                <a:latin typeface="Courier"/>
+              </a:rPr>
+              <a:t>%in%</a:t>
+            </a:r>
+            <a:r>
+              <a:rPr>
+                <a:solidFill>
+                  <a:srgbClr val="003B4F"/>
+                </a:solidFill>
+                <a:latin typeface="Courier"/>
+              </a:rPr>
+              <a:t> </a:t>
+            </a:r>
+            <a:r>
+              <a:rPr>
+                <a:solidFill>
+                  <a:srgbClr val="4758AB"/>
+                </a:solidFill>
+                <a:latin typeface="Courier"/>
+              </a:rPr>
+              <a:t>c</a:t>
+            </a:r>
+            <a:r>
+              <a:rPr>
+                <a:solidFill>
+                  <a:srgbClr val="003B4F"/>
+                </a:solidFill>
+                <a:latin typeface="Courier"/>
+              </a:rPr>
+              <a:t>(</a:t>
+            </a:r>
+            <a:r>
+              <a:rPr>
+                <a:solidFill>
+                  <a:srgbClr val="20794D"/>
+                </a:solidFill>
+                <a:latin typeface="Courier"/>
+              </a:rPr>
+              <a:t>"NE 12"</a:t>
+            </a:r>
+            <a:r>
+              <a:rPr>
+                <a:solidFill>
+                  <a:srgbClr val="003B4F"/>
+                </a:solidFill>
+                <a:latin typeface="Courier"/>
+              </a:rPr>
+              <a:t>, </a:t>
+            </a:r>
+            <a:r>
+              <a:rPr>
+                <a:solidFill>
+                  <a:srgbClr val="20794D"/>
+                </a:solidFill>
+                <a:latin typeface="Courier"/>
+              </a:rPr>
+              <a:t>"Island Lake"</a:t>
+            </a:r>
+            <a:r>
+              <a:rPr>
+                <a:solidFill>
+                  <a:srgbClr val="003B4F"/>
+                </a:solidFill>
+                <a:latin typeface="Courier"/>
+              </a:rPr>
+              <a:t>))</a:t>
+            </a:r>
+            <a:br/>
+            <a:br/>
+            <a:r>
+              <a:rPr>
+                <a:solidFill>
+                  <a:srgbClr val="003B4F"/>
+                </a:solidFill>
+                <a:latin typeface="Courier"/>
+              </a:rPr>
+              <a:t>ne12_island_box_plot &lt;- isl_ne12_df </a:t>
+            </a:r>
+            <a:r>
+              <a:rPr>
+                <a:solidFill>
+                  <a:srgbClr val="5E5E5E"/>
+                </a:solidFill>
+                <a:latin typeface="Courier"/>
+              </a:rPr>
+              <a:t>%&gt;%</a:t>
+            </a:r>
+            <a:r>
+              <a:rPr>
+                <a:solidFill>
+                  <a:srgbClr val="003B4F"/>
+                </a:solidFill>
+                <a:latin typeface="Courier"/>
+              </a:rPr>
+              <a:t> </a:t>
+            </a:r>
+            <a:br/>
+            <a:r>
+              <a:rPr>
+                <a:solidFill>
+                  <a:srgbClr val="003B4F"/>
+                </a:solidFill>
+                <a:latin typeface="Courier"/>
+              </a:rPr>
+              <a:t>  </a:t>
+            </a:r>
+            <a:r>
+              <a:rPr>
+                <a:solidFill>
+                  <a:srgbClr val="4758AB"/>
+                </a:solidFill>
+                <a:latin typeface="Courier"/>
+              </a:rPr>
+              <a:t>ggplot</a:t>
+            </a:r>
+            <a:r>
+              <a:rPr>
+                <a:solidFill>
+                  <a:srgbClr val="003B4F"/>
+                </a:solidFill>
+                <a:latin typeface="Courier"/>
+              </a:rPr>
+              <a:t>(</a:t>
+            </a:r>
+            <a:r>
+              <a:rPr>
+                <a:solidFill>
+                  <a:srgbClr val="4758AB"/>
+                </a:solidFill>
+                <a:latin typeface="Courier"/>
+              </a:rPr>
+              <a:t>aes</a:t>
+            </a:r>
+            <a:r>
+              <a:rPr>
+                <a:solidFill>
+                  <a:srgbClr val="003B4F"/>
+                </a:solidFill>
+                <a:latin typeface="Courier"/>
+              </a:rPr>
+              <a:t>(</a:t>
+            </a:r>
+            <a:r>
+              <a:rPr>
+                <a:solidFill>
+                  <a:srgbClr val="657422"/>
+                </a:solidFill>
+                <a:latin typeface="Courier"/>
+              </a:rPr>
+              <a:t>x=</a:t>
+            </a:r>
+            <a:r>
+              <a:rPr>
+                <a:solidFill>
+                  <a:srgbClr val="003B4F"/>
+                </a:solidFill>
+                <a:latin typeface="Courier"/>
+              </a:rPr>
+              <a:t>lake, </a:t>
+            </a:r>
+            <a:r>
+              <a:rPr>
+                <a:solidFill>
+                  <a:srgbClr val="657422"/>
+                </a:solidFill>
+                <a:latin typeface="Courier"/>
+              </a:rPr>
+              <a:t>y =</a:t>
+            </a:r>
+            <a:r>
+              <a:rPr>
+                <a:solidFill>
+                  <a:srgbClr val="003B4F"/>
+                </a:solidFill>
+                <a:latin typeface="Courier"/>
+              </a:rPr>
+              <a:t> mass_g, </a:t>
+            </a:r>
+            <a:r>
+              <a:rPr>
+                <a:solidFill>
+                  <a:srgbClr val="657422"/>
+                </a:solidFill>
+                <a:latin typeface="Courier"/>
+              </a:rPr>
+              <a:t>color=</a:t>
+            </a:r>
+            <a:r>
+              <a:rPr>
+                <a:solidFill>
+                  <a:srgbClr val="003B4F"/>
+                </a:solidFill>
+                <a:latin typeface="Courier"/>
+              </a:rPr>
+              <a:t>lake)) </a:t>
+            </a:r>
+            <a:r>
+              <a:rPr>
+                <a:solidFill>
+                  <a:srgbClr val="5E5E5E"/>
+                </a:solidFill>
+                <a:latin typeface="Courier"/>
+              </a:rPr>
               <a:t>+</a:t>
             </a:r>
-            <a:r>
-              <a:rPr>
-                <a:solidFill>
-                  <a:srgbClr val="003B4F"/>
-                </a:solidFill>
-                <a:latin typeface="Courier"/>
-              </a:rPr>
-              <a:t>ne12_box_plot</a:t>
+            <a:br/>
+            <a:r>
+              <a:rPr>
+                <a:solidFill>
+                  <a:srgbClr val="003B4F"/>
+                </a:solidFill>
+                <a:latin typeface="Courier"/>
+              </a:rPr>
+              <a:t>  </a:t>
+            </a:r>
+            <a:r>
+              <a:rPr>
+                <a:solidFill>
+                  <a:srgbClr val="4758AB"/>
+                </a:solidFill>
+                <a:latin typeface="Courier"/>
+              </a:rPr>
+              <a:t>geom_boxplot</a:t>
+            </a:r>
+            <a:r>
+              <a:rPr>
+                <a:solidFill>
+                  <a:srgbClr val="003B4F"/>
+                </a:solidFill>
+                <a:latin typeface="Courier"/>
+              </a:rPr>
+              <a:t>()</a:t>
             </a:r>
             <a:r>
               <a:rPr>
@@ -4174,6 +4856,64 @@
               </a:rPr>
               <a:t>+</a:t>
             </a:r>
+            <a:br/>
+            <a:r>
+              <a:rPr>
+                <a:solidFill>
+                  <a:srgbClr val="003B4F"/>
+                </a:solidFill>
+                <a:latin typeface="Courier"/>
+              </a:rPr>
+              <a:t>  </a:t>
+            </a:r>
+            <a:r>
+              <a:rPr>
+                <a:solidFill>
+                  <a:srgbClr val="4758AB"/>
+                </a:solidFill>
+                <a:latin typeface="Courier"/>
+              </a:rPr>
+              <a:t>theme_minimal</a:t>
+            </a:r>
+            <a:r>
+              <a:rPr>
+                <a:solidFill>
+                  <a:srgbClr val="003B4F"/>
+                </a:solidFill>
+                <a:latin typeface="Courier"/>
+              </a:rPr>
+              <a:t>()</a:t>
+            </a:r>
+            <a:br/>
+            <a:r>
+              <a:rPr>
+                <a:solidFill>
+                  <a:srgbClr val="5E5E5E"/>
+                </a:solidFill>
+                <a:latin typeface="Courier"/>
+              </a:rPr>
+              <a:t># ne12_island_box_plot</a:t>
+            </a:r>
+            <a:br/>
+            <a:br/>
+            <a:r>
+              <a:rPr>
+                <a:solidFill>
+                  <a:srgbClr val="003B4F"/>
+                </a:solidFill>
+                <a:latin typeface="Courier"/>
+              </a:rPr>
+              <a:t>ne12_island_qq_plot &lt;- isl_ne12_df </a:t>
+            </a:r>
+            <a:r>
+              <a:rPr>
+                <a:solidFill>
+                  <a:srgbClr val="5E5E5E"/>
+                </a:solidFill>
+                <a:latin typeface="Courier"/>
+              </a:rPr>
+              <a:t>%&gt;%</a:t>
+            </a:r>
             <a:r>
               <a:rPr>
                 <a:solidFill>
@@ -4183,6 +4923,35 @@
               </a:rPr>
               <a:t> </a:t>
             </a:r>
+            <a:br/>
+            <a:r>
+              <a:rPr>
+                <a:solidFill>
+                  <a:srgbClr val="003B4F"/>
+                </a:solidFill>
+                <a:latin typeface="Courier"/>
+              </a:rPr>
+              <a:t>  </a:t>
+            </a:r>
+            <a:r>
+              <a:rPr>
+                <a:solidFill>
+                  <a:srgbClr val="5E5E5E"/>
+                </a:solidFill>
+                <a:latin typeface="Courier"/>
+              </a:rPr>
+              <a:t># filter(lake =="NE 12") %&gt;%</a:t>
+            </a:r>
+            <a:br/>
+            <a:r>
+              <a:rPr>
+                <a:solidFill>
+                  <a:srgbClr val="003B4F"/>
+                </a:solidFill>
+                <a:latin typeface="Courier"/>
+              </a:rPr>
+              <a:t>  </a:t>
+            </a:r>
             <a:r>
               <a:rPr>
                 <a:solidFill>
@@ -4190,6 +4959,336 @@
                 </a:solidFill>
                 <a:latin typeface="Courier"/>
               </a:rPr>
+              <a:t>ggplot</a:t>
+            </a:r>
+            <a:r>
+              <a:rPr>
+                <a:solidFill>
+                  <a:srgbClr val="003B4F"/>
+                </a:solidFill>
+                <a:latin typeface="Courier"/>
+              </a:rPr>
+              <a:t>(</a:t>
+            </a:r>
+            <a:r>
+              <a:rPr>
+                <a:solidFill>
+                  <a:srgbClr val="4758AB"/>
+                </a:solidFill>
+                <a:latin typeface="Courier"/>
+              </a:rPr>
+              <a:t>aes</a:t>
+            </a:r>
+            <a:r>
+              <a:rPr>
+                <a:solidFill>
+                  <a:srgbClr val="003B4F"/>
+                </a:solidFill>
+                <a:latin typeface="Courier"/>
+              </a:rPr>
+              <a:t>(</a:t>
+            </a:r>
+            <a:r>
+              <a:rPr>
+                <a:solidFill>
+                  <a:srgbClr val="657422"/>
+                </a:solidFill>
+                <a:latin typeface="Courier"/>
+              </a:rPr>
+              <a:t>sample =</a:t>
+            </a:r>
+            <a:r>
+              <a:rPr>
+                <a:solidFill>
+                  <a:srgbClr val="003B4F"/>
+                </a:solidFill>
+                <a:latin typeface="Courier"/>
+              </a:rPr>
+              <a:t> mass_g , </a:t>
+            </a:r>
+            <a:r>
+              <a:rPr>
+                <a:solidFill>
+                  <a:srgbClr val="657422"/>
+                </a:solidFill>
+                <a:latin typeface="Courier"/>
+              </a:rPr>
+              <a:t>color=</a:t>
+            </a:r>
+            <a:r>
+              <a:rPr>
+                <a:solidFill>
+                  <a:srgbClr val="003B4F"/>
+                </a:solidFill>
+                <a:latin typeface="Courier"/>
+              </a:rPr>
+              <a:t>lake)) </a:t>
+            </a:r>
+            <a:r>
+              <a:rPr>
+                <a:solidFill>
+                  <a:srgbClr val="5E5E5E"/>
+                </a:solidFill>
+                <a:latin typeface="Courier"/>
+              </a:rPr>
+              <a:t>+</a:t>
+            </a:r>
+            <a:br/>
+            <a:r>
+              <a:rPr>
+                <a:solidFill>
+                  <a:srgbClr val="003B4F"/>
+                </a:solidFill>
+                <a:latin typeface="Courier"/>
+              </a:rPr>
+              <a:t>  </a:t>
+            </a:r>
+            <a:r>
+              <a:rPr>
+                <a:solidFill>
+                  <a:srgbClr val="4758AB"/>
+                </a:solidFill>
+                <a:latin typeface="Courier"/>
+              </a:rPr>
+              <a:t>stat_qq</a:t>
+            </a:r>
+            <a:r>
+              <a:rPr>
+                <a:solidFill>
+                  <a:srgbClr val="003B4F"/>
+                </a:solidFill>
+                <a:latin typeface="Courier"/>
+              </a:rPr>
+              <a:t>() </a:t>
+            </a:r>
+            <a:r>
+              <a:rPr>
+                <a:solidFill>
+                  <a:srgbClr val="5E5E5E"/>
+                </a:solidFill>
+                <a:latin typeface="Courier"/>
+              </a:rPr>
+              <a:t>+</a:t>
+            </a:r>
+            <a:br/>
+            <a:r>
+              <a:rPr>
+                <a:solidFill>
+                  <a:srgbClr val="003B4F"/>
+                </a:solidFill>
+                <a:latin typeface="Courier"/>
+              </a:rPr>
+              <a:t>  </a:t>
+            </a:r>
+            <a:r>
+              <a:rPr>
+                <a:solidFill>
+                  <a:srgbClr val="4758AB"/>
+                </a:solidFill>
+                <a:latin typeface="Courier"/>
+              </a:rPr>
+              <a:t>stat_qq_line</a:t>
+            </a:r>
+            <a:r>
+              <a:rPr>
+                <a:solidFill>
+                  <a:srgbClr val="003B4F"/>
+                </a:solidFill>
+                <a:latin typeface="Courier"/>
+              </a:rPr>
+              <a:t>() </a:t>
+            </a:r>
+            <a:r>
+              <a:rPr>
+                <a:solidFill>
+                  <a:srgbClr val="5E5E5E"/>
+                </a:solidFill>
+                <a:latin typeface="Courier"/>
+              </a:rPr>
+              <a:t>+</a:t>
+            </a:r>
+            <a:br/>
+            <a:r>
+              <a:rPr>
+                <a:solidFill>
+                  <a:srgbClr val="003B4F"/>
+                </a:solidFill>
+                <a:latin typeface="Courier"/>
+              </a:rPr>
+              <a:t>  </a:t>
+            </a:r>
+            <a:r>
+              <a:rPr>
+                <a:solidFill>
+                  <a:srgbClr val="4758AB"/>
+                </a:solidFill>
+                <a:latin typeface="Courier"/>
+              </a:rPr>
+              <a:t>labs</a:t>
+            </a:r>
+            <a:r>
+              <a:rPr>
+                <a:solidFill>
+                  <a:srgbClr val="003B4F"/>
+                </a:solidFill>
+                <a:latin typeface="Courier"/>
+              </a:rPr>
+              <a:t>( </a:t>
+            </a:r>
+            <a:r>
+              <a:rPr>
+                <a:solidFill>
+                  <a:srgbClr val="657422"/>
+                </a:solidFill>
+                <a:latin typeface="Courier"/>
+              </a:rPr>
+              <a:t>x =</a:t>
+            </a:r>
+            <a:r>
+              <a:rPr>
+                <a:solidFill>
+                  <a:srgbClr val="003B4F"/>
+                </a:solidFill>
+                <a:latin typeface="Courier"/>
+              </a:rPr>
+              <a:t> </a:t>
+            </a:r>
+            <a:r>
+              <a:rPr>
+                <a:solidFill>
+                  <a:srgbClr val="20794D"/>
+                </a:solidFill>
+                <a:latin typeface="Courier"/>
+              </a:rPr>
+              <a:t>"Theoretical Quantiles"</a:t>
+            </a:r>
+            <a:r>
+              <a:rPr>
+                <a:solidFill>
+                  <a:srgbClr val="003B4F"/>
+                </a:solidFill>
+                <a:latin typeface="Courier"/>
+              </a:rPr>
+              <a:t>, </a:t>
+            </a:r>
+            <a:r>
+              <a:rPr>
+                <a:solidFill>
+                  <a:srgbClr val="657422"/>
+                </a:solidFill>
+                <a:latin typeface="Courier"/>
+              </a:rPr>
+              <a:t>y =</a:t>
+            </a:r>
+            <a:r>
+              <a:rPr>
+                <a:solidFill>
+                  <a:srgbClr val="003B4F"/>
+                </a:solidFill>
+                <a:latin typeface="Courier"/>
+              </a:rPr>
+              <a:t> </a:t>
+            </a:r>
+            <a:r>
+              <a:rPr>
+                <a:solidFill>
+                  <a:srgbClr val="20794D"/>
+                </a:solidFill>
+                <a:latin typeface="Courier"/>
+              </a:rPr>
+              <a:t>"Sample Quantiles"</a:t>
+            </a:r>
+            <a:r>
+              <a:rPr>
+                <a:solidFill>
+                  <a:srgbClr val="003B4F"/>
+                </a:solidFill>
+                <a:latin typeface="Courier"/>
+              </a:rPr>
+              <a:t>) </a:t>
+            </a:r>
+            <a:r>
+              <a:rPr>
+                <a:solidFill>
+                  <a:srgbClr val="5E5E5E"/>
+                </a:solidFill>
+                <a:latin typeface="Courier"/>
+              </a:rPr>
+              <a:t>+</a:t>
+            </a:r>
+            <a:br/>
+            <a:r>
+              <a:rPr>
+                <a:solidFill>
+                  <a:srgbClr val="003B4F"/>
+                </a:solidFill>
+                <a:latin typeface="Courier"/>
+              </a:rPr>
+              <a:t>  </a:t>
+            </a:r>
+            <a:r>
+              <a:rPr>
+                <a:solidFill>
+                  <a:srgbClr val="4758AB"/>
+                </a:solidFill>
+                <a:latin typeface="Courier"/>
+              </a:rPr>
+              <a:t>theme_minimal</a:t>
+            </a:r>
+            <a:r>
+              <a:rPr>
+                <a:solidFill>
+                  <a:srgbClr val="003B4F"/>
+                </a:solidFill>
+                <a:latin typeface="Courier"/>
+              </a:rPr>
+              <a:t>() </a:t>
+            </a:r>
+            <a:br/>
+            <a:br/>
+            <a:r>
+              <a:rPr>
+                <a:solidFill>
+                  <a:srgbClr val="003B4F"/>
+                </a:solidFill>
+                <a:latin typeface="Courier"/>
+              </a:rPr>
+              <a:t>ne12_island_box_plot </a:t>
+            </a:r>
+            <a:r>
+              <a:rPr>
+                <a:solidFill>
+                  <a:srgbClr val="5E5E5E"/>
+                </a:solidFill>
+                <a:latin typeface="Courier"/>
+              </a:rPr>
+              <a:t>+</a:t>
+            </a:r>
+            <a:r>
+              <a:rPr>
+                <a:solidFill>
+                  <a:srgbClr val="003B4F"/>
+                </a:solidFill>
+                <a:latin typeface="Courier"/>
+              </a:rPr>
+              <a:t>ne12_island_qq_plot</a:t>
+            </a:r>
+            <a:r>
+              <a:rPr>
+                <a:solidFill>
+                  <a:srgbClr val="5E5E5E"/>
+                </a:solidFill>
+                <a:latin typeface="Courier"/>
+              </a:rPr>
+              <a:t>+</a:t>
+            </a:r>
+            <a:r>
+              <a:rPr>
+                <a:solidFill>
+                  <a:srgbClr val="4758AB"/>
+                </a:solidFill>
+                <a:latin typeface="Courier"/>
+              </a:rPr>
               <a:t>plot_layout</a:t>
             </a:r>
             <a:r>
@@ -4208,16 +5307,16 @@
                 </a:solidFill>
                 <a:latin typeface="Courier"/>
               </a:rPr>
-              <a:t>ncol=</a:t>
-            </a:r>
-            <a:r>
-              <a:rPr>
-                <a:solidFill>
-                  <a:srgbClr val="AD0000"/>
-                </a:solidFill>
-                <a:latin typeface="Courier"/>
-              </a:rPr>
-              <a:t>1</a:t>
+              <a:t>guides=</a:t>
+            </a:r>
+            <a:r>
+              <a:rPr>
+                <a:solidFill>
+                  <a:srgbClr val="20794D"/>
+                </a:solidFill>
+                <a:latin typeface="Courier"/>
+              </a:rPr>
+              <a:t>"collect"</a:t>
             </a:r>
             <a:r>
               <a:rPr>
@@ -4266,6 +5365,148 @@
 </p:sld>
 </file>
 
+<file path=ppt/slides/slide14.xml><?xml version="1.0" encoding="utf-8"?>
+<p:sld xmlns:a="http://schemas.openxmlformats.org/drawingml/2006/main" xmlns:r="http://schemas.openxmlformats.org/officeDocument/2006/relationships" xmlns:p="http://schemas.openxmlformats.org/presentationml/2006/main">
+  <p:cSld>
+    <p:spTree>
+      <p:nvGrpSpPr>
+        <p:cNvPr id="1" name=""/>
+        <p:cNvGrpSpPr/>
+        <p:nvPr/>
+      </p:nvGrpSpPr>
+      <p:grpSpPr>
+        <a:xfrm>
+          <a:off x="0" y="0"/>
+          <a:ext cx="0" cy="0"/>
+          <a:chOff x="0" y="0"/>
+          <a:chExt cx="0" cy="0"/>
+        </a:xfrm>
+      </p:grpSpPr>
+      <p:sp>
+        <p:nvSpPr>
+          <p:cNvPr id="2" name="Title 1"/>
+          <p:cNvSpPr>
+            <a:spLocks noGrp="1"/>
+          </p:cNvSpPr>
+          <p:nvPr>
+            <p:ph type="title"/>
+          </p:nvPr>
+        </p:nvSpPr>
+        <p:spPr>
+          <a:xfrm>
+            <a:off x="0" y="0"/>
+            <a:ext cx="9144000" cy="602780"/>
+          </a:xfrm>
+          <a:solidFill>
+            <a:srgbClr val="70121D"/>
+          </a:solidFill>
+        </p:spPr>
+        <p:txBody>
+          <a:bodyPr/>
+          <a:lstStyle/>
+          <a:p>
+            <a:pPr lvl="0" indent="0" marL="0">
+              <a:buNone/>
+            </a:pPr>
+            <a:r>
+              <a:rPr/>
+              <a:t>Assumptions of parametric tests</a:t>
+            </a:r>
+          </a:p>
+        </p:txBody>
+      </p:sp>
+      <p:sp>
+        <p:nvSpPr>
+          <p:cNvPr id="3" name="Content Placeholder 2"/>
+          <p:cNvSpPr>
+            <a:spLocks noGrp="1"/>
+          </p:cNvSpPr>
+          <p:nvPr>
+            <p:ph idx="1" sz="half"/>
+          </p:nvPr>
+        </p:nvSpPr>
+        <p:spPr/>
+        <p:txBody>
+          <a:bodyPr/>
+          <a:lstStyle/>
+          <a:p>
+            <a:pPr lvl="0"/>
+            <a:r>
+              <a:rPr/>
+              <a:t>In some cases, data can be mathematically “transformed” to meet assumptions of parametric tests</a:t>
+            </a:r>
+          </a:p>
+          <a:p>
+            <a:pPr lvl="0"/>
+            <a:r>
+              <a:rPr/>
+              <a:t>this can be done in r and usually involves</a:t>
+            </a:r>
+          </a:p>
+          <a:p>
+            <a:pPr lvl="1"/>
+            <a:r>
+              <a:rPr/>
+              <a:t>log10 transformations</a:t>
+            </a:r>
+          </a:p>
+          <a:p>
+            <a:pPr lvl="1"/>
+            <a:r>
+              <a:rPr/>
+              <a:t>square root transformations</a:t>
+            </a:r>
+          </a:p>
+          <a:p>
+            <a:pPr lvl="1"/>
+            <a:r>
+              <a:rPr/>
+              <a:t>and many others… I will have a description soon</a:t>
+            </a:r>
+          </a:p>
+        </p:txBody>
+      </p:sp>
+      <p:sp>
+        <p:nvSpPr>
+          <p:cNvPr id="4" name="Content Placeholder 3"/>
+          <p:cNvSpPr>
+            <a:spLocks noGrp="1"/>
+          </p:cNvSpPr>
+          <p:nvPr>
+            <p:ph idx="2" sz="half"/>
+          </p:nvPr>
+        </p:nvSpPr>
+        <p:spPr/>
+        <p:txBody>
+          <a:bodyPr/>
+          <a:lstStyle/>
+          <a:p>
+            <a:pPr lvl="0" indent="0" marL="0">
+              <a:buNone/>
+            </a:pPr>
+            <a:r>
+              <a:rPr/>
+              <a:t>&lt;&gt;</a:t>
+            </a:r>
+          </a:p>
+          <a:p>
+            <a:pPr lvl="0" indent="0" marL="0">
+              <a:buNone/>
+            </a:pPr>
+            <a:r>
+              <a:rPr>
+                <a:hlinkClick r:id="rId2"/>
+              </a:rPr>
+              <a:t>source</a:t>
+            </a:r>
+          </a:p>
+        </p:txBody>
+      </p:sp>
+    </p:spTree>
+  </p:cSld>
+</p:sld>
+</file>
+
 <file path=ppt/slides/slide15.xml><?xml version="1.0" encoding="utf-8"?>
 <p:sld xmlns:a="http://schemas.openxmlformats.org/drawingml/2006/main" xmlns:r="http://schemas.openxmlformats.org/officeDocument/2006/relationships" xmlns:p="http://schemas.openxmlformats.org/presentationml/2006/main">
   <p:cSld>
@@ -4308,7 +5549,7 @@
             </a:pPr>
             <a:r>
               <a:rPr/>
-              <a:t>Nonparametric test</a:t>
+              <a:t>Robust tests</a:t>
             </a:r>
           </a:p>
         </p:txBody>
@@ -4330,55 +5571,36 @@
           <a:p>
             <a:pPr lvl="0"/>
             <a:r>
-              <a:rPr/>
-              <a:t>t-tests have several assumptions.</a:t>
-            </a:r>
-          </a:p>
-          <a:p>
-            <a:pPr lvl="0"/>
-            <a:r>
-              <a:rPr/>
-              <a:t>Alternative tests, with more relaxed assumptions, are available to statisticians.</a:t>
-            </a:r>
-          </a:p>
-          <a:p>
-            <a:pPr lvl="0"/>
-            <a:r>
-              <a:rPr/>
-              <a:t>In which case would you use the following tests?</a:t>
+              <a:rPr b="1"/>
+              <a:t>Welch’s t-test</a:t>
             </a:r>
           </a:p>
           <a:p>
             <a:pPr lvl="1"/>
             <a:r>
               <a:rPr/>
-              <a:t>Welch’s t-test: </a:t>
-            </a:r>
-            <a:r>
-              <a:rPr i="1"/>
-              <a:t>when distribution normal but variance unequal</a:t>
+              <a:t>common “robust” test for means of two populations</a:t>
             </a:r>
           </a:p>
           <a:p>
             <a:pPr lvl="1"/>
             <a:r>
               <a:rPr/>
-              <a:t>Permutation test for two samples: </a:t>
-            </a:r>
-            <a:r>
-              <a:rPr i="1"/>
-              <a:t>when distribution not normal (but both groups should still have similar distributions and ~equal variance)</a:t>
+              <a:t>Robust to violation of equal variance assumption, deals better with unequal sample size</a:t>
             </a:r>
           </a:p>
           <a:p>
             <a:pPr lvl="1"/>
             <a:r>
               <a:rPr/>
-              <a:t>Mann-Whitney-Wilcoxon test: </a:t>
-            </a:r>
-            <a:r>
-              <a:rPr i="1"/>
-              <a:t>when distribution not normal and/or outliers are present (but both groups should still have similar distributions and ~equal variance)</a:t>
+              <a:t>Parametric test (assumes normal distribution)</a:t>
+            </a:r>
+          </a:p>
+          <a:p>
+            <a:pPr lvl="1"/>
+            <a:r>
+              <a:rPr/>
+              <a:t>Calculates a t statistic but recalculates df based on samples sizes and s</a:t>
             </a:r>
           </a:p>
         </p:txBody>
@@ -4398,26 +5620,17 @@
           <a:bodyPr/>
           <a:lstStyle/>
           <a:p>
-            <a:pPr lvl="0" indent="0" marL="0">
+            <a:pPr lvl="0" indent="0">
               <a:buNone/>
             </a:pPr>
             <a:r>
-              <a:rPr/>
-              <a:t>&lt; –</a:t>
-            </a:r>
-          </a:p>
-          <a:p>
-            <a:pPr lvl="0" indent="0">
-              <a:buNone/>
-            </a:pPr>
-            <a:r>
-              <a:rPr>
-                <a:solidFill>
-                  <a:srgbClr val="003B4F"/>
-                </a:solidFill>
-                <a:latin typeface="Courier"/>
-              </a:rPr>
-              <a:t>ne12_histo_plot</a:t>
+              <a:rPr>
+                <a:solidFill>
+                  <a:srgbClr val="003B4F"/>
+                </a:solidFill>
+                <a:latin typeface="Courier"/>
+              </a:rPr>
+              <a:t>log_ne12_island_box_plot &lt;- isl_ne12_df </a:t>
             </a:r>
             <a:r>
               <a:rPr>
@@ -4426,16 +5639,171 @@
                 </a:solidFill>
                 <a:latin typeface="Courier"/>
               </a:rPr>
+              <a:t>%&gt;%</a:t>
+            </a:r>
+            <a:r>
+              <a:rPr>
+                <a:solidFill>
+                  <a:srgbClr val="003B4F"/>
+                </a:solidFill>
+                <a:latin typeface="Courier"/>
+              </a:rPr>
+              <a:t> </a:t>
+            </a:r>
+            <a:br/>
+            <a:r>
+              <a:rPr>
+                <a:solidFill>
+                  <a:srgbClr val="003B4F"/>
+                </a:solidFill>
+                <a:latin typeface="Courier"/>
+              </a:rPr>
+              <a:t>  </a:t>
+            </a:r>
+            <a:r>
+              <a:rPr>
+                <a:solidFill>
+                  <a:srgbClr val="4758AB"/>
+                </a:solidFill>
+                <a:latin typeface="Courier"/>
+              </a:rPr>
+              <a:t>ggplot</a:t>
+            </a:r>
+            <a:r>
+              <a:rPr>
+                <a:solidFill>
+                  <a:srgbClr val="003B4F"/>
+                </a:solidFill>
+                <a:latin typeface="Courier"/>
+              </a:rPr>
+              <a:t>(</a:t>
+            </a:r>
+            <a:r>
+              <a:rPr>
+                <a:solidFill>
+                  <a:srgbClr val="4758AB"/>
+                </a:solidFill>
+                <a:latin typeface="Courier"/>
+              </a:rPr>
+              <a:t>aes</a:t>
+            </a:r>
+            <a:r>
+              <a:rPr>
+                <a:solidFill>
+                  <a:srgbClr val="003B4F"/>
+                </a:solidFill>
+                <a:latin typeface="Courier"/>
+              </a:rPr>
+              <a:t>(</a:t>
+            </a:r>
+            <a:r>
+              <a:rPr>
+                <a:solidFill>
+                  <a:srgbClr val="657422"/>
+                </a:solidFill>
+                <a:latin typeface="Courier"/>
+              </a:rPr>
+              <a:t>x=</a:t>
+            </a:r>
+            <a:r>
+              <a:rPr>
+                <a:solidFill>
+                  <a:srgbClr val="003B4F"/>
+                </a:solidFill>
+                <a:latin typeface="Courier"/>
+              </a:rPr>
+              <a:t>lake, </a:t>
+            </a:r>
+            <a:r>
+              <a:rPr>
+                <a:solidFill>
+                  <a:srgbClr val="657422"/>
+                </a:solidFill>
+                <a:latin typeface="Courier"/>
+              </a:rPr>
+              <a:t>y =</a:t>
+            </a:r>
+            <a:r>
+              <a:rPr>
+                <a:solidFill>
+                  <a:srgbClr val="003B4F"/>
+                </a:solidFill>
+                <a:latin typeface="Courier"/>
+              </a:rPr>
+              <a:t> </a:t>
+            </a:r>
+            <a:r>
+              <a:rPr>
+                <a:solidFill>
+                  <a:srgbClr val="4758AB"/>
+                </a:solidFill>
+                <a:latin typeface="Courier"/>
+              </a:rPr>
+              <a:t>log10</a:t>
+            </a:r>
+            <a:r>
+              <a:rPr>
+                <a:solidFill>
+                  <a:srgbClr val="003B4F"/>
+                </a:solidFill>
+                <a:latin typeface="Courier"/>
+              </a:rPr>
+              <a:t>(mass_g), </a:t>
+            </a:r>
+            <a:r>
+              <a:rPr>
+                <a:solidFill>
+                  <a:srgbClr val="657422"/>
+                </a:solidFill>
+                <a:latin typeface="Courier"/>
+              </a:rPr>
+              <a:t>color=</a:t>
+            </a:r>
+            <a:r>
+              <a:rPr>
+                <a:solidFill>
+                  <a:srgbClr val="003B4F"/>
+                </a:solidFill>
+                <a:latin typeface="Courier"/>
+              </a:rPr>
+              <a:t>lake)) </a:t>
+            </a:r>
+            <a:r>
+              <a:rPr>
+                <a:solidFill>
+                  <a:srgbClr val="5E5E5E"/>
+                </a:solidFill>
+                <a:latin typeface="Courier"/>
+              </a:rPr>
               <a:t>+</a:t>
             </a:r>
-            <a:r>
-              <a:rPr>
-                <a:solidFill>
-                  <a:srgbClr val="003B4F"/>
-                </a:solidFill>
-                <a:latin typeface="Courier"/>
-              </a:rPr>
-              <a:t>ne12_box_plot </a:t>
+            <a:br/>
+            <a:r>
+              <a:rPr>
+                <a:solidFill>
+                  <a:srgbClr val="003B4F"/>
+                </a:solidFill>
+                <a:latin typeface="Courier"/>
+              </a:rPr>
+              <a:t>  </a:t>
+            </a:r>
+            <a:r>
+              <a:rPr>
+                <a:solidFill>
+                  <a:srgbClr val="4758AB"/>
+                </a:solidFill>
+                <a:latin typeface="Courier"/>
+              </a:rPr>
+              <a:t>geom_boxplot</a:t>
+            </a:r>
+            <a:r>
+              <a:rPr>
+                <a:solidFill>
+                  <a:srgbClr val="003B4F"/>
+                </a:solidFill>
+                <a:latin typeface="Courier"/>
+              </a:rPr>
+              <a:t>()</a:t>
             </a:r>
             <a:r>
               <a:rPr>
@@ -4446,14 +5814,45 @@
               </a:rPr>
               <a:t>+</a:t>
             </a:r>
-            <a:r>
-              <a:rPr>
-                <a:solidFill>
-                  <a:srgbClr val="003B4F"/>
-                </a:solidFill>
-                <a:latin typeface="Courier"/>
-              </a:rPr>
-              <a:t> ne12_qq_plot </a:t>
+            <a:br/>
+            <a:r>
+              <a:rPr>
+                <a:solidFill>
+                  <a:srgbClr val="003B4F"/>
+                </a:solidFill>
+                <a:latin typeface="Courier"/>
+              </a:rPr>
+              <a:t>  </a:t>
+            </a:r>
+            <a:r>
+              <a:rPr>
+                <a:solidFill>
+                  <a:srgbClr val="4758AB"/>
+                </a:solidFill>
+                <a:latin typeface="Courier"/>
+              </a:rPr>
+              <a:t>theme_minimal</a:t>
+            </a:r>
+            <a:r>
+              <a:rPr>
+                <a:solidFill>
+                  <a:srgbClr val="003B4F"/>
+                </a:solidFill>
+                <a:latin typeface="Courier"/>
+              </a:rPr>
+              <a:t>()</a:t>
+            </a:r>
+            <a:br/>
+            <a:br/>
+            <a:br/>
+            <a:r>
+              <a:rPr>
+                <a:solidFill>
+                  <a:srgbClr val="003B4F"/>
+                </a:solidFill>
+                <a:latin typeface="Courier"/>
+              </a:rPr>
+              <a:t>ne12_island_box_plot </a:t>
             </a:r>
             <a:r>
               <a:rPr>
@@ -4471,7 +5870,16 @@
                 </a:solidFill>
                 <a:latin typeface="Courier"/>
               </a:rPr>
-              <a:t> </a:t>
+              <a:t>log_ne12_island_box_plot </a:t>
+            </a:r>
+            <a:r>
+              <a:rPr>
+                <a:solidFill>
+                  <a:srgbClr val="5E5E5E"/>
+                </a:solidFill>
+                <a:latin typeface="Courier"/>
+              </a:rPr>
+              <a:t>+</a:t>
             </a:r>
             <a:r>
               <a:rPr>
@@ -4498,16 +5906,16 @@
                 </a:solidFill>
                 <a:latin typeface="Courier"/>
               </a:rPr>
-              <a:t>ncol=</a:t>
-            </a:r>
-            <a:r>
-              <a:rPr>
-                <a:solidFill>
-                  <a:srgbClr val="AD0000"/>
-                </a:solidFill>
-                <a:latin typeface="Courier"/>
-              </a:rPr>
-              <a:t>1</a:t>
+              <a:t>guides=</a:t>
+            </a:r>
+            <a:r>
+              <a:rPr>
+                <a:solidFill>
+                  <a:srgbClr val="20794D"/>
+                </a:solidFill>
+                <a:latin typeface="Courier"/>
+              </a:rPr>
+              <a:t>"collect"</a:t>
             </a:r>
             <a:r>
               <a:rPr>
@@ -4585,6 +5993,393 @@
         </p:nvSpPr>
         <p:spPr>
           <a:xfrm>
+            <a:off x="0" y="0"/>
+            <a:ext cx="9144000" cy="602780"/>
+          </a:xfrm>
+          <a:solidFill>
+            <a:srgbClr val="70121D"/>
+          </a:solidFill>
+        </p:spPr>
+        <p:txBody>
+          <a:bodyPr/>
+          <a:lstStyle/>
+          <a:p>
+            <a:pPr lvl="0" indent="0" marL="0">
+              <a:buNone/>
+            </a:pPr>
+            <a:r>
+              <a:rPr/>
+              <a:t>Robust tests</a:t>
+            </a:r>
+          </a:p>
+        </p:txBody>
+      </p:sp>
+      <p:sp>
+        <p:nvSpPr>
+          <p:cNvPr id="3" name="Content Placeholder 2"/>
+          <p:cNvSpPr>
+            <a:spLocks noGrp="1"/>
+          </p:cNvSpPr>
+          <p:nvPr>
+            <p:ph idx="1" sz="half"/>
+          </p:nvPr>
+        </p:nvSpPr>
+        <p:spPr/>
+        <p:txBody>
+          <a:bodyPr/>
+          <a:lstStyle/>
+          <a:p>
+            <a:pPr lvl="0"/>
+            <a:r>
+              <a:rPr b="1"/>
+              <a:t>Lets compare a parametric T-Test to a Welch’s t-test</a:t>
+            </a:r>
+          </a:p>
+          <a:p>
+            <a:pPr lvl="1"/>
+            <a:r>
+              <a:rPr/>
+              <a:t>T-Test is:</a:t>
+            </a:r>
+          </a:p>
+          <a:p>
+            <a:pPr lvl="2"/>
+            <a:r>
+              <a:rPr b="1"/>
+              <a:t>t.test(y1, y2, var.equal = TRUE, paired = FALSE)</a:t>
+            </a:r>
+          </a:p>
+          <a:p>
+            <a:pPr lvl="1"/>
+            <a:r>
+              <a:rPr/>
+              <a:t>Welch’s T-Test is:</a:t>
+            </a:r>
+          </a:p>
+          <a:p>
+            <a:pPr lvl="2"/>
+            <a:r>
+              <a:rPr b="1"/>
+              <a:t>t.test(y1, y2, var.equal = FALSE, paired = FALSE)</a:t>
+            </a:r>
+          </a:p>
+        </p:txBody>
+      </p:sp>
+      <p:sp>
+        <p:nvSpPr>
+          <p:cNvPr id="4" name="Content Placeholder 3"/>
+          <p:cNvSpPr>
+            <a:spLocks noGrp="1"/>
+          </p:cNvSpPr>
+          <p:nvPr>
+            <p:ph idx="2" sz="half"/>
+          </p:nvPr>
+        </p:nvSpPr>
+        <p:spPr/>
+        <p:txBody>
+          <a:bodyPr/>
+          <a:lstStyle/>
+          <a:p>
+            <a:pPr lvl="0" indent="0">
+              <a:buNone/>
+            </a:pPr>
+            <a:r>
+              <a:rPr>
+                <a:latin typeface="Courier"/>
+              </a:rPr>
+              <a:t>[1] "Standard t-test results for lenght_mm:"</a:t>
+            </a:r>
+          </a:p>
+          <a:p>
+            <a:pPr lvl="0" indent="0">
+              <a:buNone/>
+            </a:pPr>
+            <a:r>
+              <a:rPr>
+                <a:latin typeface="Courier"/>
+              </a:rPr>
+              <a:t>
+    Two Sample t-test
+data:  mass_g by lake
+t = 14.181, df = 330, p-value &lt; 2.2e-16
+alternative hypothesis: true difference in means between group Island Lake and group NE 12 is not equal to 0
+95 percent confidence interval:
+ 2266.304 2996.360
+sample estimates:
+mean in group Island Lake       mean in group NE 12 
+                3165.0000                  533.6677 </a:t>
+            </a:r>
+          </a:p>
+          <a:p>
+            <a:pPr lvl="0" indent="0">
+              <a:buNone/>
+            </a:pPr>
+            <a:r>
+              <a:rPr>
+                <a:latin typeface="Courier"/>
+              </a:rPr>
+              <a:t>[1] "Welch's t-test results for lenght_mm:"</a:t>
+            </a:r>
+          </a:p>
+          <a:p>
+            <a:pPr lvl="0" indent="0">
+              <a:buNone/>
+            </a:pPr>
+            <a:r>
+              <a:rPr>
+                <a:latin typeface="Courier"/>
+              </a:rPr>
+              <a:t>
+    Welch Two Sample t-test
+data:  mass_g by lake
+t = 5.1368, df = 9.0578, p-value = 0.0006016
+alternative hypothesis: true difference in means between group Island Lake and group NE 12 is not equal to 0
+95 percent confidence interval:
+ 1473.676 3788.989
+sample estimates:
+mean in group Island Lake       mean in group NE 12 
+                3165.0000                  533.6677 </a:t>
+            </a:r>
+          </a:p>
+        </p:txBody>
+      </p:sp>
+    </p:spTree>
+  </p:cSld>
+</p:sld>
+</file>
+
+<file path=ppt/slides/slide17.xml><?xml version="1.0" encoding="utf-8"?>
+<p:sld xmlns:a="http://schemas.openxmlformats.org/drawingml/2006/main" xmlns:r="http://schemas.openxmlformats.org/officeDocument/2006/relationships" xmlns:p="http://schemas.openxmlformats.org/presentationml/2006/main">
+  <p:cSld>
+    <p:spTree>
+      <p:nvGrpSpPr>
+        <p:cNvPr id="1" name=""/>
+        <p:cNvGrpSpPr/>
+        <p:nvPr/>
+      </p:nvGrpSpPr>
+      <p:grpSpPr>
+        <a:xfrm>
+          <a:off x="0" y="0"/>
+          <a:ext cx="0" cy="0"/>
+          <a:chOff x="0" y="0"/>
+          <a:chExt cx="0" cy="0"/>
+        </a:xfrm>
+      </p:grpSpPr>
+      <p:sp>
+        <p:nvSpPr>
+          <p:cNvPr id="2" name="Title 1"/>
+          <p:cNvSpPr>
+            <a:spLocks noGrp="1"/>
+          </p:cNvSpPr>
+          <p:nvPr>
+            <p:ph type="title"/>
+          </p:nvPr>
+        </p:nvSpPr>
+        <p:spPr>
+          <a:xfrm>
+            <a:off x="0" y="0"/>
+            <a:ext cx="9144000" cy="602780"/>
+          </a:xfrm>
+          <a:solidFill>
+            <a:srgbClr val="70121D"/>
+          </a:solidFill>
+        </p:spPr>
+        <p:txBody>
+          <a:bodyPr/>
+          <a:lstStyle/>
+          <a:p>
+            <a:pPr lvl="0" indent="0" marL="0">
+              <a:buNone/>
+            </a:pPr>
+            <a:r>
+              <a:rPr/>
+              <a:t>Rank based tests</a:t>
+            </a:r>
+          </a:p>
+        </p:txBody>
+      </p:sp>
+      <p:sp>
+        <p:nvSpPr>
+          <p:cNvPr id="3" name="Content Placeholder 2"/>
+          <p:cNvSpPr>
+            <a:spLocks noGrp="1"/>
+          </p:cNvSpPr>
+          <p:nvPr>
+            <p:ph idx="1" sz="half"/>
+          </p:nvPr>
+        </p:nvSpPr>
+        <p:spPr/>
+        <p:txBody>
+          <a:bodyPr/>
+          <a:lstStyle/>
+          <a:p>
+            <a:pPr lvl="0" indent="0" marL="0">
+              <a:buNone/>
+            </a:pPr>
+            <a:r>
+              <a:rPr/>
+              <a:t>Rank-based tests: no assumptions about distribution (non-parametric)</a:t>
+            </a:r>
+          </a:p>
+          <a:p>
+            <a:pPr lvl="0"/>
+            <a:r>
+              <a:rPr/>
+              <a:t>Ranks of data: observations assigned ranks, sums (and signs for paired tests) of ranks for groups compared</a:t>
+            </a:r>
+          </a:p>
+          <a:p>
+            <a:pPr lvl="0"/>
+            <a:r>
+              <a:rPr b="1"/>
+              <a:t>Mann-Whitney U test</a:t>
+            </a:r>
+            <a:r>
+              <a:rPr/>
+              <a:t> common alternative to independent samples t-test</a:t>
+            </a:r>
+          </a:p>
+          <a:p>
+            <a:pPr lvl="0"/>
+            <a:r>
+              <a:rPr b="1"/>
+              <a:t>Wilcoxon signed-rank</a:t>
+            </a:r>
+            <a:r>
+              <a:rPr/>
+              <a:t> test is alternative to paired t-test</a:t>
+            </a:r>
+          </a:p>
+          <a:p>
+            <a:pPr lvl="0"/>
+            <a:r>
+              <a:rPr/>
+              <a:t>Assumptions: similar distributions for groups, equal variance</a:t>
+            </a:r>
+          </a:p>
+          <a:p>
+            <a:pPr lvl="0"/>
+            <a:r>
+              <a:rPr/>
+              <a:t>Less power than parametric tests</a:t>
+            </a:r>
+          </a:p>
+          <a:p>
+            <a:pPr lvl="0"/>
+            <a:r>
+              <a:rPr/>
+              <a:t>Best when normality assumption can not be met by transformation (weird distribution) or large outliers</a:t>
+            </a:r>
+          </a:p>
+        </p:txBody>
+      </p:sp>
+      <p:sp>
+        <p:nvSpPr>
+          <p:cNvPr id="4" name="Content Placeholder 3"/>
+          <p:cNvSpPr>
+            <a:spLocks noGrp="1"/>
+          </p:cNvSpPr>
+          <p:nvPr>
+            <p:ph idx="2" sz="half"/>
+          </p:nvPr>
+        </p:nvSpPr>
+        <p:spPr/>
+        <p:txBody>
+          <a:bodyPr/>
+          <a:lstStyle/>
+          <a:p>
+            <a:pPr lvl="0" indent="0" marL="0">
+              <a:buNone/>
+            </a:pPr>
+            <a:r>
+              <a:rPr/>
+              <a:t>&lt;</a:t>
+            </a:r>
+          </a:p>
+          <a:p>
+            <a:pPr lvl="0" indent="0">
+              <a:buNone/>
+            </a:pPr>
+            <a:r>
+              <a:rPr>
+                <a:latin typeface="Courier"/>
+              </a:rPr>
+              <a:t>[1] "Mann-Whitney U test results length:"</a:t>
+            </a:r>
+          </a:p>
+          <a:p>
+            <a:pPr lvl="0" indent="0">
+              <a:buNone/>
+            </a:pPr>
+            <a:r>
+              <a:rPr>
+                <a:latin typeface="Courier"/>
+              </a:rPr>
+              <a:t>
+    Wilcoxon rank sum test with continuity correction
+data:  mass_g by lake
+W = 3205.5, p-value = 9.506e-08
+alternative hypothesis: true location shift is not equal to 0</a:t>
+            </a:r>
+          </a:p>
+        </p:txBody>
+      </p:sp>
+    </p:spTree>
+  </p:cSld>
+</p:sld>
+</file>
+
+<file path=ppt/slides/slide18.xml><?xml version="1.0" encoding="utf-8"?>
+<p:sld xmlns:a="http://schemas.openxmlformats.org/drawingml/2006/main" xmlns:r="http://schemas.openxmlformats.org/officeDocument/2006/relationships" xmlns:p="http://schemas.openxmlformats.org/presentationml/2006/main">
+  <p:cSld>
+    <p:spTree>
+      <p:nvGrpSpPr>
+        <p:cNvPr id="1" name=""/>
+        <p:cNvGrpSpPr/>
+        <p:nvPr/>
+      </p:nvGrpSpPr>
+      <p:grpSpPr>
+        <a:xfrm>
+          <a:off x="0" y="0"/>
+          <a:ext cx="0" cy="0"/>
+          <a:chOff x="0" y="0"/>
+          <a:chExt cx="0" cy="0"/>
+        </a:xfrm>
+      </p:grpSpPr>
+    </p:spTree>
+  </p:cSld>
+</p:sld>
+</file>
+
+<file path=ppt/slides/slide19.xml><?xml version="1.0" encoding="utf-8"?>
+<p:sld xmlns:a="http://schemas.openxmlformats.org/drawingml/2006/main" xmlns:r="http://schemas.openxmlformats.org/officeDocument/2006/relationships" xmlns:p="http://schemas.openxmlformats.org/presentationml/2006/main">
+  <p:cSld>
+    <p:spTree>
+      <p:nvGrpSpPr>
+        <p:cNvPr id="1" name=""/>
+        <p:cNvGrpSpPr/>
+        <p:nvPr/>
+      </p:nvGrpSpPr>
+      <p:grpSpPr>
+        <a:xfrm>
+          <a:off x="0" y="0"/>
+          <a:ext cx="0" cy="0"/>
+          <a:chOff x="0" y="0"/>
+          <a:chExt cx="0" cy="0"/>
+        </a:xfrm>
+      </p:grpSpPr>
+      <p:sp>
+        <p:nvSpPr>
+          <p:cNvPr id="2" name="Title 1"/>
+          <p:cNvSpPr>
+            <a:spLocks noGrp="1"/>
+          </p:cNvSpPr>
+          <p:nvPr>
+            <p:ph type="title"/>
+          </p:nvPr>
+        </p:nvSpPr>
+        <p:spPr>
+          <a:xfrm>
             <a:off x="139485" y="78119"/>
             <a:ext cx="8229600" cy="607682"/>
           </a:xfrm>
@@ -4598,7 +6393,7 @@
             </a:pPr>
             <a:r>
               <a:rPr/>
-              <a:t>Assumptions of parametric tests</a:t>
+              <a:t>Permutation tests</a:t>
             </a:r>
           </a:p>
         </p:txBody>
@@ -4621,28 +6416,84 @@
             <a:pPr lvl="0"/>
             <a:r>
               <a:rPr/>
-              <a:t>QQ-plots: tool for assessing normality</a:t>
-            </a:r>
-          </a:p>
-          <a:p>
-            <a:pPr lvl="1"/>
-            <a:r>
-              <a:rPr/>
-              <a:t>On x- theoretical quantiles from SND</a:t>
-            </a:r>
-          </a:p>
-          <a:p>
-            <a:pPr lvl="1"/>
-            <a:r>
-              <a:rPr/>
-              <a:t>On y- ordered sample values</a:t>
-            </a:r>
-          </a:p>
-          <a:p>
-            <a:pPr lvl="1"/>
-            <a:r>
-              <a:rPr/>
-              <a:t>Deviation from normal can be detected as deviation from straight line</a:t>
+              <a:t>Permutation tests based on resampling: reshuffling of original data</a:t>
+            </a:r>
+          </a:p>
+          <a:p>
+            <a:pPr lvl="0"/>
+            <a:r>
+              <a:rPr/>
+              <a:t>Resampling allows parameter estimation when distribution unknown, including SEs and CIs of statistics (means, medians)</a:t>
+            </a:r>
+          </a:p>
+          <a:p>
+            <a:pPr lvl="0"/>
+            <a:r>
+              <a:rPr/>
+              <a:t>Common approach is bootstrap: resample sample with replacement many times, recalculate sample stats</a:t>
+            </a:r>
+          </a:p>
+          <a:p>
+            <a:pPr lvl="0"/>
+            <a:r>
+              <a:rPr/>
+              <a:t>Use the </a:t>
+            </a:r>
+            <a:r>
+              <a:rPr>
+                <a:latin typeface="Courier"/>
+              </a:rPr>
+              <a:t>perm</a:t>
+            </a:r>
+            <a:r>
+              <a:rPr/>
+              <a:t> package</a:t>
+            </a:r>
+          </a:p>
+          <a:p>
+            <a:pPr lvl="0"/>
+            <a:r>
+              <a:rPr/>
+              <a:t>Ho: µ</a:t>
+            </a:r>
+            <a:r>
+              <a:rPr baseline="-25000"/>
+              <a:t>A</a:t>
+            </a:r>
+            <a:r>
+              <a:rPr/>
+              <a:t> = µ</a:t>
+            </a:r>
+            <a:r>
+              <a:rPr baseline="-25000"/>
+              <a:t>B</a:t>
+            </a:r>
+            <a:br/>
+          </a:p>
+          <a:p>
+            <a:pPr lvl="0"/>
+            <a:r>
+              <a:rPr/>
+              <a:t>Ha: µ</a:t>
+            </a:r>
+            <a:r>
+              <a:rPr baseline="-25000"/>
+              <a:t>A</a:t>
+            </a:r>
+            <a:r>
+              <a:rPr/>
+              <a:t> ≠µ</a:t>
+            </a:r>
+            <a:r>
+              <a:rPr baseline="-25000"/>
+              <a:t>B</a:t>
+            </a:r>
+          </a:p>
+          <a:p>
+            <a:pPr lvl="0"/>
+            <a:r>
+              <a:rPr/>
+              <a:t>Calculates the difference ∆ in means between two groups</a:t>
             </a:r>
           </a:p>
         </p:txBody>
@@ -4662,841 +6513,19 @@
           <a:bodyPr/>
           <a:lstStyle/>
           <a:p>
-            <a:pPr lvl="0" indent="0">
+            <a:pPr lvl="0" indent="0" marL="0">
               <a:buNone/>
             </a:pPr>
             <a:r>
-              <a:rPr>
-                <a:solidFill>
-                  <a:srgbClr val="003B4F"/>
-                </a:solidFill>
-                <a:latin typeface="Courier"/>
-              </a:rPr>
-              <a:t>length_ne12_box_plot &lt;- isl_ne12_df </a:t>
-            </a:r>
-            <a:r>
-              <a:rPr>
-                <a:solidFill>
-                  <a:srgbClr val="5E5E5E"/>
-                </a:solidFill>
-                <a:latin typeface="Courier"/>
-              </a:rPr>
-              <a:t>%&gt;%</a:t>
-            </a:r>
-            <a:r>
-              <a:rPr>
-                <a:solidFill>
-                  <a:srgbClr val="003B4F"/>
-                </a:solidFill>
-                <a:latin typeface="Courier"/>
-              </a:rPr>
-              <a:t> </a:t>
-            </a:r>
-            <a:r>
-              <a:rPr>
-                <a:solidFill>
-                  <a:srgbClr val="4758AB"/>
-                </a:solidFill>
-                <a:latin typeface="Courier"/>
-              </a:rPr>
-              <a:t>filter</a:t>
-            </a:r>
-            <a:r>
-              <a:rPr>
-                <a:solidFill>
-                  <a:srgbClr val="003B4F"/>
-                </a:solidFill>
-                <a:latin typeface="Courier"/>
-              </a:rPr>
-              <a:t>(lake </a:t>
-            </a:r>
-            <a:r>
-              <a:rPr>
-                <a:solidFill>
-                  <a:srgbClr val="5E5E5E"/>
-                </a:solidFill>
-                <a:latin typeface="Courier"/>
-              </a:rPr>
-              <a:t>==</a:t>
-            </a:r>
-            <a:r>
-              <a:rPr>
-                <a:solidFill>
-                  <a:srgbClr val="20794D"/>
-                </a:solidFill>
-                <a:latin typeface="Courier"/>
-              </a:rPr>
-              <a:t>"NE 12"</a:t>
-            </a:r>
-            <a:r>
-              <a:rPr>
-                <a:solidFill>
-                  <a:srgbClr val="003B4F"/>
-                </a:solidFill>
-                <a:latin typeface="Courier"/>
-              </a:rPr>
-              <a:t>) </a:t>
-            </a:r>
-            <a:r>
-              <a:rPr>
-                <a:solidFill>
-                  <a:srgbClr val="5E5E5E"/>
-                </a:solidFill>
-                <a:latin typeface="Courier"/>
-              </a:rPr>
-              <a:t>%&gt;%</a:t>
-            </a:r>
-            <a:r>
-              <a:rPr>
-                <a:solidFill>
-                  <a:srgbClr val="003B4F"/>
-                </a:solidFill>
-                <a:latin typeface="Courier"/>
-              </a:rPr>
-              <a:t> </a:t>
-            </a:r>
-            <a:r>
-              <a:rPr>
-                <a:solidFill>
-                  <a:srgbClr val="4758AB"/>
-                </a:solidFill>
-                <a:latin typeface="Courier"/>
-              </a:rPr>
-              <a:t>ggplot</a:t>
-            </a:r>
-            <a:r>
-              <a:rPr>
-                <a:solidFill>
-                  <a:srgbClr val="003B4F"/>
-                </a:solidFill>
-                <a:latin typeface="Courier"/>
-              </a:rPr>
-              <a:t>(</a:t>
-            </a:r>
-            <a:r>
-              <a:rPr>
-                <a:solidFill>
-                  <a:srgbClr val="4758AB"/>
-                </a:solidFill>
-                <a:latin typeface="Courier"/>
-              </a:rPr>
-              <a:t>aes</a:t>
-            </a:r>
-            <a:r>
-              <a:rPr>
-                <a:solidFill>
-                  <a:srgbClr val="003B4F"/>
-                </a:solidFill>
-                <a:latin typeface="Courier"/>
-              </a:rPr>
-              <a:t>(</a:t>
-            </a:r>
-            <a:r>
-              <a:rPr>
-                <a:solidFill>
-                  <a:srgbClr val="657422"/>
-                </a:solidFill>
-                <a:latin typeface="Courier"/>
-              </a:rPr>
-              <a:t>x=</a:t>
-            </a:r>
-            <a:r>
-              <a:rPr>
-                <a:solidFill>
-                  <a:srgbClr val="003B4F"/>
-                </a:solidFill>
-                <a:latin typeface="Courier"/>
-              </a:rPr>
-              <a:t>lake, </a:t>
-            </a:r>
-            <a:r>
-              <a:rPr>
-                <a:solidFill>
-                  <a:srgbClr val="657422"/>
-                </a:solidFill>
-                <a:latin typeface="Courier"/>
-              </a:rPr>
-              <a:t>y =</a:t>
-            </a:r>
-            <a:r>
-              <a:rPr>
-                <a:solidFill>
-                  <a:srgbClr val="003B4F"/>
-                </a:solidFill>
-                <a:latin typeface="Courier"/>
-              </a:rPr>
-              <a:t> length_mm)) </a:t>
-            </a:r>
-            <a:r>
-              <a:rPr>
-                <a:solidFill>
-                  <a:srgbClr val="5E5E5E"/>
-                </a:solidFill>
-                <a:latin typeface="Courier"/>
-              </a:rPr>
-              <a:t>+</a:t>
-            </a:r>
-            <a:r>
-              <a:rPr>
-                <a:solidFill>
-                  <a:srgbClr val="4758AB"/>
-                </a:solidFill>
-                <a:latin typeface="Courier"/>
-              </a:rPr>
-              <a:t>geom_boxplot</a:t>
-            </a:r>
-            <a:r>
-              <a:rPr>
-                <a:solidFill>
-                  <a:srgbClr val="003B4F"/>
-                </a:solidFill>
-                <a:latin typeface="Courier"/>
-              </a:rPr>
-              <a:t>() </a:t>
-            </a:r>
-            <a:r>
-              <a:rPr>
-                <a:solidFill>
-                  <a:srgbClr val="5E5E5E"/>
-                </a:solidFill>
-                <a:latin typeface="Courier"/>
-              </a:rPr>
-              <a:t>+</a:t>
-            </a:r>
-            <a:r>
-              <a:rPr>
-                <a:solidFill>
-                  <a:srgbClr val="003B4F"/>
-                </a:solidFill>
-                <a:latin typeface="Courier"/>
-              </a:rPr>
-              <a:t> </a:t>
-            </a:r>
-            <a:r>
-              <a:rPr>
-                <a:solidFill>
-                  <a:srgbClr val="4758AB"/>
-                </a:solidFill>
-                <a:latin typeface="Courier"/>
-              </a:rPr>
-              <a:t>coord_flip</a:t>
-            </a:r>
-            <a:r>
-              <a:rPr>
-                <a:solidFill>
-                  <a:srgbClr val="003B4F"/>
-                </a:solidFill>
-                <a:latin typeface="Courier"/>
-              </a:rPr>
-              <a:t>()</a:t>
-            </a:r>
-            <a:br/>
-            <a:r>
-              <a:rPr>
-                <a:solidFill>
-                  <a:srgbClr val="003B4F"/>
-                </a:solidFill>
-                <a:latin typeface="Courier"/>
-              </a:rPr>
-              <a:t>length_ne12_qq_plot &lt;- isl_ne12_df </a:t>
-            </a:r>
-            <a:r>
-              <a:rPr>
-                <a:solidFill>
-                  <a:srgbClr val="5E5E5E"/>
-                </a:solidFill>
-                <a:latin typeface="Courier"/>
-              </a:rPr>
-              <a:t>%&gt;%</a:t>
-            </a:r>
-            <a:r>
-              <a:rPr>
-                <a:solidFill>
-                  <a:srgbClr val="003B4F"/>
-                </a:solidFill>
-                <a:latin typeface="Courier"/>
-              </a:rPr>
-              <a:t>  </a:t>
-            </a:r>
-            <a:r>
-              <a:rPr>
-                <a:solidFill>
-                  <a:srgbClr val="4758AB"/>
-                </a:solidFill>
-                <a:latin typeface="Courier"/>
-              </a:rPr>
-              <a:t>filter</a:t>
-            </a:r>
-            <a:r>
-              <a:rPr>
-                <a:solidFill>
-                  <a:srgbClr val="003B4F"/>
-                </a:solidFill>
-                <a:latin typeface="Courier"/>
-              </a:rPr>
-              <a:t>(lake </a:t>
-            </a:r>
-            <a:r>
-              <a:rPr>
-                <a:solidFill>
-                  <a:srgbClr val="5E5E5E"/>
-                </a:solidFill>
-                <a:latin typeface="Courier"/>
-              </a:rPr>
-              <a:t>==</a:t>
-            </a:r>
-            <a:r>
-              <a:rPr>
-                <a:solidFill>
-                  <a:srgbClr val="20794D"/>
-                </a:solidFill>
-                <a:latin typeface="Courier"/>
-              </a:rPr>
-              <a:t>"NE 12"</a:t>
-            </a:r>
-            <a:r>
-              <a:rPr>
-                <a:solidFill>
-                  <a:srgbClr val="003B4F"/>
-                </a:solidFill>
-                <a:latin typeface="Courier"/>
-              </a:rPr>
-              <a:t>) </a:t>
-            </a:r>
-            <a:r>
-              <a:rPr>
-                <a:solidFill>
-                  <a:srgbClr val="5E5E5E"/>
-                </a:solidFill>
-                <a:latin typeface="Courier"/>
-              </a:rPr>
-              <a:t>%&gt;%</a:t>
-            </a:r>
-            <a:r>
-              <a:rPr>
-                <a:solidFill>
-                  <a:srgbClr val="4758AB"/>
-                </a:solidFill>
-                <a:latin typeface="Courier"/>
-              </a:rPr>
-              <a:t>ggplot</a:t>
-            </a:r>
-            <a:r>
-              <a:rPr>
-                <a:solidFill>
-                  <a:srgbClr val="003B4F"/>
-                </a:solidFill>
-                <a:latin typeface="Courier"/>
-              </a:rPr>
-              <a:t>(</a:t>
-            </a:r>
-            <a:r>
-              <a:rPr>
-                <a:solidFill>
-                  <a:srgbClr val="4758AB"/>
-                </a:solidFill>
-                <a:latin typeface="Courier"/>
-              </a:rPr>
-              <a:t>aes</a:t>
-            </a:r>
-            <a:r>
-              <a:rPr>
-                <a:solidFill>
-                  <a:srgbClr val="003B4F"/>
-                </a:solidFill>
-                <a:latin typeface="Courier"/>
-              </a:rPr>
-              <a:t>(</a:t>
-            </a:r>
-            <a:r>
-              <a:rPr>
-                <a:solidFill>
-                  <a:srgbClr val="657422"/>
-                </a:solidFill>
-                <a:latin typeface="Courier"/>
-              </a:rPr>
-              <a:t>sample =</a:t>
-            </a:r>
-            <a:r>
-              <a:rPr>
-                <a:solidFill>
-                  <a:srgbClr val="003B4F"/>
-                </a:solidFill>
-                <a:latin typeface="Courier"/>
-              </a:rPr>
-              <a:t> length_mm)) </a:t>
-            </a:r>
-            <a:r>
-              <a:rPr>
-                <a:solidFill>
-                  <a:srgbClr val="5E5E5E"/>
-                </a:solidFill>
-                <a:latin typeface="Courier"/>
-              </a:rPr>
-              <a:t>+</a:t>
-            </a:r>
-            <a:br/>
-            <a:r>
-              <a:rPr>
-                <a:solidFill>
-                  <a:srgbClr val="003B4F"/>
-                </a:solidFill>
-                <a:latin typeface="Courier"/>
-              </a:rPr>
-              <a:t>  </a:t>
-            </a:r>
-            <a:r>
-              <a:rPr>
-                <a:solidFill>
-                  <a:srgbClr val="4758AB"/>
-                </a:solidFill>
-                <a:latin typeface="Courier"/>
-              </a:rPr>
-              <a:t>stat_qq</a:t>
-            </a:r>
-            <a:r>
-              <a:rPr>
-                <a:solidFill>
-                  <a:srgbClr val="003B4F"/>
-                </a:solidFill>
-                <a:latin typeface="Courier"/>
-              </a:rPr>
-              <a:t>(</a:t>
-            </a:r>
-            <a:r>
-              <a:rPr>
-                <a:solidFill>
-                  <a:srgbClr val="657422"/>
-                </a:solidFill>
-                <a:latin typeface="Courier"/>
-              </a:rPr>
-              <a:t>color =</a:t>
-            </a:r>
-            <a:r>
-              <a:rPr>
-                <a:solidFill>
-                  <a:srgbClr val="003B4F"/>
-                </a:solidFill>
-                <a:latin typeface="Courier"/>
-              </a:rPr>
-              <a:t> </a:t>
-            </a:r>
-            <a:r>
-              <a:rPr>
-                <a:solidFill>
-                  <a:srgbClr val="20794D"/>
-                </a:solidFill>
-                <a:latin typeface="Courier"/>
-              </a:rPr>
-              <a:t>"steelblue"</a:t>
-            </a:r>
-            <a:r>
-              <a:rPr>
-                <a:solidFill>
-                  <a:srgbClr val="003B4F"/>
-                </a:solidFill>
-                <a:latin typeface="Courier"/>
-              </a:rPr>
-              <a:t>) </a:t>
-            </a:r>
-            <a:r>
-              <a:rPr>
-                <a:solidFill>
-                  <a:srgbClr val="5E5E5E"/>
-                </a:solidFill>
-                <a:latin typeface="Courier"/>
-              </a:rPr>
-              <a:t>+</a:t>
-            </a:r>
-            <a:br/>
-            <a:r>
-              <a:rPr>
-                <a:solidFill>
-                  <a:srgbClr val="003B4F"/>
-                </a:solidFill>
-                <a:latin typeface="Courier"/>
-              </a:rPr>
-              <a:t>  </a:t>
-            </a:r>
-            <a:r>
-              <a:rPr>
-                <a:solidFill>
-                  <a:srgbClr val="4758AB"/>
-                </a:solidFill>
-                <a:latin typeface="Courier"/>
-              </a:rPr>
-              <a:t>stat_qq_line</a:t>
-            </a:r>
-            <a:r>
-              <a:rPr>
-                <a:solidFill>
-                  <a:srgbClr val="003B4F"/>
-                </a:solidFill>
-                <a:latin typeface="Courier"/>
-              </a:rPr>
-              <a:t>() </a:t>
-            </a:r>
-            <a:r>
-              <a:rPr>
-                <a:solidFill>
-                  <a:srgbClr val="5E5E5E"/>
-                </a:solidFill>
-                <a:latin typeface="Courier"/>
-              </a:rPr>
-              <a:t>+</a:t>
-            </a:r>
-            <a:br/>
-            <a:r>
-              <a:rPr>
-                <a:solidFill>
-                  <a:srgbClr val="003B4F"/>
-                </a:solidFill>
-                <a:latin typeface="Courier"/>
-              </a:rPr>
-              <a:t>  </a:t>
-            </a:r>
-            <a:r>
-              <a:rPr>
-                <a:solidFill>
-                  <a:srgbClr val="4758AB"/>
-                </a:solidFill>
-                <a:latin typeface="Courier"/>
-              </a:rPr>
-              <a:t>labs</a:t>
-            </a:r>
-            <a:r>
-              <a:rPr>
-                <a:solidFill>
-                  <a:srgbClr val="003B4F"/>
-                </a:solidFill>
-                <a:latin typeface="Courier"/>
-              </a:rPr>
-              <a:t>(</a:t>
-            </a:r>
-            <a:r>
-              <a:rPr>
-                <a:solidFill>
-                  <a:srgbClr val="657422"/>
-                </a:solidFill>
-                <a:latin typeface="Courier"/>
-              </a:rPr>
-              <a:t>title =</a:t>
-            </a:r>
-            <a:r>
-              <a:rPr>
-                <a:solidFill>
-                  <a:srgbClr val="003B4F"/>
-                </a:solidFill>
-                <a:latin typeface="Courier"/>
-              </a:rPr>
-              <a:t> </a:t>
-            </a:r>
-            <a:r>
-              <a:rPr>
-                <a:solidFill>
-                  <a:srgbClr val="20794D"/>
-                </a:solidFill>
-                <a:latin typeface="Courier"/>
-              </a:rPr>
-              <a:t>"QQ Plot"</a:t>
-            </a:r>
-            <a:r>
-              <a:rPr>
-                <a:solidFill>
-                  <a:srgbClr val="003B4F"/>
-                </a:solidFill>
-                <a:latin typeface="Courier"/>
-              </a:rPr>
-              <a:t>, </a:t>
-            </a:r>
-            <a:r>
-              <a:rPr>
-                <a:solidFill>
-                  <a:srgbClr val="657422"/>
-                </a:solidFill>
-                <a:latin typeface="Courier"/>
-              </a:rPr>
-              <a:t>x =</a:t>
-            </a:r>
-            <a:r>
-              <a:rPr>
-                <a:solidFill>
-                  <a:srgbClr val="003B4F"/>
-                </a:solidFill>
-                <a:latin typeface="Courier"/>
-              </a:rPr>
-              <a:t> </a:t>
-            </a:r>
-            <a:r>
-              <a:rPr>
-                <a:solidFill>
-                  <a:srgbClr val="20794D"/>
-                </a:solidFill>
-                <a:latin typeface="Courier"/>
-              </a:rPr>
-              <a:t>"Theoretical Quantiles"</a:t>
-            </a:r>
-            <a:r>
-              <a:rPr>
-                <a:solidFill>
-                  <a:srgbClr val="003B4F"/>
-                </a:solidFill>
-                <a:latin typeface="Courier"/>
-              </a:rPr>
-              <a:t>, </a:t>
-            </a:r>
-            <a:r>
-              <a:rPr>
-                <a:solidFill>
-                  <a:srgbClr val="657422"/>
-                </a:solidFill>
-                <a:latin typeface="Courier"/>
-              </a:rPr>
-              <a:t>y =</a:t>
-            </a:r>
-            <a:r>
-              <a:rPr>
-                <a:solidFill>
-                  <a:srgbClr val="003B4F"/>
-                </a:solidFill>
-                <a:latin typeface="Courier"/>
-              </a:rPr>
-              <a:t> </a:t>
-            </a:r>
-            <a:r>
-              <a:rPr>
-                <a:solidFill>
-                  <a:srgbClr val="20794D"/>
-                </a:solidFill>
-                <a:latin typeface="Courier"/>
-              </a:rPr>
-              <a:t>"Sample Quantiles"</a:t>
-            </a:r>
-            <a:r>
-              <a:rPr>
-                <a:solidFill>
-                  <a:srgbClr val="003B4F"/>
-                </a:solidFill>
-                <a:latin typeface="Courier"/>
-              </a:rPr>
-              <a:t>) </a:t>
-            </a:r>
-            <a:r>
-              <a:rPr>
-                <a:solidFill>
-                  <a:srgbClr val="5E5E5E"/>
-                </a:solidFill>
-                <a:latin typeface="Courier"/>
-              </a:rPr>
-              <a:t>+</a:t>
-            </a:r>
-            <a:br/>
-            <a:r>
-              <a:rPr>
-                <a:solidFill>
-                  <a:srgbClr val="003B4F"/>
-                </a:solidFill>
-                <a:latin typeface="Courier"/>
-              </a:rPr>
-              <a:t>  </a:t>
-            </a:r>
-            <a:r>
-              <a:rPr>
-                <a:solidFill>
-                  <a:srgbClr val="4758AB"/>
-                </a:solidFill>
-                <a:latin typeface="Courier"/>
-              </a:rPr>
-              <a:t>theme_minimal</a:t>
-            </a:r>
-            <a:r>
-              <a:rPr>
-                <a:solidFill>
-                  <a:srgbClr val="003B4F"/>
-                </a:solidFill>
-                <a:latin typeface="Courier"/>
-              </a:rPr>
-              <a:t>() </a:t>
-            </a:r>
-            <a:r>
-              <a:rPr>
-                <a:solidFill>
-                  <a:srgbClr val="5E5E5E"/>
-                </a:solidFill>
-                <a:latin typeface="Courier"/>
-              </a:rPr>
-              <a:t>+</a:t>
-            </a:r>
-            <a:br/>
-            <a:r>
-              <a:rPr>
-                <a:solidFill>
-                  <a:srgbClr val="003B4F"/>
-                </a:solidFill>
-                <a:latin typeface="Courier"/>
-              </a:rPr>
-              <a:t>  </a:t>
-            </a:r>
-            <a:r>
-              <a:rPr>
-                <a:solidFill>
-                  <a:srgbClr val="4758AB"/>
-                </a:solidFill>
-                <a:latin typeface="Courier"/>
-              </a:rPr>
-              <a:t>theme</a:t>
-            </a:r>
-            <a:r>
-              <a:rPr>
-                <a:solidFill>
-                  <a:srgbClr val="003B4F"/>
-                </a:solidFill>
-                <a:latin typeface="Courier"/>
-              </a:rPr>
-              <a:t>(</a:t>
-            </a:r>
-            <a:r>
-              <a:rPr>
-                <a:solidFill>
-                  <a:srgbClr val="657422"/>
-                </a:solidFill>
-                <a:latin typeface="Courier"/>
-              </a:rPr>
-              <a:t>plot.title =</a:t>
-            </a:r>
-            <a:r>
-              <a:rPr>
-                <a:solidFill>
-                  <a:srgbClr val="003B4F"/>
-                </a:solidFill>
-                <a:latin typeface="Courier"/>
-              </a:rPr>
-              <a:t> </a:t>
-            </a:r>
-            <a:r>
-              <a:rPr>
-                <a:solidFill>
-                  <a:srgbClr val="4758AB"/>
-                </a:solidFill>
-                <a:latin typeface="Courier"/>
-              </a:rPr>
-              <a:t>element_text</a:t>
-            </a:r>
-            <a:r>
-              <a:rPr>
-                <a:solidFill>
-                  <a:srgbClr val="003B4F"/>
-                </a:solidFill>
-                <a:latin typeface="Courier"/>
-              </a:rPr>
-              <a:t>(</a:t>
-            </a:r>
-            <a:r>
-              <a:rPr>
-                <a:solidFill>
-                  <a:srgbClr val="657422"/>
-                </a:solidFill>
-                <a:latin typeface="Courier"/>
-              </a:rPr>
-              <a:t>hjust =</a:t>
-            </a:r>
-            <a:r>
-              <a:rPr>
-                <a:solidFill>
-                  <a:srgbClr val="003B4F"/>
-                </a:solidFill>
-                <a:latin typeface="Courier"/>
-              </a:rPr>
-              <a:t> </a:t>
-            </a:r>
-            <a:r>
-              <a:rPr>
-                <a:solidFill>
-                  <a:srgbClr val="AD0000"/>
-                </a:solidFill>
-                <a:latin typeface="Courier"/>
-              </a:rPr>
-              <a:t>0.5</a:t>
-            </a:r>
-            <a:r>
-              <a:rPr>
-                <a:solidFill>
-                  <a:srgbClr val="003B4F"/>
-                </a:solidFill>
-                <a:latin typeface="Courier"/>
-              </a:rPr>
-              <a:t>))</a:t>
-            </a:r>
-            <a:br/>
-            <a:r>
-              <a:rPr>
-                <a:solidFill>
-                  <a:srgbClr val="003B4F"/>
-                </a:solidFill>
-                <a:latin typeface="Courier"/>
-              </a:rPr>
-              <a:t>(length_ne12_box_plot</a:t>
-            </a:r>
-            <a:r>
-              <a:rPr>
-                <a:solidFill>
-                  <a:srgbClr val="5E5E5E"/>
-                </a:solidFill>
-                <a:latin typeface="Courier"/>
-              </a:rPr>
-              <a:t>+</a:t>
-            </a:r>
-            <a:r>
-              <a:rPr>
-                <a:solidFill>
-                  <a:srgbClr val="003B4F"/>
-                </a:solidFill>
-                <a:latin typeface="Courier"/>
-              </a:rPr>
-              <a:t> length_ne12_qq_plot) </a:t>
-            </a:r>
-            <a:r>
-              <a:rPr>
-                <a:solidFill>
-                  <a:srgbClr val="5E5E5E"/>
-                </a:solidFill>
-                <a:latin typeface="Courier"/>
-              </a:rPr>
-              <a:t>/</a:t>
-            </a:r>
-            <a:r>
-              <a:rPr>
-                <a:solidFill>
-                  <a:srgbClr val="003B4F"/>
-                </a:solidFill>
-                <a:latin typeface="Courier"/>
-              </a:rPr>
-              <a:t> (ne12_box_plot </a:t>
-            </a:r>
-            <a:r>
-              <a:rPr>
-                <a:solidFill>
-                  <a:srgbClr val="5E5E5E"/>
-                </a:solidFill>
-                <a:latin typeface="Courier"/>
-              </a:rPr>
-              <a:t>+</a:t>
-            </a:r>
-            <a:r>
-              <a:rPr>
-                <a:solidFill>
-                  <a:srgbClr val="003B4F"/>
-                </a:solidFill>
-                <a:latin typeface="Courier"/>
-              </a:rPr>
-              <a:t> ne12_qq_plot) </a:t>
+              <a:rPr/>
+              <a:t>&lt;!</a:t>
             </a:r>
           </a:p>
         </p:txBody>
       </p:sp>
       <p:pic>
         <p:nvPicPr>
-          <p:cNvPr descr="07_01_lecture_powerpoint_files/figure-pptx/unnamed-chunk-9-1.png" id="0" name="Picture 1"/>
+          <p:cNvPr descr="07_01_lecture_powerpoint_files/figure-pptx/unnamed-chunk-11-1.png" id="0" name="Picture 1"/>
           <p:cNvPicPr>
             <a:picLocks noGrp="1" noChangeAspect="1"/>
           </p:cNvPicPr>
@@ -5529,822 +6558,6 @@
 </p:sld>
 </file>
 
-<file path=ppt/slides/slide17.xml><?xml version="1.0" encoding="utf-8"?>
-<p:sld xmlns:a="http://schemas.openxmlformats.org/drawingml/2006/main" xmlns:r="http://schemas.openxmlformats.org/officeDocument/2006/relationships" xmlns:p="http://schemas.openxmlformats.org/presentationml/2006/main">
-  <p:cSld>
-    <p:spTree>
-      <p:nvGrpSpPr>
-        <p:cNvPr id="1" name=""/>
-        <p:cNvGrpSpPr/>
-        <p:nvPr/>
-      </p:nvGrpSpPr>
-      <p:grpSpPr>
-        <a:xfrm>
-          <a:off x="0" y="0"/>
-          <a:ext cx="0" cy="0"/>
-          <a:chOff x="0" y="0"/>
-          <a:chExt cx="0" cy="0"/>
-        </a:xfrm>
-      </p:grpSpPr>
-      <p:sp>
-        <p:nvSpPr>
-          <p:cNvPr id="2" name="Title 1"/>
-          <p:cNvSpPr>
-            <a:spLocks noGrp="1"/>
-          </p:cNvSpPr>
-          <p:nvPr>
-            <p:ph type="title"/>
-          </p:nvPr>
-        </p:nvSpPr>
-        <p:spPr>
-          <a:xfrm>
-            <a:off x="0" y="0"/>
-            <a:ext cx="9144000" cy="602780"/>
-          </a:xfrm>
-          <a:solidFill>
-            <a:srgbClr val="70121D"/>
-          </a:solidFill>
-        </p:spPr>
-        <p:txBody>
-          <a:bodyPr/>
-          <a:lstStyle/>
-          <a:p>
-            <a:pPr lvl="0" indent="0" marL="0">
-              <a:buNone/>
-            </a:pPr>
-            <a:r>
-              <a:rPr/>
-              <a:t>Assumptions of parametric tests</a:t>
-            </a:r>
-          </a:p>
-        </p:txBody>
-      </p:sp>
-      <p:sp>
-        <p:nvSpPr>
-          <p:cNvPr id="3" name="Content Placeholder 2"/>
-          <p:cNvSpPr>
-            <a:spLocks noGrp="1"/>
-          </p:cNvSpPr>
-          <p:nvPr>
-            <p:ph idx="1" sz="half"/>
-          </p:nvPr>
-        </p:nvSpPr>
-        <p:spPr/>
-        <p:txBody>
-          <a:bodyPr/>
-          <a:lstStyle/>
-          <a:p>
-            <a:pPr lvl="0"/>
-            <a:r>
-              <a:rPr/>
-              <a:t>In some cases, data can be mathematically “transformed” to meet assumptions of parametric tests</a:t>
-            </a:r>
-          </a:p>
-          <a:p>
-            <a:pPr lvl="0"/>
-            <a:r>
-              <a:rPr/>
-              <a:t>this can be done in r and usually involves</a:t>
-            </a:r>
-          </a:p>
-          <a:p>
-            <a:pPr lvl="1"/>
-            <a:r>
-              <a:rPr/>
-              <a:t>log10 transformations</a:t>
-            </a:r>
-          </a:p>
-          <a:p>
-            <a:pPr lvl="1"/>
-            <a:r>
-              <a:rPr/>
-              <a:t>square root transformations</a:t>
-            </a:r>
-          </a:p>
-          <a:p>
-            <a:pPr lvl="1"/>
-            <a:r>
-              <a:rPr/>
-              <a:t>and many others… I will have a description soon</a:t>
-            </a:r>
-          </a:p>
-        </p:txBody>
-      </p:sp>
-      <p:sp>
-        <p:nvSpPr>
-          <p:cNvPr id="4" name="Content Placeholder 3"/>
-          <p:cNvSpPr>
-            <a:spLocks noGrp="1"/>
-          </p:cNvSpPr>
-          <p:nvPr>
-            <p:ph idx="2" sz="half"/>
-          </p:nvPr>
-        </p:nvSpPr>
-        <p:spPr/>
-        <p:txBody>
-          <a:bodyPr/>
-          <a:lstStyle/>
-          <a:p>
-            <a:pPr lvl="0" indent="0" marL="0">
-              <a:buNone/>
-            </a:pPr>
-            <a:r>
-              <a:rPr/>
-              <a:t>&lt;&gt;</a:t>
-            </a:r>
-          </a:p>
-          <a:p>
-            <a:pPr lvl="0" indent="0" marL="0">
-              <a:buNone/>
-            </a:pPr>
-            <a:r>
-              <a:rPr>
-                <a:hlinkClick r:id="rId2"/>
-              </a:rPr>
-              <a:t>source</a:t>
-            </a:r>
-          </a:p>
-        </p:txBody>
-      </p:sp>
-    </p:spTree>
-  </p:cSld>
-</p:sld>
-</file>
-
-<file path=ppt/slides/slide18.xml><?xml version="1.0" encoding="utf-8"?>
-<p:sld xmlns:a="http://schemas.openxmlformats.org/drawingml/2006/main" xmlns:r="http://schemas.openxmlformats.org/officeDocument/2006/relationships" xmlns:p="http://schemas.openxmlformats.org/presentationml/2006/main">
-  <p:cSld>
-    <p:spTree>
-      <p:nvGrpSpPr>
-        <p:cNvPr id="1" name=""/>
-        <p:cNvGrpSpPr/>
-        <p:nvPr/>
-      </p:nvGrpSpPr>
-      <p:grpSpPr>
-        <a:xfrm>
-          <a:off x="0" y="0"/>
-          <a:ext cx="0" cy="0"/>
-          <a:chOff x="0" y="0"/>
-          <a:chExt cx="0" cy="0"/>
-        </a:xfrm>
-      </p:grpSpPr>
-      <p:sp>
-        <p:nvSpPr>
-          <p:cNvPr id="2" name="Title 1"/>
-          <p:cNvSpPr>
-            <a:spLocks noGrp="1"/>
-          </p:cNvSpPr>
-          <p:nvPr>
-            <p:ph type="title"/>
-          </p:nvPr>
-        </p:nvSpPr>
-        <p:spPr>
-          <a:xfrm>
-            <a:off x="139485" y="78119"/>
-            <a:ext cx="8229600" cy="607682"/>
-          </a:xfrm>
-        </p:spPr>
-        <p:txBody>
-          <a:bodyPr/>
-          <a:lstStyle/>
-          <a:p>
-            <a:pPr lvl="0" indent="0" marL="0">
-              <a:buNone/>
-            </a:pPr>
-            <a:r>
-              <a:rPr/>
-              <a:t>Robust tests</a:t>
-            </a:r>
-          </a:p>
-        </p:txBody>
-      </p:sp>
-      <p:sp>
-        <p:nvSpPr>
-          <p:cNvPr id="3" name="Text Placeholder 2"/>
-          <p:cNvSpPr>
-            <a:spLocks noGrp="1"/>
-          </p:cNvSpPr>
-          <p:nvPr>
-            <p:ph idx="1" type="body"/>
-          </p:nvPr>
-        </p:nvSpPr>
-        <p:spPr/>
-        <p:txBody>
-          <a:bodyPr/>
-          <a:lstStyle/>
-          <a:p>
-            <a:pPr lvl="0"/>
-            <a:r>
-              <a:rPr b="1"/>
-              <a:t>Welch’s t-test</a:t>
-            </a:r>
-          </a:p>
-          <a:p>
-            <a:pPr lvl="1"/>
-            <a:r>
-              <a:rPr/>
-              <a:t>common “robust” test for means of two populations</a:t>
-            </a:r>
-          </a:p>
-          <a:p>
-            <a:pPr lvl="1"/>
-            <a:r>
-              <a:rPr/>
-              <a:t>Robust to violation of equal variance assumption, deals better with unequal sample size</a:t>
-            </a:r>
-          </a:p>
-          <a:p>
-            <a:pPr lvl="1"/>
-            <a:r>
-              <a:rPr/>
-              <a:t>Parametric test (assumes normal distribution)</a:t>
-            </a:r>
-          </a:p>
-          <a:p>
-            <a:pPr lvl="1"/>
-            <a:r>
-              <a:rPr/>
-              <a:t>Calculates a t statistic but recalculates df based on samples sizes and s</a:t>
-            </a:r>
-          </a:p>
-        </p:txBody>
-      </p:sp>
-      <p:sp>
-        <p:nvSpPr>
-          <p:cNvPr id="5" name="Text Placeholder 4"/>
-          <p:cNvSpPr>
-            <a:spLocks noGrp="1"/>
-          </p:cNvSpPr>
-          <p:nvPr>
-            <p:ph idx="3" sz="quarter" type="body"/>
-          </p:nvPr>
-        </p:nvSpPr>
-        <p:spPr/>
-        <p:txBody>
-          <a:bodyPr/>
-          <a:lstStyle/>
-          <a:p>
-            <a:pPr lvl="0" indent="0">
-              <a:buNone/>
-            </a:pPr>
-            <a:r>
-              <a:rPr>
-                <a:solidFill>
-                  <a:srgbClr val="003B4F"/>
-                </a:solidFill>
-                <a:latin typeface="Courier"/>
-              </a:rPr>
-              <a:t>mass_ne12_plot</a:t>
-            </a:r>
-          </a:p>
-        </p:txBody>
-      </p:sp>
-      <p:pic>
-        <p:nvPicPr>
-          <p:cNvPr descr="07_01_lecture_powerpoint_files/figure-pptx/unnamed-chunk-10-1.png" id="0" name="Picture 1"/>
-          <p:cNvPicPr>
-            <a:picLocks noGrp="1" noChangeAspect="1"/>
-          </p:cNvPicPr>
-          <p:nvPr/>
-        </p:nvPicPr>
-        <p:blipFill>
-          <a:blip r:embed="rId2"/>
-          <a:stretch>
-            <a:fillRect/>
-          </a:stretch>
-        </p:blipFill>
-        <p:spPr bwMode="auto">
-          <a:xfrm>
-            <a:off x="5130800" y="1295400"/>
-            <a:ext cx="3276600" cy="3276600"/>
-          </a:xfrm>
-          <a:prstGeom prst="rect">
-            <a:avLst/>
-          </a:prstGeom>
-          <a:noFill/>
-          <a:ln w="9525">
-            <a:noFill/>
-            <a:headEnd/>
-            <a:tailEnd/>
-          </a:ln>
-        </p:spPr>
-      </p:pic>
-    </p:spTree>
-  </p:cSld>
-</p:sld>
-</file>
-
-<file path=ppt/slides/slide19.xml><?xml version="1.0" encoding="utf-8"?>
-<p:sld xmlns:a="http://schemas.openxmlformats.org/drawingml/2006/main" xmlns:r="http://schemas.openxmlformats.org/officeDocument/2006/relationships" xmlns:p="http://schemas.openxmlformats.org/presentationml/2006/main">
-  <p:cSld>
-    <p:spTree>
-      <p:nvGrpSpPr>
-        <p:cNvPr id="1" name=""/>
-        <p:cNvGrpSpPr/>
-        <p:nvPr/>
-      </p:nvGrpSpPr>
-      <p:grpSpPr>
-        <a:xfrm>
-          <a:off x="0" y="0"/>
-          <a:ext cx="0" cy="0"/>
-          <a:chOff x="0" y="0"/>
-          <a:chExt cx="0" cy="0"/>
-        </a:xfrm>
-      </p:grpSpPr>
-      <p:sp>
-        <p:nvSpPr>
-          <p:cNvPr id="2" name="Title 1"/>
-          <p:cNvSpPr>
-            <a:spLocks noGrp="1"/>
-          </p:cNvSpPr>
-          <p:nvPr>
-            <p:ph type="title"/>
-          </p:nvPr>
-        </p:nvSpPr>
-        <p:spPr>
-          <a:xfrm>
-            <a:off x="0" y="0"/>
-            <a:ext cx="9144000" cy="602780"/>
-          </a:xfrm>
-          <a:solidFill>
-            <a:srgbClr val="70121D"/>
-          </a:solidFill>
-        </p:spPr>
-        <p:txBody>
-          <a:bodyPr/>
-          <a:lstStyle/>
-          <a:p>
-            <a:pPr lvl="0" indent="0" marL="0">
-              <a:buNone/>
-            </a:pPr>
-            <a:r>
-              <a:rPr/>
-              <a:t>Robust tests</a:t>
-            </a:r>
-          </a:p>
-        </p:txBody>
-      </p:sp>
-      <p:sp>
-        <p:nvSpPr>
-          <p:cNvPr id="3" name="Content Placeholder 2"/>
-          <p:cNvSpPr>
-            <a:spLocks noGrp="1"/>
-          </p:cNvSpPr>
-          <p:nvPr>
-            <p:ph idx="1" sz="half"/>
-          </p:nvPr>
-        </p:nvSpPr>
-        <p:spPr/>
-        <p:txBody>
-          <a:bodyPr/>
-          <a:lstStyle/>
-          <a:p>
-            <a:pPr lvl="0"/>
-            <a:r>
-              <a:rPr b="1"/>
-              <a:t>Welch’s t-test</a:t>
-            </a:r>
-          </a:p>
-          <a:p>
-            <a:pPr lvl="1"/>
-            <a:r>
-              <a:rPr b="1"/>
-              <a:t>t.test(y1, y2, var.equal = FALSE, paired = FALSE)</a:t>
-            </a:r>
-          </a:p>
-          <a:p>
-            <a:pPr lvl="1"/>
-            <a:r>
-              <a:rPr/>
-              <a:t>will use the Welch approach</a:t>
-            </a:r>
-          </a:p>
-          <a:p>
-            <a:pPr lvl="0"/>
-            <a:r>
-              <a:rPr/>
-              <a:t>T-test</a:t>
-            </a:r>
-            <a:br/>
-          </a:p>
-          <a:p>
-            <a:pPr lvl="0" indent="0">
-              <a:buNone/>
-            </a:pPr>
-            <a:r>
-              <a:rPr>
-                <a:solidFill>
-                  <a:srgbClr val="5E5E5E"/>
-                </a:solidFill>
-                <a:latin typeface="Courier"/>
-              </a:rPr>
-              <a:t># T test for lenght</a:t>
-            </a:r>
-            <a:br/>
-            <a:r>
-              <a:rPr>
-                <a:solidFill>
-                  <a:srgbClr val="5E5E5E"/>
-                </a:solidFill>
-                <a:latin typeface="Courier"/>
-              </a:rPr>
-              <a:t># Perform standard t-test</a:t>
-            </a:r>
-            <a:br/>
-            <a:r>
-              <a:rPr>
-                <a:solidFill>
-                  <a:srgbClr val="003B4F"/>
-                </a:solidFill>
-                <a:latin typeface="Courier"/>
-              </a:rPr>
-              <a:t>t_test_length_result &lt;- </a:t>
-            </a:r>
-            <a:r>
-              <a:rPr>
-                <a:solidFill>
-                  <a:srgbClr val="4758AB"/>
-                </a:solidFill>
-                <a:latin typeface="Courier"/>
-              </a:rPr>
-              <a:t>t.test</a:t>
-            </a:r>
-            <a:r>
-              <a:rPr>
-                <a:solidFill>
-                  <a:srgbClr val="003B4F"/>
-                </a:solidFill>
-                <a:latin typeface="Courier"/>
-              </a:rPr>
-              <a:t>(</a:t>
-            </a:r>
-            <a:br/>
-            <a:r>
-              <a:rPr>
-                <a:solidFill>
-                  <a:srgbClr val="003B4F"/>
-                </a:solidFill>
-                <a:latin typeface="Courier"/>
-              </a:rPr>
-              <a:t>  length_mm </a:t>
-            </a:r>
-            <a:r>
-              <a:rPr>
-                <a:solidFill>
-                  <a:srgbClr val="5E5E5E"/>
-                </a:solidFill>
-                <a:latin typeface="Courier"/>
-              </a:rPr>
-              <a:t>~</a:t>
-            </a:r>
-            <a:r>
-              <a:rPr>
-                <a:solidFill>
-                  <a:srgbClr val="003B4F"/>
-                </a:solidFill>
-                <a:latin typeface="Courier"/>
-              </a:rPr>
-              <a:t> lake, </a:t>
-            </a:r>
-            <a:br/>
-            <a:r>
-              <a:rPr>
-                <a:solidFill>
-                  <a:srgbClr val="003B4F"/>
-                </a:solidFill>
-                <a:latin typeface="Courier"/>
-              </a:rPr>
-              <a:t>  </a:t>
-            </a:r>
-            <a:r>
-              <a:rPr>
-                <a:solidFill>
-                  <a:srgbClr val="657422"/>
-                </a:solidFill>
-                <a:latin typeface="Courier"/>
-              </a:rPr>
-              <a:t>data =</a:t>
-            </a:r>
-            <a:r>
-              <a:rPr>
-                <a:solidFill>
-                  <a:srgbClr val="003B4F"/>
-                </a:solidFill>
-                <a:latin typeface="Courier"/>
-              </a:rPr>
-              <a:t> isl_ne12_df,</a:t>
-            </a:r>
-            <a:br/>
-            <a:r>
-              <a:rPr>
-                <a:solidFill>
-                  <a:srgbClr val="003B4F"/>
-                </a:solidFill>
-                <a:latin typeface="Courier"/>
-              </a:rPr>
-              <a:t>  </a:t>
-            </a:r>
-            <a:r>
-              <a:rPr>
-                <a:solidFill>
-                  <a:srgbClr val="657422"/>
-                </a:solidFill>
-                <a:latin typeface="Courier"/>
-              </a:rPr>
-              <a:t>var.equal =</a:t>
-            </a:r>
-            <a:r>
-              <a:rPr>
-                <a:solidFill>
-                  <a:srgbClr val="003B4F"/>
-                </a:solidFill>
-                <a:latin typeface="Courier"/>
-              </a:rPr>
-              <a:t> </a:t>
-            </a:r>
-            <a:r>
-              <a:rPr>
-                <a:solidFill>
-                  <a:srgbClr val="8F5902"/>
-                </a:solidFill>
-                <a:latin typeface="Courier"/>
-              </a:rPr>
-              <a:t>TRUE</a:t>
-            </a:r>
-            <a:r>
-              <a:rPr>
-                <a:solidFill>
-                  <a:srgbClr val="003B4F"/>
-                </a:solidFill>
-                <a:latin typeface="Courier"/>
-              </a:rPr>
-              <a:t>  </a:t>
-            </a:r>
-            <a:r>
-              <a:rPr>
-                <a:solidFill>
-                  <a:srgbClr val="5E5E5E"/>
-                </a:solidFill>
-                <a:latin typeface="Courier"/>
-              </a:rPr>
-              <a:t># Standard t-test with equal variance assumption</a:t>
-            </a:r>
-            <a:br/>
-            <a:r>
-              <a:rPr>
-                <a:solidFill>
-                  <a:srgbClr val="003B4F"/>
-                </a:solidFill>
-                <a:latin typeface="Courier"/>
-              </a:rPr>
-              <a:t>)</a:t>
-            </a:r>
-            <a:br/>
-            <a:br/>
-            <a:r>
-              <a:rPr>
-                <a:solidFill>
-                  <a:srgbClr val="5E5E5E"/>
-                </a:solidFill>
-                <a:latin typeface="Courier"/>
-              </a:rPr>
-              <a:t># Perform Welch's t-test (unequal variances)</a:t>
-            </a:r>
-            <a:br/>
-            <a:r>
-              <a:rPr>
-                <a:solidFill>
-                  <a:srgbClr val="003B4F"/>
-                </a:solidFill>
-                <a:latin typeface="Courier"/>
-              </a:rPr>
-              <a:t>welch_test_length_result &lt;- </a:t>
-            </a:r>
-            <a:r>
-              <a:rPr>
-                <a:solidFill>
-                  <a:srgbClr val="4758AB"/>
-                </a:solidFill>
-                <a:latin typeface="Courier"/>
-              </a:rPr>
-              <a:t>t.test</a:t>
-            </a:r>
-            <a:r>
-              <a:rPr>
-                <a:solidFill>
-                  <a:srgbClr val="003B4F"/>
-                </a:solidFill>
-                <a:latin typeface="Courier"/>
-              </a:rPr>
-              <a:t>(</a:t>
-            </a:r>
-            <a:br/>
-            <a:r>
-              <a:rPr>
-                <a:solidFill>
-                  <a:srgbClr val="003B4F"/>
-                </a:solidFill>
-                <a:latin typeface="Courier"/>
-              </a:rPr>
-              <a:t>  length_mm </a:t>
-            </a:r>
-            <a:r>
-              <a:rPr>
-                <a:solidFill>
-                  <a:srgbClr val="5E5E5E"/>
-                </a:solidFill>
-                <a:latin typeface="Courier"/>
-              </a:rPr>
-              <a:t>~</a:t>
-            </a:r>
-            <a:r>
-              <a:rPr>
-                <a:solidFill>
-                  <a:srgbClr val="003B4F"/>
-                </a:solidFill>
-                <a:latin typeface="Courier"/>
-              </a:rPr>
-              <a:t> lake, </a:t>
-            </a:r>
-            <a:br/>
-            <a:r>
-              <a:rPr>
-                <a:solidFill>
-                  <a:srgbClr val="003B4F"/>
-                </a:solidFill>
-                <a:latin typeface="Courier"/>
-              </a:rPr>
-              <a:t>  </a:t>
-            </a:r>
-            <a:r>
-              <a:rPr>
-                <a:solidFill>
-                  <a:srgbClr val="657422"/>
-                </a:solidFill>
-                <a:latin typeface="Courier"/>
-              </a:rPr>
-              <a:t>data =</a:t>
-            </a:r>
-            <a:r>
-              <a:rPr>
-                <a:solidFill>
-                  <a:srgbClr val="003B4F"/>
-                </a:solidFill>
-                <a:latin typeface="Courier"/>
-              </a:rPr>
-              <a:t> isl_ne12_df,</a:t>
-            </a:r>
-            <a:br/>
-            <a:r>
-              <a:rPr>
-                <a:solidFill>
-                  <a:srgbClr val="003B4F"/>
-                </a:solidFill>
-                <a:latin typeface="Courier"/>
-              </a:rPr>
-              <a:t>  </a:t>
-            </a:r>
-            <a:r>
-              <a:rPr>
-                <a:solidFill>
-                  <a:srgbClr val="657422"/>
-                </a:solidFill>
-                <a:latin typeface="Courier"/>
-              </a:rPr>
-              <a:t>var.equal =</a:t>
-            </a:r>
-            <a:r>
-              <a:rPr>
-                <a:solidFill>
-                  <a:srgbClr val="003B4F"/>
-                </a:solidFill>
-                <a:latin typeface="Courier"/>
-              </a:rPr>
-              <a:t> </a:t>
-            </a:r>
-            <a:r>
-              <a:rPr>
-                <a:solidFill>
-                  <a:srgbClr val="8F5902"/>
-                </a:solidFill>
-                <a:latin typeface="Courier"/>
-              </a:rPr>
-              <a:t>FALSE</a:t>
-            </a:r>
-            <a:r>
-              <a:rPr>
-                <a:solidFill>
-                  <a:srgbClr val="003B4F"/>
-                </a:solidFill>
-                <a:latin typeface="Courier"/>
-              </a:rPr>
-              <a:t>  </a:t>
-            </a:r>
-            <a:r>
-              <a:rPr>
-                <a:solidFill>
-                  <a:srgbClr val="5E5E5E"/>
-                </a:solidFill>
-                <a:latin typeface="Courier"/>
-              </a:rPr>
-              <a:t># Welch's t-test</a:t>
-            </a:r>
-            <a:br/>
-            <a:r>
-              <a:rPr>
-                <a:solidFill>
-                  <a:srgbClr val="003B4F"/>
-                </a:solidFill>
-                <a:latin typeface="Courier"/>
-              </a:rPr>
-              <a:t>)</a:t>
-            </a:r>
-          </a:p>
-        </p:txBody>
-      </p:sp>
-      <p:sp>
-        <p:nvSpPr>
-          <p:cNvPr id="4" name="Content Placeholder 3"/>
-          <p:cNvSpPr>
-            <a:spLocks noGrp="1"/>
-          </p:cNvSpPr>
-          <p:nvPr>
-            <p:ph idx="2" sz="half"/>
-          </p:nvPr>
-        </p:nvSpPr>
-        <p:spPr/>
-        <p:txBody>
-          <a:bodyPr/>
-          <a:lstStyle/>
-          <a:p>
-            <a:pPr lvl="0" indent="0">
-              <a:buNone/>
-            </a:pPr>
-            <a:r>
-              <a:rPr>
-                <a:latin typeface="Courier"/>
-              </a:rPr>
-              <a:t>[1] "Standard t-test results for lenght_mm:"</a:t>
-            </a:r>
-          </a:p>
-          <a:p>
-            <a:pPr lvl="0" indent="0">
-              <a:buNone/>
-            </a:pPr>
-            <a:r>
-              <a:rPr>
-                <a:latin typeface="Courier"/>
-              </a:rPr>
-              <a:t>
-    Two Sample t-test
-data:  length_mm by lake
-t = 8.616, df = 331, p-value = 2.888e-16
-alternative hypothesis: true difference in means between group Island Lake and group NE 12 is not equal to 0
-95 percent confidence interval:
- 270.1939 430.0761
-sample estimates:
-mean in group Island Lake       mean in group NE 12 
-                  698.200                   348.065 </a:t>
-            </a:r>
-          </a:p>
-          <a:p>
-            <a:pPr lvl="0" indent="0">
-              <a:buNone/>
-            </a:pPr>
-            <a:r>
-              <a:rPr>
-                <a:latin typeface="Courier"/>
-              </a:rPr>
-              <a:t>[1] "Welch's t-test results for lenght_mm:"</a:t>
-            </a:r>
-          </a:p>
-          <a:p>
-            <a:pPr lvl="0" indent="0">
-              <a:buNone/>
-            </a:pPr>
-            <a:r>
-              <a:rPr>
-                <a:latin typeface="Courier"/>
-              </a:rPr>
-              <a:t>
-    Welch Two Sample t-test
-data:  length_mm by lake
-t = 9.0183, df = 9.6241, p-value = 5.309e-06
-alternative hypothesis: true difference in means between group Island Lake and group NE 12 is not equal to 0
-95 percent confidence interval:
- 263.1673 437.1026
-sample estimates:
-mean in group Island Lake       mean in group NE 12 
-                  698.200                   348.065 </a:t>
-            </a:r>
-          </a:p>
-        </p:txBody>
-      </p:sp>
-    </p:spTree>
-  </p:cSld>
-</p:sld>
-</file>
-
 <file path=ppt/slides/slide2.xml><?xml version="1.0" encoding="utf-8"?>
 <p:sld xmlns:a="http://schemas.openxmlformats.org/drawingml/2006/main" xmlns:r="http://schemas.openxmlformats.org/officeDocument/2006/relationships" xmlns:p="http://schemas.openxmlformats.org/presentationml/2006/main">
   <p:cSld>
@@ -6390,7 +6603,7 @@
             </a:pPr>
             <a:r>
               <a:rPr/>
-              <a:t>Lecture 7 - A Brief review</a:t>
+              <a:t>Lecture 6 - A Brief review</a:t>
             </a:r>
           </a:p>
         </p:txBody>
@@ -6413,21 +6626,14 @@
             <a:pPr lvl="0"/>
             <a:r>
               <a:rPr/>
-              <a:t>H test for a single population</a:t>
+              <a:t>Hypotheses</a:t>
             </a:r>
           </a:p>
           <a:p>
             <a:pPr lvl="0"/>
             <a:r>
               <a:rPr/>
-              <a:t>1- and 2-sided tests</a:t>
-            </a:r>
-          </a:p>
-          <a:p>
-            <a:pPr lvl="0"/>
-            <a:r>
-              <a:rPr/>
-              <a:t>H test for two populations</a:t>
+              <a:t>1- and 2-sided T tests</a:t>
             </a:r>
           </a:p>
           <a:p>
@@ -6493,411 +6699,109 @@
       </p:grpSpPr>
       <p:sp>
         <p:nvSpPr>
-          <p:cNvPr id="3" name="Content Placeholder 2"/>
-          <p:cNvSpPr>
-            <a:spLocks noGrp="1"/>
-          </p:cNvSpPr>
-          <p:nvPr>
-            <p:ph idx="1"/>
-          </p:nvPr>
-        </p:nvSpPr>
-        <p:spPr/>
+          <p:cNvPr id="2" name="Title 1"/>
+          <p:cNvSpPr>
+            <a:spLocks noGrp="1"/>
+          </p:cNvSpPr>
+          <p:nvPr>
+            <p:ph type="title"/>
+          </p:nvPr>
+        </p:nvSpPr>
+        <p:spPr>
+          <a:xfrm>
+            <a:off x="0" y="0"/>
+            <a:ext cx="9144000" cy="602780"/>
+          </a:xfrm>
+          <a:solidFill>
+            <a:srgbClr val="70121D"/>
+          </a:solidFill>
+        </p:spPr>
         <p:txBody>
           <a:bodyPr/>
           <a:lstStyle/>
           <a:p>
-            <a:pPr lvl="0" indent="0">
+            <a:pPr lvl="0" indent="0" marL="0">
               <a:buNone/>
             </a:pPr>
             <a:r>
-              <a:rPr>
-                <a:solidFill>
-                  <a:srgbClr val="5E5E5E"/>
-                </a:solidFill>
-                <a:latin typeface="Courier"/>
-              </a:rPr>
-              <a:t># T test for lenght</a:t>
-            </a:r>
-            <a:br/>
-            <a:r>
-              <a:rPr>
-                <a:solidFill>
-                  <a:srgbClr val="5E5E5E"/>
-                </a:solidFill>
-                <a:latin typeface="Courier"/>
-              </a:rPr>
-              <a:t># Perform standard t-test</a:t>
-            </a:r>
-            <a:br/>
-            <a:r>
-              <a:rPr>
-                <a:solidFill>
-                  <a:srgbClr val="003B4F"/>
-                </a:solidFill>
-                <a:latin typeface="Courier"/>
-              </a:rPr>
-              <a:t>t_test_mass_result &lt;- </a:t>
-            </a:r>
-            <a:r>
-              <a:rPr>
-                <a:solidFill>
-                  <a:srgbClr val="4758AB"/>
-                </a:solidFill>
-                <a:latin typeface="Courier"/>
-              </a:rPr>
-              <a:t>t.test</a:t>
-            </a:r>
-            <a:r>
-              <a:rPr>
-                <a:solidFill>
-                  <a:srgbClr val="003B4F"/>
-                </a:solidFill>
-                <a:latin typeface="Courier"/>
-              </a:rPr>
-              <a:t>(</a:t>
-            </a:r>
-            <a:br/>
-            <a:r>
-              <a:rPr>
-                <a:solidFill>
-                  <a:srgbClr val="003B4F"/>
-                </a:solidFill>
-                <a:latin typeface="Courier"/>
-              </a:rPr>
-              <a:t>  mass_g </a:t>
-            </a:r>
-            <a:r>
-              <a:rPr>
-                <a:solidFill>
-                  <a:srgbClr val="5E5E5E"/>
-                </a:solidFill>
-                <a:latin typeface="Courier"/>
-              </a:rPr>
-              <a:t>~</a:t>
-            </a:r>
-            <a:r>
-              <a:rPr>
-                <a:solidFill>
-                  <a:srgbClr val="003B4F"/>
-                </a:solidFill>
-                <a:latin typeface="Courier"/>
-              </a:rPr>
-              <a:t> lake, </a:t>
-            </a:r>
-            <a:br/>
-            <a:r>
-              <a:rPr>
-                <a:solidFill>
-                  <a:srgbClr val="003B4F"/>
-                </a:solidFill>
-                <a:latin typeface="Courier"/>
-              </a:rPr>
-              <a:t>  </a:t>
-            </a:r>
-            <a:r>
-              <a:rPr>
-                <a:solidFill>
-                  <a:srgbClr val="657422"/>
-                </a:solidFill>
-                <a:latin typeface="Courier"/>
-              </a:rPr>
-              <a:t>data =</a:t>
-            </a:r>
-            <a:r>
-              <a:rPr>
-                <a:solidFill>
-                  <a:srgbClr val="003B4F"/>
-                </a:solidFill>
-                <a:latin typeface="Courier"/>
-              </a:rPr>
-              <a:t> isl_ne12_df,</a:t>
-            </a:r>
-            <a:br/>
-            <a:r>
-              <a:rPr>
-                <a:solidFill>
-                  <a:srgbClr val="003B4F"/>
-                </a:solidFill>
-                <a:latin typeface="Courier"/>
-              </a:rPr>
-              <a:t>  </a:t>
-            </a:r>
-            <a:r>
-              <a:rPr>
-                <a:solidFill>
-                  <a:srgbClr val="657422"/>
-                </a:solidFill>
-                <a:latin typeface="Courier"/>
-              </a:rPr>
-              <a:t>var.equal =</a:t>
-            </a:r>
-            <a:r>
-              <a:rPr>
-                <a:solidFill>
-                  <a:srgbClr val="003B4F"/>
-                </a:solidFill>
-                <a:latin typeface="Courier"/>
-              </a:rPr>
-              <a:t> </a:t>
-            </a:r>
-            <a:r>
-              <a:rPr>
-                <a:solidFill>
-                  <a:srgbClr val="8F5902"/>
-                </a:solidFill>
-                <a:latin typeface="Courier"/>
-              </a:rPr>
-              <a:t>TRUE</a:t>
-            </a:r>
-            <a:r>
-              <a:rPr>
-                <a:solidFill>
-                  <a:srgbClr val="003B4F"/>
-                </a:solidFill>
-                <a:latin typeface="Courier"/>
-              </a:rPr>
-              <a:t>  </a:t>
-            </a:r>
-            <a:r>
-              <a:rPr>
-                <a:solidFill>
-                  <a:srgbClr val="5E5E5E"/>
-                </a:solidFill>
-                <a:latin typeface="Courier"/>
-              </a:rPr>
-              <a:t># Standard t-test with equal variance assumption</a:t>
-            </a:r>
-            <a:br/>
-            <a:r>
-              <a:rPr>
-                <a:solidFill>
-                  <a:srgbClr val="003B4F"/>
-                </a:solidFill>
-                <a:latin typeface="Courier"/>
-              </a:rPr>
-              <a:t>)</a:t>
-            </a:r>
-            <a:br/>
-            <a:br/>
-            <a:r>
-              <a:rPr>
-                <a:solidFill>
-                  <a:srgbClr val="5E5E5E"/>
-                </a:solidFill>
-                <a:latin typeface="Courier"/>
-              </a:rPr>
-              <a:t># Perform Welch's t-test (unequal variances)</a:t>
-            </a:r>
-            <a:br/>
-            <a:r>
-              <a:rPr>
-                <a:solidFill>
-                  <a:srgbClr val="003B4F"/>
-                </a:solidFill>
-                <a:latin typeface="Courier"/>
-              </a:rPr>
-              <a:t>welch_test_mass_result &lt;- </a:t>
-            </a:r>
-            <a:r>
-              <a:rPr>
-                <a:solidFill>
-                  <a:srgbClr val="4758AB"/>
-                </a:solidFill>
-                <a:latin typeface="Courier"/>
-              </a:rPr>
-              <a:t>t.test</a:t>
-            </a:r>
-            <a:r>
-              <a:rPr>
-                <a:solidFill>
-                  <a:srgbClr val="003B4F"/>
-                </a:solidFill>
-                <a:latin typeface="Courier"/>
-              </a:rPr>
-              <a:t>(</a:t>
-            </a:r>
-            <a:br/>
-            <a:r>
-              <a:rPr>
-                <a:solidFill>
-                  <a:srgbClr val="003B4F"/>
-                </a:solidFill>
-                <a:latin typeface="Courier"/>
-              </a:rPr>
-              <a:t>  mass_g </a:t>
-            </a:r>
-            <a:r>
-              <a:rPr>
-                <a:solidFill>
-                  <a:srgbClr val="5E5E5E"/>
-                </a:solidFill>
-                <a:latin typeface="Courier"/>
-              </a:rPr>
-              <a:t>~</a:t>
-            </a:r>
-            <a:r>
-              <a:rPr>
-                <a:solidFill>
-                  <a:srgbClr val="003B4F"/>
-                </a:solidFill>
-                <a:latin typeface="Courier"/>
-              </a:rPr>
-              <a:t> lake, </a:t>
-            </a:r>
-            <a:br/>
-            <a:r>
-              <a:rPr>
-                <a:solidFill>
-                  <a:srgbClr val="003B4F"/>
-                </a:solidFill>
-                <a:latin typeface="Courier"/>
-              </a:rPr>
-              <a:t>  </a:t>
-            </a:r>
-            <a:r>
-              <a:rPr>
-                <a:solidFill>
-                  <a:srgbClr val="657422"/>
-                </a:solidFill>
-                <a:latin typeface="Courier"/>
-              </a:rPr>
-              <a:t>data =</a:t>
-            </a:r>
-            <a:r>
-              <a:rPr>
-                <a:solidFill>
-                  <a:srgbClr val="003B4F"/>
-                </a:solidFill>
-                <a:latin typeface="Courier"/>
-              </a:rPr>
-              <a:t> isl_ne12_df,</a:t>
-            </a:r>
-            <a:br/>
-            <a:r>
-              <a:rPr>
-                <a:solidFill>
-                  <a:srgbClr val="003B4F"/>
-                </a:solidFill>
-                <a:latin typeface="Courier"/>
-              </a:rPr>
-              <a:t>  </a:t>
-            </a:r>
-            <a:r>
-              <a:rPr>
-                <a:solidFill>
-                  <a:srgbClr val="657422"/>
-                </a:solidFill>
-                <a:latin typeface="Courier"/>
-              </a:rPr>
-              <a:t>var.equal =</a:t>
-            </a:r>
-            <a:r>
-              <a:rPr>
-                <a:solidFill>
-                  <a:srgbClr val="003B4F"/>
-                </a:solidFill>
-                <a:latin typeface="Courier"/>
-              </a:rPr>
-              <a:t> </a:t>
-            </a:r>
-            <a:r>
-              <a:rPr>
-                <a:solidFill>
-                  <a:srgbClr val="8F5902"/>
-                </a:solidFill>
-                <a:latin typeface="Courier"/>
-              </a:rPr>
-              <a:t>FALSE</a:t>
-            </a:r>
-            <a:r>
-              <a:rPr>
-                <a:solidFill>
-                  <a:srgbClr val="003B4F"/>
-                </a:solidFill>
-                <a:latin typeface="Courier"/>
-              </a:rPr>
-              <a:t>  </a:t>
-            </a:r>
-            <a:r>
-              <a:rPr>
-                <a:solidFill>
-                  <a:srgbClr val="5E5E5E"/>
-                </a:solidFill>
-                <a:latin typeface="Courier"/>
-              </a:rPr>
-              <a:t># Welch's t-test</a:t>
-            </a:r>
-            <a:br/>
-            <a:r>
-              <a:rPr>
-                <a:solidFill>
-                  <a:srgbClr val="003B4F"/>
-                </a:solidFill>
-                <a:latin typeface="Courier"/>
-              </a:rPr>
-              <a:t>)</a:t>
-            </a:r>
-          </a:p>
-          <a:p>
-            <a:pPr lvl="0" indent="0">
-              <a:buNone/>
-            </a:pPr>
-            <a:r>
-              <a:rPr>
-                <a:latin typeface="Courier"/>
-              </a:rPr>
-              <a:t>[1] "Standard t-test results for mass_g:"</a:t>
-            </a:r>
-          </a:p>
-          <a:p>
-            <a:pPr lvl="0" indent="0">
-              <a:buNone/>
-            </a:pPr>
-            <a:r>
-              <a:rPr>
-                <a:latin typeface="Courier"/>
-              </a:rPr>
-              <a:t>
-    Two Sample t-test
-data:  mass_g by lake
-t = 14.181, df = 330, p-value &lt; 2.2e-16
-alternative hypothesis: true difference in means between group Island Lake and group NE 12 is not equal to 0
-95 percent confidence interval:
- 2266.304 2996.360
-sample estimates:
-mean in group Island Lake       mean in group NE 12 
-                3165.0000                  533.6677 </a:t>
-            </a:r>
-          </a:p>
-          <a:p>
-            <a:pPr lvl="0" indent="0">
-              <a:buNone/>
-            </a:pPr>
-            <a:r>
-              <a:rPr>
-                <a:latin typeface="Courier"/>
-              </a:rPr>
-              <a:t>[1] "Welch's t-test results for mass_g:"</a:t>
-            </a:r>
-          </a:p>
-          <a:p>
-            <a:pPr lvl="0" indent="0">
-              <a:buNone/>
-            </a:pPr>
-            <a:r>
-              <a:rPr>
-                <a:latin typeface="Courier"/>
-              </a:rPr>
-              <a:t>
-    Welch Two Sample t-test
-data:  mass_g by lake
-t = 5.1368, df = 9.0578, p-value = 0.0006016
-alternative hypothesis: true difference in means between group Island Lake and group NE 12 is not equal to 0
-95 percent confidence interval:
- 1473.676 3788.989
-sample estimates:
-mean in group Island Lake       mean in group NE 12 
-                3165.0000                  533.6677 </a:t>
+              <a:rPr/>
+              <a:t>Permutation tests</a:t>
+            </a:r>
+          </a:p>
+        </p:txBody>
+      </p:sp>
+      <p:sp>
+        <p:nvSpPr>
+          <p:cNvPr id="3" name="Content Placeholder 2"/>
+          <p:cNvSpPr>
+            <a:spLocks noGrp="1"/>
+          </p:cNvSpPr>
+          <p:nvPr>
+            <p:ph idx="1" sz="half"/>
+          </p:nvPr>
+        </p:nvSpPr>
+        <p:spPr/>
+        <p:txBody>
+          <a:bodyPr/>
+          <a:lstStyle/>
+          <a:p>
+            <a:pPr lvl="0"/>
+            <a:r>
+              <a:rPr/>
+              <a:t>Randomly reshuffle observations between groups (keeping n</a:t>
+            </a:r>
+            <a:r>
+              <a:rPr baseline="-25000"/>
+              <a:t>NE 12</a:t>
+            </a:r>
+            <a:r>
+              <a:rPr/>
+              <a:t>=323 and n</a:t>
+            </a:r>
+            <a:r>
+              <a:rPr baseline="-25000"/>
+              <a:t>Island</a:t>
+            </a:r>
+            <a:r>
+              <a:rPr/>
+              <a:t>=10), calculate ∆</a:t>
+            </a:r>
+          </a:p>
+          <a:p>
+            <a:pPr lvl="0"/>
+            <a:r>
+              <a:rPr/>
+              <a:t>Repeat &gt;1,000 times</a:t>
+            </a:r>
+          </a:p>
+          <a:p>
+            <a:pPr lvl="0"/>
+            <a:r>
+              <a:rPr/>
+              <a:t>Record proportion of the different means i</a:t>
+            </a:r>
+          </a:p>
+          <a:p>
+            <a:pPr lvl="0"/>
+            <a:r>
+              <a:rPr/>
+              <a:t>This is equivalent to p-value and can be used in “traditional” H test framework</a:t>
+            </a:r>
+          </a:p>
+          <a:p>
+            <a:pPr lvl="0"/>
+            <a:r>
+              <a:rPr/>
+              <a:t>For a graphical explanation:</a:t>
+            </a:r>
+          </a:p>
+          <a:p>
+            <a:pPr lvl="1"/>
+            <a:r>
+              <a:rPr>
+                <a:hlinkClick r:id="rId2"/>
+              </a:rPr>
+              <a:t>Graphical Explanation</a:t>
             </a:r>
           </a:p>
         </p:txBody>
@@ -6937,995 +6841,6 @@
         <p:spPr>
           <a:xfrm>
             <a:off x="0" y="0"/>
-            <a:ext cx="9144000" cy="602780"/>
-          </a:xfrm>
-          <a:solidFill>
-            <a:srgbClr val="70121D"/>
-          </a:solidFill>
-        </p:spPr>
-        <p:txBody>
-          <a:bodyPr/>
-          <a:lstStyle/>
-          <a:p>
-            <a:pPr lvl="0" indent="0" marL="0">
-              <a:buNone/>
-            </a:pPr>
-            <a:r>
-              <a:rPr/>
-              <a:t>Rank based tests</a:t>
-            </a:r>
-          </a:p>
-        </p:txBody>
-      </p:sp>
-      <p:sp>
-        <p:nvSpPr>
-          <p:cNvPr id="3" name="Content Placeholder 2"/>
-          <p:cNvSpPr>
-            <a:spLocks noGrp="1"/>
-          </p:cNvSpPr>
-          <p:nvPr>
-            <p:ph idx="1" sz="half"/>
-          </p:nvPr>
-        </p:nvSpPr>
-        <p:spPr/>
-        <p:txBody>
-          <a:bodyPr/>
-          <a:lstStyle/>
-          <a:p>
-            <a:pPr lvl="0"/>
-            <a:r>
-              <a:rPr/>
-              <a:t>Rank-based tests: no assumptions about distribution (non-parametric)</a:t>
-            </a:r>
-          </a:p>
-          <a:p>
-            <a:pPr lvl="0"/>
-            <a:r>
-              <a:rPr/>
-              <a:t>Ranks of data: observations assigned ranks, sums (and signs for paired tests) of ranks for groups compared</a:t>
-            </a:r>
-          </a:p>
-          <a:p>
-            <a:pPr lvl="0"/>
-            <a:r>
-              <a:rPr b="1"/>
-              <a:t>Mann-Whitney U test</a:t>
-            </a:r>
-            <a:r>
-              <a:rPr/>
-              <a:t> common alternative to independent samples t-test</a:t>
-            </a:r>
-          </a:p>
-          <a:p>
-            <a:pPr lvl="0"/>
-            <a:r>
-              <a:rPr b="1"/>
-              <a:t>Wilcoxon signed-rank</a:t>
-            </a:r>
-            <a:r>
-              <a:rPr/>
-              <a:t> test is alternative to paired t-test</a:t>
-            </a:r>
-          </a:p>
-          <a:p>
-            <a:pPr lvl="0" indent="0">
-              <a:buNone/>
-            </a:pPr>
-            <a:r>
-              <a:rPr>
-                <a:solidFill>
-                  <a:srgbClr val="5E5E5E"/>
-                </a:solidFill>
-                <a:latin typeface="Courier"/>
-              </a:rPr>
-              <a:t># Perform Mann-Whitney U test (Wilcoxon rank-sum test)</a:t>
-            </a:r>
-            <a:br/>
-            <a:r>
-              <a:rPr>
-                <a:solidFill>
-                  <a:srgbClr val="003B4F"/>
-                </a:solidFill>
-                <a:latin typeface="Courier"/>
-              </a:rPr>
-              <a:t>mann_whitney_length_test &lt;- </a:t>
-            </a:r>
-            <a:r>
-              <a:rPr>
-                <a:solidFill>
-                  <a:srgbClr val="4758AB"/>
-                </a:solidFill>
-                <a:latin typeface="Courier"/>
-              </a:rPr>
-              <a:t>wilcox.test</a:t>
-            </a:r>
-            <a:r>
-              <a:rPr>
-                <a:solidFill>
-                  <a:srgbClr val="003B4F"/>
-                </a:solidFill>
-                <a:latin typeface="Courier"/>
-              </a:rPr>
-              <a:t>(</a:t>
-            </a:r>
-            <a:br/>
-            <a:r>
-              <a:rPr>
-                <a:solidFill>
-                  <a:srgbClr val="003B4F"/>
-                </a:solidFill>
-                <a:latin typeface="Courier"/>
-              </a:rPr>
-              <a:t>  length_mm </a:t>
-            </a:r>
-            <a:r>
-              <a:rPr>
-                <a:solidFill>
-                  <a:srgbClr val="5E5E5E"/>
-                </a:solidFill>
-                <a:latin typeface="Courier"/>
-              </a:rPr>
-              <a:t>~</a:t>
-            </a:r>
-            <a:r>
-              <a:rPr>
-                <a:solidFill>
-                  <a:srgbClr val="003B4F"/>
-                </a:solidFill>
-                <a:latin typeface="Courier"/>
-              </a:rPr>
-              <a:t> lake, </a:t>
-            </a:r>
-            <a:br/>
-            <a:r>
-              <a:rPr>
-                <a:solidFill>
-                  <a:srgbClr val="003B4F"/>
-                </a:solidFill>
-                <a:latin typeface="Courier"/>
-              </a:rPr>
-              <a:t>  </a:t>
-            </a:r>
-            <a:r>
-              <a:rPr>
-                <a:solidFill>
-                  <a:srgbClr val="657422"/>
-                </a:solidFill>
-                <a:latin typeface="Courier"/>
-              </a:rPr>
-              <a:t>data =</a:t>
-            </a:r>
-            <a:r>
-              <a:rPr>
-                <a:solidFill>
-                  <a:srgbClr val="003B4F"/>
-                </a:solidFill>
-                <a:latin typeface="Courier"/>
-              </a:rPr>
-              <a:t> isl_ne12_df,</a:t>
-            </a:r>
-            <a:br/>
-            <a:r>
-              <a:rPr>
-                <a:solidFill>
-                  <a:srgbClr val="003B4F"/>
-                </a:solidFill>
-                <a:latin typeface="Courier"/>
-              </a:rPr>
-              <a:t>  </a:t>
-            </a:r>
-            <a:r>
-              <a:rPr>
-                <a:solidFill>
-                  <a:srgbClr val="657422"/>
-                </a:solidFill>
-                <a:latin typeface="Courier"/>
-              </a:rPr>
-              <a:t>exact =</a:t>
-            </a:r>
-            <a:r>
-              <a:rPr>
-                <a:solidFill>
-                  <a:srgbClr val="003B4F"/>
-                </a:solidFill>
-                <a:latin typeface="Courier"/>
-              </a:rPr>
-              <a:t> </a:t>
-            </a:r>
-            <a:r>
-              <a:rPr>
-                <a:solidFill>
-                  <a:srgbClr val="8F5902"/>
-                </a:solidFill>
-                <a:latin typeface="Courier"/>
-              </a:rPr>
-              <a:t>FALSE</a:t>
-            </a:r>
-            <a:r>
-              <a:rPr>
-                <a:solidFill>
-                  <a:srgbClr val="003B4F"/>
-                </a:solidFill>
-                <a:latin typeface="Courier"/>
-              </a:rPr>
-              <a:t>,  </a:t>
-            </a:r>
-            <a:r>
-              <a:rPr>
-                <a:solidFill>
-                  <a:srgbClr val="5E5E5E"/>
-                </a:solidFill>
-                <a:latin typeface="Courier"/>
-              </a:rPr>
-              <a:t># Use approximation with ties</a:t>
-            </a:r>
-            <a:br/>
-            <a:r>
-              <a:rPr>
-                <a:solidFill>
-                  <a:srgbClr val="003B4F"/>
-                </a:solidFill>
-                <a:latin typeface="Courier"/>
-              </a:rPr>
-              <a:t>  </a:t>
-            </a:r>
-            <a:r>
-              <a:rPr>
-                <a:solidFill>
-                  <a:srgbClr val="657422"/>
-                </a:solidFill>
-                <a:latin typeface="Courier"/>
-              </a:rPr>
-              <a:t>conf.int =</a:t>
-            </a:r>
-            <a:r>
-              <a:rPr>
-                <a:solidFill>
-                  <a:srgbClr val="003B4F"/>
-                </a:solidFill>
-                <a:latin typeface="Courier"/>
-              </a:rPr>
-              <a:t> </a:t>
-            </a:r>
-            <a:r>
-              <a:rPr>
-                <a:solidFill>
-                  <a:srgbClr val="8F5902"/>
-                </a:solidFill>
-                <a:latin typeface="Courier"/>
-              </a:rPr>
-              <a:t>TRUE</a:t>
-            </a:r>
-            <a:r>
-              <a:rPr>
-                <a:solidFill>
-                  <a:srgbClr val="003B4F"/>
-                </a:solidFill>
-                <a:latin typeface="Courier"/>
-              </a:rPr>
-              <a:t>  </a:t>
-            </a:r>
-            <a:r>
-              <a:rPr>
-                <a:solidFill>
-                  <a:srgbClr val="5E5E5E"/>
-                </a:solidFill>
-                <a:latin typeface="Courier"/>
-              </a:rPr>
-              <a:t># Calculate confidence interval</a:t>
-            </a:r>
-            <a:br/>
-            <a:r>
-              <a:rPr>
-                <a:solidFill>
-                  <a:srgbClr val="003B4F"/>
-                </a:solidFill>
-                <a:latin typeface="Courier"/>
-              </a:rPr>
-              <a:t>)</a:t>
-            </a:r>
-          </a:p>
-        </p:txBody>
-      </p:sp>
-      <p:sp>
-        <p:nvSpPr>
-          <p:cNvPr id="4" name="Content Placeholder 3"/>
-          <p:cNvSpPr>
-            <a:spLocks noGrp="1"/>
-          </p:cNvSpPr>
-          <p:nvPr>
-            <p:ph idx="2" sz="half"/>
-          </p:nvPr>
-        </p:nvSpPr>
-        <p:spPr/>
-        <p:txBody>
-          <a:bodyPr/>
-          <a:lstStyle/>
-          <a:p>
-            <a:pPr lvl="0" indent="0" marL="0">
-              <a:buNone/>
-            </a:pPr>
-            <a:r>
-              <a:rPr/>
-              <a:t>&lt;</a:t>
-            </a:r>
-          </a:p>
-          <a:p>
-            <a:pPr lvl="0" indent="0">
-              <a:buNone/>
-            </a:pPr>
-            <a:r>
-              <a:rPr>
-                <a:latin typeface="Courier"/>
-              </a:rPr>
-              <a:t>[1] "Mann-Whitney U test results length:"</a:t>
-            </a:r>
-          </a:p>
-          <a:p>
-            <a:pPr lvl="0" indent="0">
-              <a:buNone/>
-            </a:pPr>
-            <a:r>
-              <a:rPr>
-                <a:latin typeface="Courier"/>
-              </a:rPr>
-              <a:t>
-    Wilcoxon rank sum test with continuity correction
-data:  length_mm by lake
-W = 3226, p-value = 7.814e-08
-alternative hypothesis: true location shift is not equal to 0
-95 percent confidence interval:
- 262.0000 426.9999
-sample estimates:
-difference in location 
-                   357 </a:t>
-            </a:r>
-          </a:p>
-        </p:txBody>
-      </p:sp>
-    </p:spTree>
-  </p:cSld>
-</p:sld>
-</file>
-
-<file path=ppt/slides/slide22.xml><?xml version="1.0" encoding="utf-8"?>
-<p:sld xmlns:a="http://schemas.openxmlformats.org/drawingml/2006/main" xmlns:r="http://schemas.openxmlformats.org/officeDocument/2006/relationships" xmlns:p="http://schemas.openxmlformats.org/presentationml/2006/main">
-  <p:cSld>
-    <p:spTree>
-      <p:nvGrpSpPr>
-        <p:cNvPr id="1" name=""/>
-        <p:cNvGrpSpPr/>
-        <p:nvPr/>
-      </p:nvGrpSpPr>
-      <p:grpSpPr>
-        <a:xfrm>
-          <a:off x="0" y="0"/>
-          <a:ext cx="0" cy="0"/>
-          <a:chOff x="0" y="0"/>
-          <a:chExt cx="0" cy="0"/>
-        </a:xfrm>
-      </p:grpSpPr>
-      <p:sp>
-        <p:nvSpPr>
-          <p:cNvPr id="2" name="Title 1"/>
-          <p:cNvSpPr>
-            <a:spLocks noGrp="1"/>
-          </p:cNvSpPr>
-          <p:nvPr>
-            <p:ph type="title"/>
-          </p:nvPr>
-        </p:nvSpPr>
-        <p:spPr>
-          <a:xfrm>
-            <a:off x="0" y="0"/>
-            <a:ext cx="9144000" cy="602780"/>
-          </a:xfrm>
-          <a:solidFill>
-            <a:srgbClr val="70121D"/>
-          </a:solidFill>
-        </p:spPr>
-        <p:txBody>
-          <a:bodyPr/>
-          <a:lstStyle/>
-          <a:p>
-            <a:pPr lvl="0" indent="0" marL="0">
-              <a:buNone/>
-            </a:pPr>
-            <a:r>
-              <a:rPr/>
-              <a:t>Rank based tests</a:t>
-            </a:r>
-          </a:p>
-        </p:txBody>
-      </p:sp>
-      <p:sp>
-        <p:nvSpPr>
-          <p:cNvPr id="3" name="Content Placeholder 2"/>
-          <p:cNvSpPr>
-            <a:spLocks noGrp="1"/>
-          </p:cNvSpPr>
-          <p:nvPr>
-            <p:ph idx="1" sz="half"/>
-          </p:nvPr>
-        </p:nvSpPr>
-        <p:spPr/>
-        <p:txBody>
-          <a:bodyPr/>
-          <a:lstStyle/>
-          <a:p>
-            <a:pPr lvl="0"/>
-            <a:r>
-              <a:rPr/>
-              <a:t>Assumptions: similar distributions for groups, equal variance</a:t>
-            </a:r>
-          </a:p>
-          <a:p>
-            <a:pPr lvl="0"/>
-            <a:r>
-              <a:rPr/>
-              <a:t>Less power than parametric tests</a:t>
-            </a:r>
-          </a:p>
-          <a:p>
-            <a:pPr lvl="0"/>
-            <a:r>
-              <a:rPr/>
-              <a:t>Best when normality assumption can not be met by transformation (weird distribution) or large outliers</a:t>
-            </a:r>
-          </a:p>
-          <a:p>
-            <a:pPr lvl="0" indent="0" marL="0">
-              <a:buNone/>
-            </a:pPr>
-            <a:r>
-              <a:rPr/>
-              <a:t>A: n= 15, y= 8, s= 4 B : n= 15, y= 10, s= 5</a:t>
-            </a:r>
-          </a:p>
-          <a:p>
-            <a:pPr lvl="0" indent="0" marL="0">
-              <a:buNone/>
-            </a:pPr>
-            <a:r>
-              <a:rPr/>
-              <a:t>Approach A vs. B</a:t>
-            </a:r>
-          </a:p>
-          <a:p>
-            <a:pPr lvl="0" indent="0" marL="0">
-              <a:buNone/>
-            </a:pPr>
-            <a:r>
-              <a:rPr/>
-              <a:t>T-test df= 28 t= -3.53 p= 0.0014 M-W U (Wilcoxon’s) W= 41 p= 0.002</a:t>
-            </a:r>
-          </a:p>
-        </p:txBody>
-      </p:sp>
-      <p:sp>
-        <p:nvSpPr>
-          <p:cNvPr id="4" name="Content Placeholder 3"/>
-          <p:cNvSpPr>
-            <a:spLocks noGrp="1"/>
-          </p:cNvSpPr>
-          <p:nvPr>
-            <p:ph idx="2" sz="half"/>
-          </p:nvPr>
-        </p:nvSpPr>
-        <p:spPr/>
-        <p:txBody>
-          <a:bodyPr/>
-          <a:lstStyle/>
-          <a:p>
-            <a:pPr lvl="0" indent="0" marL="0">
-              <a:buNone/>
-            </a:pPr>
-            <a:r>
-              <a:rPr/>
-              <a:t>&lt;</a:t>
-            </a:r>
-          </a:p>
-          <a:p>
-            <a:pPr lvl="0" indent="0">
-              <a:buNone/>
-            </a:pPr>
-            <a:r>
-              <a:rPr>
-                <a:latin typeface="Courier"/>
-              </a:rPr>
-              <a:t>[1] "Standard t-test results for lenght_mm:"</a:t>
-            </a:r>
-          </a:p>
-          <a:p>
-            <a:pPr lvl="0" indent="0">
-              <a:buNone/>
-            </a:pPr>
-            <a:r>
-              <a:rPr>
-                <a:latin typeface="Courier"/>
-              </a:rPr>
-              <a:t>
-    Two Sample t-test
-data:  length_mm by lake
-t = 8.616, df = 331, p-value = 2.888e-16
-alternative hypothesis: true difference in means between group Island Lake and group NE 12 is not equal to 0
-95 percent confidence interval:
- 270.1939 430.0761
-sample estimates:
-mean in group Island Lake       mean in group NE 12 
-                  698.200                   348.065 </a:t>
-            </a:r>
-          </a:p>
-          <a:p>
-            <a:pPr lvl="0" indent="0">
-              <a:buNone/>
-            </a:pPr>
-            <a:r>
-              <a:rPr>
-                <a:latin typeface="Courier"/>
-              </a:rPr>
-              <a:t>[1] "Mann-Whitney U test results length:"</a:t>
-            </a:r>
-          </a:p>
-          <a:p>
-            <a:pPr lvl="0" indent="0">
-              <a:buNone/>
-            </a:pPr>
-            <a:r>
-              <a:rPr>
-                <a:latin typeface="Courier"/>
-              </a:rPr>
-              <a:t>
-    Wilcoxon rank sum test with continuity correction
-data:  length_mm by lake
-W = 3226, p-value = 7.814e-08
-alternative hypothesis: true location shift is not equal to 0
-95 percent confidence interval:
- 262.0000 426.9999
-sample estimates:
-difference in location 
-                   357 </a:t>
-            </a:r>
-          </a:p>
-        </p:txBody>
-      </p:sp>
-    </p:spTree>
-  </p:cSld>
-</p:sld>
-</file>
-
-<file path=ppt/slides/slide23.xml><?xml version="1.0" encoding="utf-8"?>
-<p:sld xmlns:a="http://schemas.openxmlformats.org/drawingml/2006/main" xmlns:r="http://schemas.openxmlformats.org/officeDocument/2006/relationships" xmlns:p="http://schemas.openxmlformats.org/presentationml/2006/main">
-  <p:cSld>
-    <p:spTree>
-      <p:nvGrpSpPr>
-        <p:cNvPr id="1" name=""/>
-        <p:cNvGrpSpPr/>
-        <p:nvPr/>
-      </p:nvGrpSpPr>
-      <p:grpSpPr>
-        <a:xfrm>
-          <a:off x="0" y="0"/>
-          <a:ext cx="0" cy="0"/>
-          <a:chOff x="0" y="0"/>
-          <a:chExt cx="0" cy="0"/>
-        </a:xfrm>
-      </p:grpSpPr>
-      <p:sp>
-        <p:nvSpPr>
-          <p:cNvPr id="2" name="Title 1"/>
-          <p:cNvSpPr>
-            <a:spLocks noGrp="1"/>
-          </p:cNvSpPr>
-          <p:nvPr>
-            <p:ph type="title"/>
-          </p:nvPr>
-        </p:nvSpPr>
-        <p:spPr>
-          <a:xfrm>
-            <a:off x="0" y="0"/>
-            <a:ext cx="9144000" cy="582780"/>
-          </a:xfrm>
-        </p:spPr>
-        <p:txBody>
-          <a:bodyPr/>
-          <a:lstStyle/>
-          <a:p>
-            <a:pPr lvl="0" indent="0" marL="0">
-              <a:buNone/>
-            </a:pPr>
-            <a:r>
-              <a:rPr/>
-              <a:t>Permutation tests</a:t>
-            </a:r>
-          </a:p>
-        </p:txBody>
-      </p:sp>
-      <p:sp>
-        <p:nvSpPr>
-          <p:cNvPr id="3" name="Content Placeholder 2"/>
-          <p:cNvSpPr>
-            <a:spLocks noGrp="1"/>
-          </p:cNvSpPr>
-          <p:nvPr>
-            <p:ph idx="1"/>
-          </p:nvPr>
-        </p:nvSpPr>
-        <p:spPr/>
-        <p:txBody>
-          <a:bodyPr/>
-          <a:lstStyle/>
-          <a:p>
-            <a:pPr lvl="0"/>
-            <a:r>
-              <a:rPr/>
-              <a:t>Permutation tests based on resampling: reshuffling of original data</a:t>
-            </a:r>
-          </a:p>
-          <a:p>
-            <a:pPr lvl="0"/>
-            <a:r>
-              <a:rPr/>
-              <a:t>Resampling allows parameter estimation when distribution unknown, including SEs and CIs of statistics (means, medians)</a:t>
-            </a:r>
-          </a:p>
-          <a:p>
-            <a:pPr lvl="0"/>
-            <a:r>
-              <a:rPr/>
-              <a:t>Common approach is bootstrap: resample sample with replacement many times, recalculate sample stats</a:t>
-            </a:r>
-          </a:p>
-          <a:p>
-            <a:pPr lvl="0"/>
-            <a:r>
-              <a:rPr/>
-              <a:t>Use the </a:t>
-            </a:r>
-            <a:r>
-              <a:rPr>
-                <a:latin typeface="Courier"/>
-              </a:rPr>
-              <a:t>perm</a:t>
-            </a:r>
-            <a:r>
-              <a:rPr/>
-              <a:t> package</a:t>
-            </a:r>
-          </a:p>
-        </p:txBody>
-      </p:sp>
-    </p:spTree>
-  </p:cSld>
-</p:sld>
-</file>
-
-<file path=ppt/slides/slide24.xml><?xml version="1.0" encoding="utf-8"?>
-<p:sld xmlns:a="http://schemas.openxmlformats.org/drawingml/2006/main" xmlns:r="http://schemas.openxmlformats.org/officeDocument/2006/relationships" xmlns:p="http://schemas.openxmlformats.org/presentationml/2006/main">
-  <p:cSld>
-    <p:spTree>
-      <p:nvGrpSpPr>
-        <p:cNvPr id="1" name=""/>
-        <p:cNvGrpSpPr/>
-        <p:nvPr/>
-      </p:nvGrpSpPr>
-      <p:grpSpPr>
-        <a:xfrm>
-          <a:off x="0" y="0"/>
-          <a:ext cx="0" cy="0"/>
-          <a:chOff x="0" y="0"/>
-          <a:chExt cx="0" cy="0"/>
-        </a:xfrm>
-      </p:grpSpPr>
-      <p:sp>
-        <p:nvSpPr>
-          <p:cNvPr id="2" name="Title 1"/>
-          <p:cNvSpPr>
-            <a:spLocks noGrp="1"/>
-          </p:cNvSpPr>
-          <p:nvPr>
-            <p:ph type="title"/>
-          </p:nvPr>
-        </p:nvSpPr>
-        <p:spPr>
-          <a:xfrm>
-            <a:off x="139485" y="78119"/>
-            <a:ext cx="8229600" cy="607682"/>
-          </a:xfrm>
-        </p:spPr>
-        <p:txBody>
-          <a:bodyPr/>
-          <a:lstStyle/>
-          <a:p>
-            <a:pPr lvl="0" indent="0" marL="0">
-              <a:buNone/>
-            </a:pPr>
-            <a:r>
-              <a:rPr/>
-              <a:t>Permutation tests</a:t>
-            </a:r>
-          </a:p>
-        </p:txBody>
-      </p:sp>
-      <p:sp>
-        <p:nvSpPr>
-          <p:cNvPr id="3" name="Text Placeholder 2"/>
-          <p:cNvSpPr>
-            <a:spLocks noGrp="1"/>
-          </p:cNvSpPr>
-          <p:nvPr>
-            <p:ph idx="1" type="body"/>
-          </p:nvPr>
-        </p:nvSpPr>
-        <p:spPr/>
-        <p:txBody>
-          <a:bodyPr/>
-          <a:lstStyle/>
-          <a:p>
-            <a:pPr lvl="0"/>
-            <a:r>
-              <a:rPr/>
-              <a:t>Ho: µ</a:t>
-            </a:r>
-            <a:r>
-              <a:rPr baseline="-25000"/>
-              <a:t>A</a:t>
-            </a:r>
-            <a:r>
-              <a:rPr/>
-              <a:t> = µ</a:t>
-            </a:r>
-            <a:r>
-              <a:rPr baseline="-25000"/>
-              <a:t>B</a:t>
-            </a:r>
-            <a:r>
-              <a:rPr/>
-              <a:t>, Ha: µ</a:t>
-            </a:r>
-            <a:r>
-              <a:rPr baseline="-25000"/>
-              <a:t>A</a:t>
-            </a:r>
-            <a:r>
-              <a:rPr/>
-              <a:t> ≠µ</a:t>
-            </a:r>
-            <a:r>
-              <a:rPr baseline="-25000"/>
-              <a:t>B</a:t>
-            </a:r>
-          </a:p>
-          <a:p>
-            <a:pPr lvl="0"/>
-            <a:r>
-              <a:rPr/>
-              <a:t>Calculates the differnce ∆ in means between two groups</a:t>
-            </a:r>
-          </a:p>
-        </p:txBody>
-      </p:sp>
-      <p:sp>
-        <p:nvSpPr>
-          <p:cNvPr id="5" name="Text Placeholder 4"/>
-          <p:cNvSpPr>
-            <a:spLocks noGrp="1"/>
-          </p:cNvSpPr>
-          <p:nvPr>
-            <p:ph idx="3" sz="quarter" type="body"/>
-          </p:nvPr>
-        </p:nvSpPr>
-        <p:spPr/>
-        <p:txBody>
-          <a:bodyPr/>
-          <a:lstStyle/>
-          <a:p>
-            <a:pPr lvl="0" indent="0" marL="0">
-              <a:buNone/>
-            </a:pPr>
-            <a:r>
-              <a:rPr/>
-              <a:t>&lt;!</a:t>
-            </a:r>
-          </a:p>
-        </p:txBody>
-      </p:sp>
-      <p:pic>
-        <p:nvPicPr>
-          <p:cNvPr descr="07_01_lecture_powerpoint_files/figure-pptx/unnamed-chunk-18-1.png" id="0" name="Picture 1"/>
-          <p:cNvPicPr>
-            <a:picLocks noGrp="1" noChangeAspect="1"/>
-          </p:cNvPicPr>
-          <p:nvPr/>
-        </p:nvPicPr>
-        <p:blipFill>
-          <a:blip r:embed="rId2"/>
-          <a:stretch>
-            <a:fillRect/>
-          </a:stretch>
-        </p:blipFill>
-        <p:spPr bwMode="auto">
-          <a:xfrm>
-            <a:off x="5130800" y="1295400"/>
-            <a:ext cx="3276600" cy="3276600"/>
-          </a:xfrm>
-          <a:prstGeom prst="rect">
-            <a:avLst/>
-          </a:prstGeom>
-          <a:noFill/>
-          <a:ln w="9525">
-            <a:noFill/>
-            <a:headEnd/>
-            <a:tailEnd/>
-          </a:ln>
-        </p:spPr>
-      </p:pic>
-    </p:spTree>
-  </p:cSld>
-</p:sld>
-</file>
-
-<file path=ppt/slides/slide25.xml><?xml version="1.0" encoding="utf-8"?>
-<p:sld xmlns:a="http://schemas.openxmlformats.org/drawingml/2006/main" xmlns:r="http://schemas.openxmlformats.org/officeDocument/2006/relationships" xmlns:p="http://schemas.openxmlformats.org/presentationml/2006/main">
-  <p:cSld>
-    <p:spTree>
-      <p:nvGrpSpPr>
-        <p:cNvPr id="1" name=""/>
-        <p:cNvGrpSpPr/>
-        <p:nvPr/>
-      </p:nvGrpSpPr>
-      <p:grpSpPr>
-        <a:xfrm>
-          <a:off x="0" y="0"/>
-          <a:ext cx="0" cy="0"/>
-          <a:chOff x="0" y="0"/>
-          <a:chExt cx="0" cy="0"/>
-        </a:xfrm>
-      </p:grpSpPr>
-      <p:sp>
-        <p:nvSpPr>
-          <p:cNvPr id="2" name="Title 1"/>
-          <p:cNvSpPr>
-            <a:spLocks noGrp="1"/>
-          </p:cNvSpPr>
-          <p:nvPr>
-            <p:ph type="title"/>
-          </p:nvPr>
-        </p:nvSpPr>
-        <p:spPr>
-          <a:xfrm>
-            <a:off x="0" y="0"/>
-            <a:ext cx="9144000" cy="602780"/>
-          </a:xfrm>
-          <a:solidFill>
-            <a:srgbClr val="70121D"/>
-          </a:solidFill>
-        </p:spPr>
-        <p:txBody>
-          <a:bodyPr/>
-          <a:lstStyle/>
-          <a:p>
-            <a:pPr lvl="0" indent="0" marL="0">
-              <a:buNone/>
-            </a:pPr>
-            <a:r>
-              <a:rPr/>
-              <a:t>Permutation tests</a:t>
-            </a:r>
-          </a:p>
-        </p:txBody>
-      </p:sp>
-      <p:sp>
-        <p:nvSpPr>
-          <p:cNvPr id="3" name="Content Placeholder 2"/>
-          <p:cNvSpPr>
-            <a:spLocks noGrp="1"/>
-          </p:cNvSpPr>
-          <p:nvPr>
-            <p:ph idx="1" sz="half"/>
-          </p:nvPr>
-        </p:nvSpPr>
-        <p:spPr/>
-        <p:txBody>
-          <a:bodyPr/>
-          <a:lstStyle/>
-          <a:p>
-            <a:pPr lvl="0"/>
-            <a:r>
-              <a:rPr/>
-              <a:t>Randomly reshuffle observations between groups (keeping n</a:t>
-            </a:r>
-            <a:r>
-              <a:rPr baseline="-25000"/>
-              <a:t>NE 12</a:t>
-            </a:r>
-            <a:r>
-              <a:rPr/>
-              <a:t>=323 and n</a:t>
-            </a:r>
-            <a:r>
-              <a:rPr baseline="-25000"/>
-              <a:t>Island</a:t>
-            </a:r>
-            <a:r>
-              <a:rPr/>
-              <a:t>=10), calculate ∆</a:t>
-            </a:r>
-          </a:p>
-          <a:p>
-            <a:pPr lvl="0"/>
-            <a:r>
-              <a:rPr/>
-              <a:t>Repeat &gt;1,000 times</a:t>
-            </a:r>
-          </a:p>
-          <a:p>
-            <a:pPr lvl="0"/>
-            <a:r>
-              <a:rPr/>
-              <a:t>Record proportion of the different means i</a:t>
-            </a:r>
-          </a:p>
-          <a:p>
-            <a:pPr lvl="0"/>
-            <a:r>
-              <a:rPr/>
-              <a:t>This is equivalent to p-value and can be used in “traditional” H test framework</a:t>
-            </a:r>
-          </a:p>
-          <a:p>
-            <a:pPr lvl="0"/>
-            <a:r>
-              <a:rPr/>
-              <a:t>For a graphical explanation:</a:t>
-            </a:r>
-          </a:p>
-          <a:p>
-            <a:pPr lvl="1"/>
-            <a:r>
-              <a:rPr>
-                <a:hlinkClick r:id="rId2"/>
-              </a:rPr>
-              <a:t>Graphical Explanation</a:t>
-            </a:r>
-          </a:p>
-        </p:txBody>
-      </p:sp>
-    </p:spTree>
-  </p:cSld>
-</p:sld>
-</file>
-
-<file path=ppt/slides/slide26.xml><?xml version="1.0" encoding="utf-8"?>
-<p:sld xmlns:a="http://schemas.openxmlformats.org/drawingml/2006/main" xmlns:r="http://schemas.openxmlformats.org/officeDocument/2006/relationships" xmlns:p="http://schemas.openxmlformats.org/presentationml/2006/main">
-  <p:cSld>
-    <p:spTree>
-      <p:nvGrpSpPr>
-        <p:cNvPr id="1" name=""/>
-        <p:cNvGrpSpPr/>
-        <p:nvPr/>
-      </p:nvGrpSpPr>
-      <p:grpSpPr>
-        <a:xfrm>
-          <a:off x="0" y="0"/>
-          <a:ext cx="0" cy="0"/>
-          <a:chOff x="0" y="0"/>
-          <a:chExt cx="0" cy="0"/>
-        </a:xfrm>
-      </p:grpSpPr>
-      <p:sp>
-        <p:nvSpPr>
-          <p:cNvPr id="2" name="Title 1"/>
-          <p:cNvSpPr>
-            <a:spLocks noGrp="1"/>
-          </p:cNvSpPr>
-          <p:nvPr>
-            <p:ph type="title"/>
-          </p:nvPr>
-        </p:nvSpPr>
-        <p:spPr>
-          <a:xfrm>
-            <a:off x="0" y="0"/>
             <a:ext cx="9144000" cy="582780"/>
           </a:xfrm>
         </p:spPr>
@@ -8883,14 +7798,7 @@
             <a:pPr lvl="0"/>
             <a:r>
               <a:rPr/>
-              <a:t>Assumptions of parametric tests and how to run them</a:t>
-            </a:r>
-          </a:p>
-          <a:p>
-            <a:pPr lvl="0"/>
-            <a:r>
-              <a:rPr/>
-              <a:t>Statistical vs. biological significance - is there a difference</a:t>
+              <a:t>What are the assumptions again and how do you assess them</a:t>
             </a:r>
           </a:p>
           <a:p>
@@ -8943,7 +7851,7 @@
             </a:pPr>
             <a:r>
               <a:rPr/>
-              <a:t>Lets work with the Lake Trout data as the weights are pretty cool in this one and will bakc up the main points of this lecture.</a:t>
+              <a:t>Lets work with the Lake Trout data as the weights are pretty cool and the assumptions may or may not hold</a:t>
             </a:r>
           </a:p>
           <a:p>
@@ -8952,7 +7860,7 @@
             </a:pPr>
             <a:r>
               <a:rPr/>
-              <a:t>This is easily translated into the mice weight data from Vancouver or the pine needle data and we could do those too on the fly if you want….</a:t>
+              <a:t>This is easily translated into any of the other dataframes you might want to use</a:t>
             </a:r>
           </a:p>
           <a:p>
@@ -9213,7 +8121,7 @@
                 </a:solidFill>
                 <a:latin typeface="Courier"/>
               </a:rPr>
-              <a:t>df &lt;- </a:t>
+              <a:t>lt_df &lt;- </a:t>
             </a:r>
             <a:r>
               <a:rPr>
@@ -9290,15 +8198,13 @@
               <a:rPr>
                 <a:latin typeface="Courier"/>
               </a:rPr>
-              <a:t># A tibble: 6 × 5
-  sampling_site species    length_mm mass_g lake 
-  &lt;chr&gt;         &lt;chr&gt;          &lt;dbl&gt;  &lt;dbl&gt; &lt;chr&gt;
-1 I8            lake trout       515   1400 I8   
-2 I8            lake trout       468   1100 I8   
-3 I8            lake trout       527   1550 I8   
-4 I8            lake trout       525   1350 I8   
-5 I8            lake trout       517   1300 I8   
-6 I8            lake trout       607   2100 I8   </a:t>
+              <a:t>                                              
+1 function (x, df1, df2, ncp, log = FALSE)    
+2 {                                           
+3     if (missing(ncp))                       
+4         .Call(C_df, x, df1, df2, log)       
+5     else .Call(C_dnf, x, df1, df2, ncp, log)
+6 }                                           </a:t>
             </a:r>
           </a:p>
         </p:txBody>
@@ -9338,8 +8244,11 @@
         <p:spPr>
           <a:xfrm>
             <a:off x="0" y="0"/>
-            <a:ext cx="9144000" cy="582780"/>
+            <a:ext cx="9144000" cy="602780"/>
           </a:xfrm>
+          <a:solidFill>
+            <a:srgbClr val="70121D"/>
+          </a:solidFill>
         </p:spPr>
         <p:txBody>
           <a:bodyPr/>
@@ -9350,7 +8259,7 @@
             </a:pPr>
             <a:r>
               <a:rPr/>
-              <a:t>Assumptions of parametric tests</a:t>
+              <a:t>Parametric versus non-parametric tests</a:t>
             </a:r>
           </a:p>
         </p:txBody>
@@ -9362,7 +8271,7 @@
             <a:spLocks noGrp="1"/>
           </p:cNvSpPr>
           <p:nvPr>
-            <p:ph idx="1"/>
+            <p:ph idx="1" sz="half"/>
           </p:nvPr>
         </p:nvSpPr>
         <p:spPr/>
@@ -9370,7 +8279,9 @@
           <a:bodyPr/>
           <a:lstStyle/>
           <a:p>
-            <a:pPr lvl="0"/>
+            <a:pPr lvl="0" indent="0" marL="0">
+              <a:buNone/>
+            </a:pPr>
             <a:r>
               <a:rPr/>
               <a:t>T-tests are </a:t>
@@ -9385,10 +8296,52 @@
             </a:r>
           </a:p>
           <a:p>
+            <a:pPr lvl="0"/>
+            <a:r>
+              <a:rPr/>
+              <a:t>Parametric tests:</a:t>
+            </a:r>
+          </a:p>
+          <a:p>
             <a:pPr lvl="1"/>
             <a:r>
               <a:rPr/>
-              <a:t>Parametric tests: specify/assume probability distribution from which parameters came</a:t>
+              <a:t>specify/assume probability distribution from which parameters came</a:t>
+            </a:r>
+          </a:p>
+          <a:p>
+            <a:pPr lvl="1"/>
+            <a:r>
+              <a:rPr/>
+              <a:t>Basic assumptions of parametric t-tests:</a:t>
+            </a:r>
+          </a:p>
+          <a:p>
+            <a:pPr lvl="2"/>
+            <a:r>
+              <a:rPr/>
+              <a:t>Random sampling</a:t>
+            </a:r>
+          </a:p>
+          <a:p>
+            <a:pPr lvl="2"/>
+            <a:r>
+              <a:rPr/>
+              <a:t>Normality</a:t>
+            </a:r>
+          </a:p>
+          <a:p>
+            <a:pPr lvl="2"/>
+            <a:r>
+              <a:rPr/>
+              <a:t>Equal variance</a:t>
+            </a:r>
+          </a:p>
+          <a:p>
+            <a:pPr lvl="2"/>
+            <a:r>
+              <a:rPr/>
+              <a:t>No outliers</a:t>
             </a:r>
           </a:p>
           <a:p>
@@ -9399,19 +8352,44 @@
             </a:r>
           </a:p>
           <a:p>
-            <a:pPr lvl="0"/>
+            <a:pPr lvl="1"/>
             <a:r>
               <a:rPr/>
               <a:t>Mukasa et al 2021 DOI: 10.4236/ojbm.2021.93081</a:t>
             </a:r>
           </a:p>
-          <a:p>
-            <a:pPr lvl="0" indent="0" marL="0">
-              <a:buNone/>
-            </a:pPr>
-          </a:p>
-        </p:txBody>
-      </p:sp>
+        </p:txBody>
+      </p:sp>
+      <p:pic>
+        <p:nvPicPr>
+          <p:cNvPr descr="images/clipboard-2948249782.png" id="0" name="Picture 1"/>
+          <p:cNvPicPr>
+            <a:picLocks noGrp="1" noChangeAspect="1"/>
+          </p:cNvPicPr>
+          <p:nvPr/>
+        </p:nvPicPr>
+        <p:blipFill>
+          <a:blip r:embed="rId2"/>
+          <a:stretch>
+            <a:fillRect/>
+          </a:stretch>
+        </p:blipFill>
+        <p:spPr bwMode="auto">
+          <a:xfrm>
+            <a:off x="6121400" y="1981200"/>
+            <a:ext cx="2781300" cy="1816100"/>
+          </a:xfrm>
+          <a:prstGeom prst="rect">
+            <a:avLst/>
+          </a:prstGeom>
+          <a:noFill/>
+          <a:ln w="9525">
+            <a:noFill/>
+            <a:headEnd/>
+            <a:tailEnd/>
+          </a:ln>
+        </p:spPr>
+      </p:pic>
     </p:spTree>
   </p:cSld>
 </p:sld>
@@ -9611,16 +8589,228 @@
             </a:r>
           </a:p>
           <a:p>
+            <a:pPr lvl="1"/>
+            <a:r>
+              <a:rPr/>
+              <a:t>Random sampling</a:t>
+            </a:r>
+          </a:p>
+          <a:p>
+            <a:pPr lvl="1"/>
+            <a:r>
+              <a:rPr/>
+              <a:t>Normality</a:t>
+            </a:r>
+          </a:p>
+          <a:p>
+            <a:pPr lvl="1"/>
+            <a:r>
+              <a:rPr/>
+              <a:t>Equal variance</a:t>
+            </a:r>
+          </a:p>
+          <a:p>
+            <a:pPr lvl="1"/>
+            <a:r>
+              <a:rPr/>
+              <a:t>No outliers</a:t>
+            </a:r>
+          </a:p>
+          <a:p>
             <a:pPr lvl="0"/>
             <a:r>
               <a:rPr/>
-              <a:t>Normality, equal variance, random sampling, no outliers</a:t>
+              <a:t>Random sampling:</a:t>
+            </a:r>
+          </a:p>
+          <a:p>
+            <a:pPr lvl="1"/>
+            <a:r>
+              <a:rPr/>
+              <a:t>samples are randomly collected from populations; part of experimental design</a:t>
+            </a:r>
+          </a:p>
+          <a:p>
+            <a:pPr lvl="1"/>
+            <a:r>
+              <a:rPr/>
+              <a:t>Necessary for sample -&gt; population inference</a:t>
+            </a:r>
+          </a:p>
+        </p:txBody>
+      </p:sp>
+      <p:sp>
+        <p:nvSpPr>
+          <p:cNvPr id="4" name="Content Placeholder 3"/>
+          <p:cNvSpPr>
+            <a:spLocks noGrp="1"/>
+          </p:cNvSpPr>
+          <p:nvPr>
+            <p:ph idx="2" sz="half"/>
+          </p:nvPr>
+        </p:nvSpPr>
+        <p:spPr/>
+        <p:txBody>
+          <a:bodyPr/>
+          <a:lstStyle/>
+          <a:p>
+            <a:pPr lvl="0" indent="0" marL="0">
+              <a:buNone/>
+            </a:pPr>
+            <a:r>
+              <a:rPr/>
+              <a:t>&lt;&gt;</a:t>
+            </a:r>
+          </a:p>
+        </p:txBody>
+      </p:sp>
+    </p:spTree>
+  </p:cSld>
+</p:sld>
+</file>
+
+<file path=ppt/slides/slide8.xml><?xml version="1.0" encoding="utf-8"?>
+<p:sld xmlns:a="http://schemas.openxmlformats.org/drawingml/2006/main" xmlns:r="http://schemas.openxmlformats.org/officeDocument/2006/relationships" xmlns:p="http://schemas.openxmlformats.org/presentationml/2006/main">
+  <p:cSld>
+    <p:spTree>
+      <p:nvGrpSpPr>
+        <p:cNvPr id="1" name=""/>
+        <p:cNvGrpSpPr/>
+        <p:nvPr/>
+      </p:nvGrpSpPr>
+      <p:grpSpPr>
+        <a:xfrm>
+          <a:off x="0" y="0"/>
+          <a:ext cx="0" cy="0"/>
+          <a:chOff x="0" y="0"/>
+          <a:chExt cx="0" cy="0"/>
+        </a:xfrm>
+      </p:grpSpPr>
+      <p:sp>
+        <p:nvSpPr>
+          <p:cNvPr id="2" name="Title 1"/>
+          <p:cNvSpPr>
+            <a:spLocks noGrp="1"/>
+          </p:cNvSpPr>
+          <p:nvPr>
+            <p:ph type="title"/>
+          </p:nvPr>
+        </p:nvSpPr>
+        <p:spPr>
+          <a:xfrm>
+            <a:off x="0" y="0"/>
+            <a:ext cx="9144000" cy="602780"/>
+          </a:xfrm>
+          <a:solidFill>
+            <a:srgbClr val="70121D"/>
+          </a:solidFill>
+        </p:spPr>
+        <p:txBody>
+          <a:bodyPr/>
+          <a:lstStyle/>
+          <a:p>
+            <a:pPr lvl="0" indent="0" marL="0">
+              <a:buNone/>
+            </a:pPr>
+            <a:r>
+              <a:rPr/>
+              <a:t>Assumptions of parametric tests</a:t>
+            </a:r>
+          </a:p>
+        </p:txBody>
+      </p:sp>
+      <p:sp>
+        <p:nvSpPr>
+          <p:cNvPr id="3" name="Content Placeholder 2"/>
+          <p:cNvSpPr>
+            <a:spLocks noGrp="1"/>
+          </p:cNvSpPr>
+          <p:nvPr>
+            <p:ph idx="1" sz="half"/>
+          </p:nvPr>
+        </p:nvSpPr>
+        <p:spPr/>
+        <p:txBody>
+          <a:bodyPr/>
+          <a:lstStyle/>
+          <a:p>
+            <a:pPr lvl="0" indent="0" marL="0">
+              <a:buNone/>
+            </a:pPr>
+            <a:r>
+              <a:rPr/>
+              <a:t>Basic assumptions of parametric t-tests:</a:t>
             </a:r>
           </a:p>
           <a:p>
             <a:pPr lvl="0"/>
             <a:r>
               <a:rPr/>
+              <a:t>Normality</a:t>
+            </a:r>
+          </a:p>
+          <a:p>
+            <a:pPr lvl="0"/>
+            <a:r>
+              <a:rPr/>
+              <a:t>equal variance</a:t>
+            </a:r>
+          </a:p>
+          <a:p>
+            <a:pPr lvl="0"/>
+            <a:r>
+              <a:rPr/>
+              <a:t>random sampling</a:t>
+            </a:r>
+          </a:p>
+          <a:p>
+            <a:pPr lvl="0"/>
+            <a:r>
+              <a:rPr/>
+              <a:t>no outliers</a:t>
+            </a:r>
+          </a:p>
+          <a:p>
+            <a:pPr lvl="0"/>
+            <a:r>
+              <a:rPr/>
+              <a:t>Lets do the above for one lake - </a:t>
+            </a:r>
+            <a:r>
+              <a:rPr>
+                <a:latin typeface="Courier"/>
+              </a:rPr>
+              <a:t>NE 12</a:t>
+            </a:r>
+            <a:r>
+              <a:rPr/>
+              <a:t> as if we were going to do a one sample T Test</a:t>
+            </a:r>
+          </a:p>
+          <a:p>
+            <a:pPr lvl="1"/>
+            <a:r>
+              <a:rPr/>
+              <a:t>we need to make a new dataframae with NE 12 data only called </a:t>
+            </a:r>
+            <a:r>
+              <a:rPr>
+                <a:latin typeface="Courier"/>
+              </a:rPr>
+              <a:t>ne12_data</a:t>
+            </a:r>
+          </a:p>
+          <a:p>
+            <a:pPr lvl="1"/>
+            <a:r>
+              <a:rPr/>
+              <a:t>how do you do this?</a:t>
+            </a:r>
+          </a:p>
+          <a:p>
+            <a:pPr lvl="0"/>
+            <a:r>
+              <a:rPr/>
               <a:t>Normality: Samples from normally distributed population</a:t>
             </a:r>
           </a:p>
@@ -9628,14 +8818,26 @@
             <a:pPr lvl="1"/>
             <a:r>
               <a:rPr/>
-              <a:t>Graphical tests: histograms, dotplots, boxplots, qq-plots</a:t>
+              <a:t>Graphical tests: histograms, dotplots, boxplots, </a:t>
+            </a:r>
+            <a:r>
+              <a:rPr b="1"/>
+              <a:t>qq-plots</a:t>
             </a:r>
           </a:p>
           <a:p>
             <a:pPr lvl="1"/>
             <a:r>
               <a:rPr/>
-              <a:t>“Formal” tests: Shapiro-Wilk test - sometimes not useful</a:t>
+              <a:t>“Formal” tests: </a:t>
+            </a:r>
+            <a:r>
+              <a:rPr b="1"/>
+              <a:t>Shapiro-Wilk test</a:t>
+            </a:r>
+            <a:r>
+              <a:rPr/>
+              <a:t> - sometimes not useful</a:t>
             </a:r>
           </a:p>
         </p:txBody>
@@ -9675,497 +8877,6 @@
 </p:sld>
 </file>
 
-<file path=ppt/slides/slide8.xml><?xml version="1.0" encoding="utf-8"?>
-<p:sld xmlns:a="http://schemas.openxmlformats.org/drawingml/2006/main" xmlns:r="http://schemas.openxmlformats.org/officeDocument/2006/relationships" xmlns:p="http://schemas.openxmlformats.org/presentationml/2006/main">
-  <p:cSld>
-    <p:spTree>
-      <p:nvGrpSpPr>
-        <p:cNvPr id="1" name=""/>
-        <p:cNvGrpSpPr/>
-        <p:nvPr/>
-      </p:nvGrpSpPr>
-      <p:grpSpPr>
-        <a:xfrm>
-          <a:off x="0" y="0"/>
-          <a:ext cx="0" cy="0"/>
-          <a:chOff x="0" y="0"/>
-          <a:chExt cx="0" cy="0"/>
-        </a:xfrm>
-      </p:grpSpPr>
-      <p:sp>
-        <p:nvSpPr>
-          <p:cNvPr id="2" name="Title 1"/>
-          <p:cNvSpPr>
-            <a:spLocks noGrp="1"/>
-          </p:cNvSpPr>
-          <p:nvPr>
-            <p:ph type="title"/>
-          </p:nvPr>
-        </p:nvSpPr>
-        <p:spPr>
-          <a:xfrm>
-            <a:off x="139485" y="78119"/>
-            <a:ext cx="8229600" cy="607682"/>
-          </a:xfrm>
-        </p:spPr>
-        <p:txBody>
-          <a:bodyPr/>
-          <a:lstStyle/>
-          <a:p>
-            <a:pPr lvl="0" indent="0" marL="0">
-              <a:buNone/>
-            </a:pPr>
-            <a:r>
-              <a:rPr/>
-              <a:t>Assumptions of parametric tests</a:t>
-            </a:r>
-          </a:p>
-        </p:txBody>
-      </p:sp>
-      <p:sp>
-        <p:nvSpPr>
-          <p:cNvPr id="3" name="Text Placeholder 2"/>
-          <p:cNvSpPr>
-            <a:spLocks noGrp="1"/>
-          </p:cNvSpPr>
-          <p:nvPr>
-            <p:ph idx="1" type="body"/>
-          </p:nvPr>
-        </p:nvSpPr>
-        <p:spPr/>
-        <p:txBody>
-          <a:bodyPr/>
-          <a:lstStyle/>
-          <a:p>
-            <a:pPr lvl="0"/>
-            <a:r>
-              <a:rPr/>
-              <a:t>Equal variance: samples are from populations with similar degree of variability</a:t>
-            </a:r>
-          </a:p>
-          <a:p>
-            <a:pPr lvl="1"/>
-            <a:r>
-              <a:rPr/>
-              <a:t>Graphical tests: boxplots</a:t>
-            </a:r>
-          </a:p>
-          <a:p>
-            <a:pPr lvl="1"/>
-            <a:r>
-              <a:rPr/>
-              <a:t>“Formal” tests: F-ratio test</a:t>
-            </a:r>
-          </a:p>
-          <a:p>
-            <a:pPr lvl="0"/>
-            <a:r>
-              <a:rPr/>
-              <a:t>Parametric tests most robust to violations of normality and equal var. assumptions when samples sizes equal</a:t>
-            </a:r>
-          </a:p>
-        </p:txBody>
-      </p:sp>
-      <p:sp>
-        <p:nvSpPr>
-          <p:cNvPr id="5" name="Text Placeholder 4"/>
-          <p:cNvSpPr>
-            <a:spLocks noGrp="1"/>
-          </p:cNvSpPr>
-          <p:nvPr>
-            <p:ph idx="3" sz="quarter" type="body"/>
-          </p:nvPr>
-        </p:nvSpPr>
-        <p:spPr/>
-        <p:txBody>
-          <a:bodyPr/>
-          <a:lstStyle/>
-          <a:p>
-            <a:pPr lvl="0" indent="0">
-              <a:buNone/>
-            </a:pPr>
-            <a:r>
-              <a:rPr>
-                <a:solidFill>
-                  <a:srgbClr val="003B4F"/>
-                </a:solidFill>
-                <a:latin typeface="Courier"/>
-              </a:rPr>
-              <a:t>length_plot &lt;- ne12_data </a:t>
-            </a:r>
-            <a:r>
-              <a:rPr>
-                <a:solidFill>
-                  <a:srgbClr val="5E5E5E"/>
-                </a:solidFill>
-                <a:latin typeface="Courier"/>
-              </a:rPr>
-              <a:t>%&gt;%</a:t>
-            </a:r>
-            <a:r>
-              <a:rPr>
-                <a:solidFill>
-                  <a:srgbClr val="003B4F"/>
-                </a:solidFill>
-                <a:latin typeface="Courier"/>
-              </a:rPr>
-              <a:t> </a:t>
-            </a:r>
-            <a:r>
-              <a:rPr>
-                <a:solidFill>
-                  <a:srgbClr val="4758AB"/>
-                </a:solidFill>
-                <a:latin typeface="Courier"/>
-              </a:rPr>
-              <a:t>ggplot</a:t>
-            </a:r>
-            <a:r>
-              <a:rPr>
-                <a:solidFill>
-                  <a:srgbClr val="003B4F"/>
-                </a:solidFill>
-                <a:latin typeface="Courier"/>
-              </a:rPr>
-              <a:t>(</a:t>
-            </a:r>
-            <a:r>
-              <a:rPr>
-                <a:solidFill>
-                  <a:srgbClr val="4758AB"/>
-                </a:solidFill>
-                <a:latin typeface="Courier"/>
-              </a:rPr>
-              <a:t>aes</a:t>
-            </a:r>
-            <a:r>
-              <a:rPr>
-                <a:solidFill>
-                  <a:srgbClr val="003B4F"/>
-                </a:solidFill>
-                <a:latin typeface="Courier"/>
-              </a:rPr>
-              <a:t>(</a:t>
-            </a:r>
-            <a:r>
-              <a:rPr>
-                <a:solidFill>
-                  <a:srgbClr val="657422"/>
-                </a:solidFill>
-                <a:latin typeface="Courier"/>
-              </a:rPr>
-              <a:t>x=</a:t>
-            </a:r>
-            <a:r>
-              <a:rPr>
-                <a:solidFill>
-                  <a:srgbClr val="003B4F"/>
-                </a:solidFill>
-                <a:latin typeface="Courier"/>
-              </a:rPr>
-              <a:t>lake, </a:t>
-            </a:r>
-            <a:r>
-              <a:rPr>
-                <a:solidFill>
-                  <a:srgbClr val="657422"/>
-                </a:solidFill>
-                <a:latin typeface="Courier"/>
-              </a:rPr>
-              <a:t>y =</a:t>
-            </a:r>
-            <a:r>
-              <a:rPr>
-                <a:solidFill>
-                  <a:srgbClr val="003B4F"/>
-                </a:solidFill>
-                <a:latin typeface="Courier"/>
-              </a:rPr>
-              <a:t> length_mm)) </a:t>
-            </a:r>
-            <a:r>
-              <a:rPr>
-                <a:solidFill>
-                  <a:srgbClr val="5E5E5E"/>
-                </a:solidFill>
-                <a:latin typeface="Courier"/>
-              </a:rPr>
-              <a:t>+</a:t>
-            </a:r>
-            <a:r>
-              <a:rPr>
-                <a:solidFill>
-                  <a:srgbClr val="4758AB"/>
-                </a:solidFill>
-                <a:latin typeface="Courier"/>
-              </a:rPr>
-              <a:t>geom_boxplot</a:t>
-            </a:r>
-            <a:r>
-              <a:rPr>
-                <a:solidFill>
-                  <a:srgbClr val="003B4F"/>
-                </a:solidFill>
-                <a:latin typeface="Courier"/>
-              </a:rPr>
-              <a:t>() </a:t>
-            </a:r>
-            <a:br/>
-            <a:r>
-              <a:rPr>
-                <a:solidFill>
-                  <a:srgbClr val="003B4F"/>
-                </a:solidFill>
-                <a:latin typeface="Courier"/>
-              </a:rPr>
-              <a:t>mass_plot &lt;- ne12_data </a:t>
-            </a:r>
-            <a:r>
-              <a:rPr>
-                <a:solidFill>
-                  <a:srgbClr val="5E5E5E"/>
-                </a:solidFill>
-                <a:latin typeface="Courier"/>
-              </a:rPr>
-              <a:t>%&gt;%</a:t>
-            </a:r>
-            <a:r>
-              <a:rPr>
-                <a:solidFill>
-                  <a:srgbClr val="003B4F"/>
-                </a:solidFill>
-                <a:latin typeface="Courier"/>
-              </a:rPr>
-              <a:t> </a:t>
-            </a:r>
-            <a:r>
-              <a:rPr>
-                <a:solidFill>
-                  <a:srgbClr val="4758AB"/>
-                </a:solidFill>
-                <a:latin typeface="Courier"/>
-              </a:rPr>
-              <a:t>ggplot</a:t>
-            </a:r>
-            <a:r>
-              <a:rPr>
-                <a:solidFill>
-                  <a:srgbClr val="003B4F"/>
-                </a:solidFill>
-                <a:latin typeface="Courier"/>
-              </a:rPr>
-              <a:t>(</a:t>
-            </a:r>
-            <a:r>
-              <a:rPr>
-                <a:solidFill>
-                  <a:srgbClr val="4758AB"/>
-                </a:solidFill>
-                <a:latin typeface="Courier"/>
-              </a:rPr>
-              <a:t>aes</a:t>
-            </a:r>
-            <a:r>
-              <a:rPr>
-                <a:solidFill>
-                  <a:srgbClr val="003B4F"/>
-                </a:solidFill>
-                <a:latin typeface="Courier"/>
-              </a:rPr>
-              <a:t>(</a:t>
-            </a:r>
-            <a:r>
-              <a:rPr>
-                <a:solidFill>
-                  <a:srgbClr val="657422"/>
-                </a:solidFill>
-                <a:latin typeface="Courier"/>
-              </a:rPr>
-              <a:t>x=</a:t>
-            </a:r>
-            <a:r>
-              <a:rPr>
-                <a:solidFill>
-                  <a:srgbClr val="003B4F"/>
-                </a:solidFill>
-                <a:latin typeface="Courier"/>
-              </a:rPr>
-              <a:t>lake, </a:t>
-            </a:r>
-            <a:r>
-              <a:rPr>
-                <a:solidFill>
-                  <a:srgbClr val="657422"/>
-                </a:solidFill>
-                <a:latin typeface="Courier"/>
-              </a:rPr>
-              <a:t>y =</a:t>
-            </a:r>
-            <a:r>
-              <a:rPr>
-                <a:solidFill>
-                  <a:srgbClr val="003B4F"/>
-                </a:solidFill>
-                <a:latin typeface="Courier"/>
-              </a:rPr>
-              <a:t> mass_g)) </a:t>
-            </a:r>
-            <a:r>
-              <a:rPr>
-                <a:solidFill>
-                  <a:srgbClr val="5E5E5E"/>
-                </a:solidFill>
-                <a:latin typeface="Courier"/>
-              </a:rPr>
-              <a:t>+</a:t>
-            </a:r>
-            <a:r>
-              <a:rPr>
-                <a:solidFill>
-                  <a:srgbClr val="4758AB"/>
-                </a:solidFill>
-                <a:latin typeface="Courier"/>
-              </a:rPr>
-              <a:t>geom_boxplot</a:t>
-            </a:r>
-            <a:r>
-              <a:rPr>
-                <a:solidFill>
-                  <a:srgbClr val="003B4F"/>
-                </a:solidFill>
-                <a:latin typeface="Courier"/>
-              </a:rPr>
-              <a:t>()</a:t>
-            </a:r>
-            <a:br/>
-            <a:r>
-              <a:rPr>
-                <a:solidFill>
-                  <a:srgbClr val="003B4F"/>
-                </a:solidFill>
-                <a:latin typeface="Courier"/>
-              </a:rPr>
-              <a:t>length_plot </a:t>
-            </a:r>
-            <a:r>
-              <a:rPr>
-                <a:solidFill>
-                  <a:srgbClr val="5E5E5E"/>
-                </a:solidFill>
-                <a:latin typeface="Courier"/>
-              </a:rPr>
-              <a:t>+</a:t>
-            </a:r>
-            <a:r>
-              <a:rPr>
-                <a:solidFill>
-                  <a:srgbClr val="003B4F"/>
-                </a:solidFill>
-                <a:latin typeface="Courier"/>
-              </a:rPr>
-              <a:t> mass_plot </a:t>
-            </a:r>
-            <a:r>
-              <a:rPr>
-                <a:solidFill>
-                  <a:srgbClr val="5E5E5E"/>
-                </a:solidFill>
-                <a:latin typeface="Courier"/>
-              </a:rPr>
-              <a:t>+</a:t>
-            </a:r>
-            <a:r>
-              <a:rPr>
-                <a:solidFill>
-                  <a:srgbClr val="003B4F"/>
-                </a:solidFill>
-                <a:latin typeface="Courier"/>
-              </a:rPr>
-              <a:t> </a:t>
-            </a:r>
-            <a:r>
-              <a:rPr>
-                <a:solidFill>
-                  <a:srgbClr val="4758AB"/>
-                </a:solidFill>
-                <a:latin typeface="Courier"/>
-              </a:rPr>
-              <a:t>plot_layout</a:t>
-            </a:r>
-            <a:r>
-              <a:rPr>
-                <a:solidFill>
-                  <a:srgbClr val="003B4F"/>
-                </a:solidFill>
-                <a:latin typeface="Courier"/>
-              </a:rPr>
-              <a:t>(</a:t>
-            </a:r>
-            <a:r>
-              <a:rPr>
-                <a:solidFill>
-                  <a:srgbClr val="657422"/>
-                </a:solidFill>
-                <a:latin typeface="Courier"/>
-              </a:rPr>
-              <a:t>ncol=</a:t>
-            </a:r>
-            <a:r>
-              <a:rPr>
-                <a:solidFill>
-                  <a:srgbClr val="AD0000"/>
-                </a:solidFill>
-                <a:latin typeface="Courier"/>
-              </a:rPr>
-              <a:t>1</a:t>
-            </a:r>
-            <a:r>
-              <a:rPr>
-                <a:solidFill>
-                  <a:srgbClr val="003B4F"/>
-                </a:solidFill>
-                <a:latin typeface="Courier"/>
-              </a:rPr>
-              <a:t>)</a:t>
-            </a:r>
-          </a:p>
-        </p:txBody>
-      </p:sp>
-      <p:pic>
-        <p:nvPicPr>
-          <p:cNvPr descr="07_01_lecture_powerpoint_files/figure-pptx/unnamed-chunk-3-1.png" id="0" name="Picture 1"/>
-          <p:cNvPicPr>
-            <a:picLocks noGrp="1" noChangeAspect="1"/>
-          </p:cNvPicPr>
-          <p:nvPr/>
-        </p:nvPicPr>
-        <p:blipFill>
-          <a:blip r:embed="rId2"/>
-          <a:stretch>
-            <a:fillRect/>
-          </a:stretch>
-        </p:blipFill>
-        <p:spPr bwMode="auto">
-          <a:xfrm>
-            <a:off x="5130800" y="1295400"/>
-            <a:ext cx="3276600" cy="3276600"/>
-          </a:xfrm>
-          <a:prstGeom prst="rect">
-            <a:avLst/>
-          </a:prstGeom>
-          <a:noFill/>
-          <a:ln w="9525">
-            <a:noFill/>
-            <a:headEnd/>
-            <a:tailEnd/>
-          </a:ln>
-        </p:spPr>
-      </p:pic>
-    </p:spTree>
-  </p:cSld>
-</p:sld>
-</file>
-
 <file path=ppt/slides/slide9.xml><?xml version="1.0" encoding="utf-8"?>
 <p:sld xmlns:a="http://schemas.openxmlformats.org/drawingml/2006/main" xmlns:r="http://schemas.openxmlformats.org/officeDocument/2006/relationships" xmlns:p="http://schemas.openxmlformats.org/presentationml/2006/main">
   <p:cSld>
@@ -10231,31 +8942,110 @@
           <a:bodyPr/>
           <a:lstStyle/>
           <a:p>
+            <a:pPr lvl="0" indent="0" marL="0">
+              <a:buNone/>
+            </a:pPr>
+            <a:r>
+              <a:rPr/>
+              <a:t>Basic assumptions of parametric t-tests:</a:t>
+            </a:r>
+          </a:p>
+          <a:p>
             <a:pPr lvl="0"/>
             <a:r>
               <a:rPr/>
-              <a:t>Normality, equal variance, random sampling, no outliers</a:t>
+              <a:t>Normality</a:t>
             </a:r>
           </a:p>
           <a:p>
             <a:pPr lvl="0"/>
             <a:r>
               <a:rPr/>
-              <a:t>Random sampling:</a:t>
+              <a:t>equal variance</a:t>
+            </a:r>
+          </a:p>
+          <a:p>
+            <a:pPr lvl="0"/>
+            <a:r>
+              <a:rPr/>
+              <a:t>random sampling</a:t>
+            </a:r>
+          </a:p>
+          <a:p>
+            <a:pPr lvl="0"/>
+            <a:r>
+              <a:rPr/>
+              <a:t>no outliers</a:t>
+            </a:r>
+          </a:p>
+          <a:p>
+            <a:pPr lvl="0"/>
+            <a:r>
+              <a:rPr/>
+              <a:t>Lets do the above for one lake - </a:t>
+            </a:r>
+            <a:r>
+              <a:rPr>
+                <a:latin typeface="Courier"/>
+              </a:rPr>
+              <a:t>NE 12</a:t>
+            </a:r>
+            <a:r>
+              <a:rPr/>
+              <a:t> as if we were going to do a one sample T Test</a:t>
             </a:r>
           </a:p>
           <a:p>
             <a:pPr lvl="1"/>
             <a:r>
               <a:rPr/>
-              <a:t>samples are randomly collected from populations; part of experimental design</a:t>
+              <a:t>we need to make a new dataframae with NE 12 data only called </a:t>
+            </a:r>
+            <a:r>
+              <a:rPr>
+                <a:latin typeface="Courier"/>
+              </a:rPr>
+              <a:t>ne12_data</a:t>
+            </a:r>
+          </a:p>
+          <a:p>
+            <a:pPr lvl="1"/>
+            <a:r>
+              <a:rPr/>
+              <a:t>how do you do this?</a:t>
             </a:r>
           </a:p>
           <a:p>
             <a:pPr lvl="0"/>
             <a:r>
               <a:rPr/>
-              <a:t>Necessary for sample -&gt; population inference</a:t>
+              <a:t>Normality: Samples from normally distributed population</a:t>
+            </a:r>
+          </a:p>
+          <a:p>
+            <a:pPr lvl="1"/>
+            <a:r>
+              <a:rPr/>
+              <a:t>Graphical tests: histograms, dotplots, boxplots, </a:t>
+            </a:r>
+            <a:r>
+              <a:rPr b="1"/>
+              <a:t>qq-plots</a:t>
+            </a:r>
+          </a:p>
+          <a:p>
+            <a:pPr lvl="1"/>
+            <a:r>
+              <a:rPr/>
+              <a:t>“Formal” tests: </a:t>
+            </a:r>
+            <a:r>
+              <a:rPr b="1"/>
+              <a:t>Shapiro-Wilk test</a:t>
+            </a:r>
+            <a:r>
+              <a:rPr/>
+              <a:t> - sometimes not useful</a:t>
             </a:r>
           </a:p>
         </p:txBody>
@@ -10275,12 +9065,28 @@
           <a:bodyPr/>
           <a:lstStyle/>
           <a:p>
-            <a:pPr lvl="0" indent="0" marL="0">
+            <a:pPr lvl="0" indent="0">
               <a:buNone/>
             </a:pPr>
             <a:r>
-              <a:rPr/>
-              <a:t>&lt;&gt;</a:t>
+              <a:rPr>
+                <a:latin typeface="Courier"/>
+              </a:rPr>
+              <a:t>[1] "Null hypothesis is that data is normally distributed"</a:t>
+            </a:r>
+          </a:p>
+          <a:p>
+            <a:pPr lvl="0" indent="0">
+              <a:buNone/>
+            </a:pPr>
+            <a:r>
+              <a:rPr>
+                <a:latin typeface="Courier"/>
+              </a:rPr>
+              <a:t>
+    Shapiro-Wilk normality test
+data:  ne12_data$length_mm
+W = 0.94528, p-value = 1.56e-09</a:t>
             </a:r>
           </a:p>
         </p:txBody>

--- a/docs/lectures/lecture_07/07_01_lecture_powerpoint.pptx
+++ b/docs/lectures/lecture_07/07_01_lecture_powerpoint.pptx
@@ -3313,7 +3313,7 @@
             </a:pPr>
             <a:r>
               <a:rPr/>
-              <a:t>Lecture 07 H testing and simple tests II</a:t>
+              <a:t>Lecture 07</a:t>
             </a:r>
           </a:p>
         </p:txBody>
@@ -3384,9 +3384,12 @@
         </p:nvSpPr>
         <p:spPr>
           <a:xfrm>
-            <a:off x="139485" y="78119"/>
-            <a:ext cx="8229600" cy="607682"/>
+            <a:off x="0" y="0"/>
+            <a:ext cx="9144000" cy="602780"/>
           </a:xfrm>
+          <a:solidFill>
+            <a:srgbClr val="70121D"/>
+          </a:solidFill>
         </p:spPr>
         <p:txBody>
           <a:bodyPr/>
@@ -3404,12 +3407,12 @@
       </p:sp>
       <p:sp>
         <p:nvSpPr>
-          <p:cNvPr id="3" name="Text Placeholder 2"/>
-          <p:cNvSpPr>
-            <a:spLocks noGrp="1"/>
-          </p:cNvSpPr>
-          <p:nvPr>
-            <p:ph idx="1" type="body"/>
+          <p:cNvPr id="3" name="Content Placeholder 2"/>
+          <p:cNvSpPr>
+            <a:spLocks noGrp="1"/>
+          </p:cNvSpPr>
+          <p:nvPr>
+            <p:ph idx="1" sz="half"/>
           </p:nvPr>
         </p:nvSpPr>
         <p:spPr/>
@@ -3495,371 +3498,6 @@
             <a:r>
               <a:rPr/>
               <a:t>Less so for equal variation assumptions</a:t>
-            </a:r>
-          </a:p>
-        </p:txBody>
-      </p:sp>
-      <p:sp>
-        <p:nvSpPr>
-          <p:cNvPr id="5" name="Text Placeholder 4"/>
-          <p:cNvSpPr>
-            <a:spLocks noGrp="1"/>
-          </p:cNvSpPr>
-          <p:nvPr>
-            <p:ph idx="3" sz="quarter" type="body"/>
-          </p:nvPr>
-        </p:nvSpPr>
-        <p:spPr/>
-        <p:txBody>
-          <a:bodyPr/>
-          <a:lstStyle/>
-          <a:p>
-            <a:pPr lvl="0" indent="0">
-              <a:buNone/>
-            </a:pPr>
-            <a:r>
-              <a:rPr>
-                <a:solidFill>
-                  <a:srgbClr val="003B4F"/>
-                </a:solidFill>
-                <a:latin typeface="Courier"/>
-              </a:rPr>
-              <a:t>length_plot &lt;- ne12_data </a:t>
-            </a:r>
-            <a:r>
-              <a:rPr>
-                <a:solidFill>
-                  <a:srgbClr val="5E5E5E"/>
-                </a:solidFill>
-                <a:latin typeface="Courier"/>
-              </a:rPr>
-              <a:t>%&gt;%</a:t>
-            </a:r>
-            <a:r>
-              <a:rPr>
-                <a:solidFill>
-                  <a:srgbClr val="003B4F"/>
-                </a:solidFill>
-                <a:latin typeface="Courier"/>
-              </a:rPr>
-              <a:t> </a:t>
-            </a:r>
-            <a:r>
-              <a:rPr>
-                <a:solidFill>
-                  <a:srgbClr val="4758AB"/>
-                </a:solidFill>
-                <a:latin typeface="Courier"/>
-              </a:rPr>
-              <a:t>ggplot</a:t>
-            </a:r>
-            <a:r>
-              <a:rPr>
-                <a:solidFill>
-                  <a:srgbClr val="003B4F"/>
-                </a:solidFill>
-                <a:latin typeface="Courier"/>
-              </a:rPr>
-              <a:t>(</a:t>
-            </a:r>
-            <a:r>
-              <a:rPr>
-                <a:solidFill>
-                  <a:srgbClr val="4758AB"/>
-                </a:solidFill>
-                <a:latin typeface="Courier"/>
-              </a:rPr>
-              <a:t>aes</a:t>
-            </a:r>
-            <a:r>
-              <a:rPr>
-                <a:solidFill>
-                  <a:srgbClr val="003B4F"/>
-                </a:solidFill>
-                <a:latin typeface="Courier"/>
-              </a:rPr>
-              <a:t>(</a:t>
-            </a:r>
-            <a:r>
-              <a:rPr>
-                <a:solidFill>
-                  <a:srgbClr val="657422"/>
-                </a:solidFill>
-                <a:latin typeface="Courier"/>
-              </a:rPr>
-              <a:t>x=</a:t>
-            </a:r>
-            <a:r>
-              <a:rPr>
-                <a:solidFill>
-                  <a:srgbClr val="003B4F"/>
-                </a:solidFill>
-                <a:latin typeface="Courier"/>
-              </a:rPr>
-              <a:t>lake, </a:t>
-            </a:r>
-            <a:r>
-              <a:rPr>
-                <a:solidFill>
-                  <a:srgbClr val="657422"/>
-                </a:solidFill>
-                <a:latin typeface="Courier"/>
-              </a:rPr>
-              <a:t>y =</a:t>
-            </a:r>
-            <a:r>
-              <a:rPr>
-                <a:solidFill>
-                  <a:srgbClr val="003B4F"/>
-                </a:solidFill>
-                <a:latin typeface="Courier"/>
-              </a:rPr>
-              <a:t> length_mm)) </a:t>
-            </a:r>
-            <a:r>
-              <a:rPr>
-                <a:solidFill>
-                  <a:srgbClr val="5E5E5E"/>
-                </a:solidFill>
-                <a:latin typeface="Courier"/>
-              </a:rPr>
-              <a:t>+</a:t>
-            </a:r>
-            <a:r>
-              <a:rPr>
-                <a:solidFill>
-                  <a:srgbClr val="4758AB"/>
-                </a:solidFill>
-                <a:latin typeface="Courier"/>
-              </a:rPr>
-              <a:t>geom_boxplot</a:t>
-            </a:r>
-            <a:r>
-              <a:rPr>
-                <a:solidFill>
-                  <a:srgbClr val="003B4F"/>
-                </a:solidFill>
-                <a:latin typeface="Courier"/>
-              </a:rPr>
-              <a:t>() </a:t>
-            </a:r>
-            <a:br/>
-            <a:r>
-              <a:rPr>
-                <a:solidFill>
-                  <a:srgbClr val="003B4F"/>
-                </a:solidFill>
-                <a:latin typeface="Courier"/>
-              </a:rPr>
-              <a:t>mass_plot &lt;- ne12_data </a:t>
-            </a:r>
-            <a:r>
-              <a:rPr>
-                <a:solidFill>
-                  <a:srgbClr val="5E5E5E"/>
-                </a:solidFill>
-                <a:latin typeface="Courier"/>
-              </a:rPr>
-              <a:t>%&gt;%</a:t>
-            </a:r>
-            <a:r>
-              <a:rPr>
-                <a:solidFill>
-                  <a:srgbClr val="003B4F"/>
-                </a:solidFill>
-                <a:latin typeface="Courier"/>
-              </a:rPr>
-              <a:t> </a:t>
-            </a:r>
-            <a:r>
-              <a:rPr>
-                <a:solidFill>
-                  <a:srgbClr val="4758AB"/>
-                </a:solidFill>
-                <a:latin typeface="Courier"/>
-              </a:rPr>
-              <a:t>ggplot</a:t>
-            </a:r>
-            <a:r>
-              <a:rPr>
-                <a:solidFill>
-                  <a:srgbClr val="003B4F"/>
-                </a:solidFill>
-                <a:latin typeface="Courier"/>
-              </a:rPr>
-              <a:t>(</a:t>
-            </a:r>
-            <a:r>
-              <a:rPr>
-                <a:solidFill>
-                  <a:srgbClr val="4758AB"/>
-                </a:solidFill>
-                <a:latin typeface="Courier"/>
-              </a:rPr>
-              <a:t>aes</a:t>
-            </a:r>
-            <a:r>
-              <a:rPr>
-                <a:solidFill>
-                  <a:srgbClr val="003B4F"/>
-                </a:solidFill>
-                <a:latin typeface="Courier"/>
-              </a:rPr>
-              <a:t>(</a:t>
-            </a:r>
-            <a:r>
-              <a:rPr>
-                <a:solidFill>
-                  <a:srgbClr val="657422"/>
-                </a:solidFill>
-                <a:latin typeface="Courier"/>
-              </a:rPr>
-              <a:t>x=</a:t>
-            </a:r>
-            <a:r>
-              <a:rPr>
-                <a:solidFill>
-                  <a:srgbClr val="003B4F"/>
-                </a:solidFill>
-                <a:latin typeface="Courier"/>
-              </a:rPr>
-              <a:t>lake, </a:t>
-            </a:r>
-            <a:r>
-              <a:rPr>
-                <a:solidFill>
-                  <a:srgbClr val="657422"/>
-                </a:solidFill>
-                <a:latin typeface="Courier"/>
-              </a:rPr>
-              <a:t>y =</a:t>
-            </a:r>
-            <a:r>
-              <a:rPr>
-                <a:solidFill>
-                  <a:srgbClr val="003B4F"/>
-                </a:solidFill>
-                <a:latin typeface="Courier"/>
-              </a:rPr>
-              <a:t> mass_g)) </a:t>
-            </a:r>
-            <a:r>
-              <a:rPr>
-                <a:solidFill>
-                  <a:srgbClr val="5E5E5E"/>
-                </a:solidFill>
-                <a:latin typeface="Courier"/>
-              </a:rPr>
-              <a:t>+</a:t>
-            </a:r>
-            <a:r>
-              <a:rPr>
-                <a:solidFill>
-                  <a:srgbClr val="4758AB"/>
-                </a:solidFill>
-                <a:latin typeface="Courier"/>
-              </a:rPr>
-              <a:t>geom_boxplot</a:t>
-            </a:r>
-            <a:r>
-              <a:rPr>
-                <a:solidFill>
-                  <a:srgbClr val="003B4F"/>
-                </a:solidFill>
-                <a:latin typeface="Courier"/>
-              </a:rPr>
-              <a:t>()</a:t>
-            </a:r>
-            <a:br/>
-            <a:r>
-              <a:rPr>
-                <a:solidFill>
-                  <a:srgbClr val="003B4F"/>
-                </a:solidFill>
-                <a:latin typeface="Courier"/>
-              </a:rPr>
-              <a:t>length_plot </a:t>
-            </a:r>
-            <a:r>
-              <a:rPr>
-                <a:solidFill>
-                  <a:srgbClr val="5E5E5E"/>
-                </a:solidFill>
-                <a:latin typeface="Courier"/>
-              </a:rPr>
-              <a:t>+</a:t>
-            </a:r>
-            <a:r>
-              <a:rPr>
-                <a:solidFill>
-                  <a:srgbClr val="003B4F"/>
-                </a:solidFill>
-                <a:latin typeface="Courier"/>
-              </a:rPr>
-              <a:t> mass_plot </a:t>
-            </a:r>
-            <a:r>
-              <a:rPr>
-                <a:solidFill>
-                  <a:srgbClr val="5E5E5E"/>
-                </a:solidFill>
-                <a:latin typeface="Courier"/>
-              </a:rPr>
-              <a:t>+</a:t>
-            </a:r>
-            <a:r>
-              <a:rPr>
-                <a:solidFill>
-                  <a:srgbClr val="003B4F"/>
-                </a:solidFill>
-                <a:latin typeface="Courier"/>
-              </a:rPr>
-              <a:t> </a:t>
-            </a:r>
-            <a:r>
-              <a:rPr>
-                <a:solidFill>
-                  <a:srgbClr val="4758AB"/>
-                </a:solidFill>
-                <a:latin typeface="Courier"/>
-              </a:rPr>
-              <a:t>plot_layout</a:t>
-            </a:r>
-            <a:r>
-              <a:rPr>
-                <a:solidFill>
-                  <a:srgbClr val="003B4F"/>
-                </a:solidFill>
-                <a:latin typeface="Courier"/>
-              </a:rPr>
-              <a:t>(</a:t>
-            </a:r>
-            <a:r>
-              <a:rPr>
-                <a:solidFill>
-                  <a:srgbClr val="657422"/>
-                </a:solidFill>
-                <a:latin typeface="Courier"/>
-              </a:rPr>
-              <a:t>ncol=</a:t>
-            </a:r>
-            <a:r>
-              <a:rPr>
-                <a:solidFill>
-                  <a:srgbClr val="AD0000"/>
-                </a:solidFill>
-                <a:latin typeface="Courier"/>
-              </a:rPr>
-              <a:t>1</a:t>
-            </a:r>
-            <a:r>
-              <a:rPr>
-                <a:solidFill>
-                  <a:srgbClr val="003B4F"/>
-                </a:solidFill>
-                <a:latin typeface="Courier"/>
-              </a:rPr>
-              <a:t>)</a:t>
             </a:r>
           </a:p>
         </p:txBody>
@@ -3880,8 +3518,8 @@
         </p:blipFill>
         <p:spPr bwMode="auto">
           <a:xfrm>
-            <a:off x="5130800" y="1295400"/>
-            <a:ext cx="3276600" cy="3276600"/>
+            <a:off x="6121400" y="1498600"/>
+            <a:ext cx="2781300" cy="2781300"/>
           </a:xfrm>
           <a:prstGeom prst="rect">
             <a:avLst/>
@@ -3928,9 +3566,12 @@
         </p:nvSpPr>
         <p:spPr>
           <a:xfrm>
-            <a:off x="139485" y="78119"/>
-            <a:ext cx="8229600" cy="607682"/>
+            <a:off x="0" y="0"/>
+            <a:ext cx="9144000" cy="602780"/>
           </a:xfrm>
+          <a:solidFill>
+            <a:srgbClr val="70121D"/>
+          </a:solidFill>
         </p:spPr>
         <p:txBody>
           <a:bodyPr/>
@@ -3948,12 +3589,12 @@
       </p:sp>
       <p:sp>
         <p:nvSpPr>
-          <p:cNvPr id="3" name="Text Placeholder 2"/>
-          <p:cNvSpPr>
-            <a:spLocks noGrp="1"/>
-          </p:cNvSpPr>
-          <p:nvPr>
-            <p:ph idx="1" type="body"/>
+          <p:cNvPr id="3" name="Content Placeholder 2"/>
+          <p:cNvSpPr>
+            <a:spLocks noGrp="1"/>
+          </p:cNvSpPr>
+          <p:nvPr>
+            <p:ph idx="1" sz="half"/>
           </p:nvPr>
         </p:nvSpPr>
         <p:spPr/>
@@ -4006,126 +3647,6 @@
             <a:r>
               <a:rPr b="1"/>
               <a:t>Note: outliers a problem for non-parametric tests as well</a:t>
-            </a:r>
-          </a:p>
-        </p:txBody>
-      </p:sp>
-      <p:sp>
-        <p:nvSpPr>
-          <p:cNvPr id="5" name="Text Placeholder 4"/>
-          <p:cNvSpPr>
-            <a:spLocks noGrp="1"/>
-          </p:cNvSpPr>
-          <p:nvPr>
-            <p:ph idx="3" sz="quarter" type="body"/>
-          </p:nvPr>
-        </p:nvSpPr>
-        <p:spPr/>
-        <p:txBody>
-          <a:bodyPr/>
-          <a:lstStyle/>
-          <a:p>
-            <a:pPr lvl="0" indent="0">
-              <a:buNone/>
-            </a:pPr>
-            <a:r>
-              <a:rPr>
-                <a:solidFill>
-                  <a:srgbClr val="003B4F"/>
-                </a:solidFill>
-                <a:latin typeface="Courier"/>
-              </a:rPr>
-              <a:t>ne12_histo_plot </a:t>
-            </a:r>
-            <a:r>
-              <a:rPr>
-                <a:solidFill>
-                  <a:srgbClr val="5E5E5E"/>
-                </a:solidFill>
-                <a:latin typeface="Courier"/>
-              </a:rPr>
-              <a:t>+</a:t>
-            </a:r>
-            <a:r>
-              <a:rPr>
-                <a:solidFill>
-                  <a:srgbClr val="003B4F"/>
-                </a:solidFill>
-                <a:latin typeface="Courier"/>
-              </a:rPr>
-              <a:t> ne12_box_plot </a:t>
-            </a:r>
-            <a:r>
-              <a:rPr>
-                <a:solidFill>
-                  <a:srgbClr val="5E5E5E"/>
-                </a:solidFill>
-                <a:latin typeface="Courier"/>
-              </a:rPr>
-              <a:t>+</a:t>
-            </a:r>
-            <a:r>
-              <a:rPr>
-                <a:solidFill>
-                  <a:srgbClr val="003B4F"/>
-                </a:solidFill>
-                <a:latin typeface="Courier"/>
-              </a:rPr>
-              <a:t> </a:t>
-            </a:r>
-            <a:r>
-              <a:rPr>
-                <a:solidFill>
-                  <a:srgbClr val="4758AB"/>
-                </a:solidFill>
-                <a:latin typeface="Courier"/>
-              </a:rPr>
-              <a:t>plot_layout</a:t>
-            </a:r>
-            <a:r>
-              <a:rPr>
-                <a:solidFill>
-                  <a:srgbClr val="003B4F"/>
-                </a:solidFill>
-                <a:latin typeface="Courier"/>
-              </a:rPr>
-              <a:t>(</a:t>
-            </a:r>
-            <a:r>
-              <a:rPr>
-                <a:solidFill>
-                  <a:srgbClr val="657422"/>
-                </a:solidFill>
-                <a:latin typeface="Courier"/>
-              </a:rPr>
-              <a:t>ncol =</a:t>
-            </a:r>
-            <a:r>
-              <a:rPr>
-                <a:solidFill>
-                  <a:srgbClr val="003B4F"/>
-                </a:solidFill>
-                <a:latin typeface="Courier"/>
-              </a:rPr>
-              <a:t> </a:t>
-            </a:r>
-            <a:r>
-              <a:rPr>
-                <a:solidFill>
-                  <a:srgbClr val="AD0000"/>
-                </a:solidFill>
-                <a:latin typeface="Courier"/>
-              </a:rPr>
-              <a:t>1</a:t>
-            </a:r>
-            <a:r>
-              <a:rPr>
-                <a:solidFill>
-                  <a:srgbClr val="003B4F"/>
-                </a:solidFill>
-                <a:latin typeface="Courier"/>
-              </a:rPr>
-              <a:t>)</a:t>
             </a:r>
           </a:p>
         </p:txBody>
@@ -4146,8 +3667,8 @@
         </p:blipFill>
         <p:spPr bwMode="auto">
           <a:xfrm>
-            <a:off x="5130800" y="1295400"/>
-            <a:ext cx="3276600" cy="3276600"/>
+            <a:off x="6121400" y="1498600"/>
+            <a:ext cx="2781300" cy="2781300"/>
           </a:xfrm>
           <a:prstGeom prst="rect">
             <a:avLst/>
@@ -4303,119 +3824,6 @@
             <a:r>
               <a:rPr/>
               <a:t>&lt; –</a:t>
-            </a:r>
-          </a:p>
-          <a:p>
-            <a:pPr lvl="0" indent="0">
-              <a:buNone/>
-            </a:pPr>
-            <a:r>
-              <a:rPr>
-                <a:solidFill>
-                  <a:srgbClr val="003B4F"/>
-                </a:solidFill>
-                <a:latin typeface="Courier"/>
-              </a:rPr>
-              <a:t>ne12_histo_plot</a:t>
-            </a:r>
-            <a:r>
-              <a:rPr>
-                <a:solidFill>
-                  <a:srgbClr val="5E5E5E"/>
-                </a:solidFill>
-                <a:latin typeface="Courier"/>
-              </a:rPr>
-              <a:t>+</a:t>
-            </a:r>
-            <a:r>
-              <a:rPr>
-                <a:solidFill>
-                  <a:srgbClr val="003B4F"/>
-                </a:solidFill>
-                <a:latin typeface="Courier"/>
-              </a:rPr>
-              <a:t>ne12_box_plot </a:t>
-            </a:r>
-            <a:r>
-              <a:rPr>
-                <a:solidFill>
-                  <a:srgbClr val="5E5E5E"/>
-                </a:solidFill>
-                <a:latin typeface="Courier"/>
-              </a:rPr>
-              <a:t>+</a:t>
-            </a:r>
-            <a:r>
-              <a:rPr>
-                <a:solidFill>
-                  <a:srgbClr val="003B4F"/>
-                </a:solidFill>
-                <a:latin typeface="Courier"/>
-              </a:rPr>
-              <a:t> ne12_qq_plot </a:t>
-            </a:r>
-            <a:r>
-              <a:rPr>
-                <a:solidFill>
-                  <a:srgbClr val="5E5E5E"/>
-                </a:solidFill>
-                <a:latin typeface="Courier"/>
-              </a:rPr>
-              <a:t>+</a:t>
-            </a:r>
-            <a:r>
-              <a:rPr>
-                <a:solidFill>
-                  <a:srgbClr val="003B4F"/>
-                </a:solidFill>
-                <a:latin typeface="Courier"/>
-              </a:rPr>
-              <a:t> </a:t>
-            </a:r>
-            <a:r>
-              <a:rPr>
-                <a:solidFill>
-                  <a:srgbClr val="4758AB"/>
-                </a:solidFill>
-                <a:latin typeface="Courier"/>
-              </a:rPr>
-              <a:t>plot_layout</a:t>
-            </a:r>
-            <a:r>
-              <a:rPr>
-                <a:solidFill>
-                  <a:srgbClr val="003B4F"/>
-                </a:solidFill>
-                <a:latin typeface="Courier"/>
-              </a:rPr>
-              <a:t>(</a:t>
-            </a:r>
-            <a:r>
-              <a:rPr>
-                <a:solidFill>
-                  <a:srgbClr val="657422"/>
-                </a:solidFill>
-                <a:latin typeface="Courier"/>
-              </a:rPr>
-              <a:t>ncol=</a:t>
-            </a:r>
-            <a:r>
-              <a:rPr>
-                <a:solidFill>
-                  <a:srgbClr val="AD0000"/>
-                </a:solidFill>
-                <a:latin typeface="Courier"/>
-              </a:rPr>
-              <a:t>1</a:t>
-            </a:r>
-            <a:r>
-              <a:rPr>
-                <a:solidFill>
-                  <a:srgbClr val="003B4F"/>
-                </a:solidFill>
-                <a:latin typeface="Courier"/>
-              </a:rPr>
-              <a:t>)</a:t>
             </a:r>
           </a:p>
         </p:txBody>
@@ -5466,42 +4874,36 @@
           </a:p>
         </p:txBody>
       </p:sp>
-      <p:sp>
-        <p:nvSpPr>
-          <p:cNvPr id="4" name="Content Placeholder 3"/>
-          <p:cNvSpPr>
-            <a:spLocks noGrp="1"/>
-          </p:cNvSpPr>
-          <p:nvPr>
-            <p:ph idx="2" sz="half"/>
-          </p:nvPr>
-        </p:nvSpPr>
-        <p:spPr/>
-        <p:txBody>
-          <a:bodyPr/>
-          <a:lstStyle/>
-          <a:p>
-            <a:pPr lvl="0" indent="0" marL="0">
-              <a:buNone/>
-            </a:pPr>
-            <a:r>
-              <a:rPr/>
-              <a:t>&lt;&gt;</a:t>
-            </a:r>
-          </a:p>
-          <a:p>
-            <a:pPr lvl="0" indent="0" marL="0">
-              <a:buNone/>
-            </a:pPr>
-            <a:r>
-              <a:rPr>
-                <a:hlinkClick r:id="rId2"/>
-              </a:rPr>
-              <a:t>source</a:t>
-            </a:r>
-          </a:p>
-        </p:txBody>
-      </p:sp>
+      <p:pic>
+        <p:nvPicPr>
+          <p:cNvPr descr="images/transformations_2%20jpg.jpg" id="0" name="Picture 1"/>
+          <p:cNvPicPr>
+            <a:picLocks noGrp="1" noChangeAspect="1"/>
+          </p:cNvPicPr>
+          <p:nvPr/>
+        </p:nvPicPr>
+        <p:blipFill>
+          <a:blip r:embed="rId2"/>
+          <a:stretch>
+            <a:fillRect/>
+          </a:stretch>
+        </p:blipFill>
+        <p:spPr bwMode="auto">
+          <a:xfrm>
+            <a:off x="6121400" y="1041400"/>
+            <a:ext cx="2781300" cy="3708400"/>
+          </a:xfrm>
+          <a:prstGeom prst="rect">
+            <a:avLst/>
+          </a:prstGeom>
+          <a:noFill/>
+          <a:ln w="9525">
+            <a:noFill/>
+            <a:headEnd/>
+            <a:tailEnd/>
+          </a:ln>
+        </p:spPr>
+      </p:pic>
     </p:spTree>
   </p:cSld>
 </p:sld>
@@ -5536,9 +4938,12 @@
         </p:nvSpPr>
         <p:spPr>
           <a:xfrm>
-            <a:off x="139485" y="78119"/>
-            <a:ext cx="8229600" cy="607682"/>
+            <a:off x="0" y="0"/>
+            <a:ext cx="9144000" cy="602780"/>
           </a:xfrm>
+          <a:solidFill>
+            <a:srgbClr val="70121D"/>
+          </a:solidFill>
         </p:spPr>
         <p:txBody>
           <a:bodyPr/>
@@ -5556,12 +4961,12 @@
       </p:sp>
       <p:sp>
         <p:nvSpPr>
-          <p:cNvPr id="3" name="Text Placeholder 2"/>
-          <p:cNvSpPr>
-            <a:spLocks noGrp="1"/>
-          </p:cNvSpPr>
-          <p:nvPr>
-            <p:ph idx="1" type="body"/>
+          <p:cNvPr id="3" name="Content Placeholder 2"/>
+          <p:cNvSpPr>
+            <a:spLocks noGrp="1"/>
+          </p:cNvSpPr>
+          <p:nvPr>
+            <p:ph idx="1" sz="half"/>
           </p:nvPr>
         </p:nvSpPr>
         <p:spPr/>
@@ -5601,330 +5006,6 @@
             <a:r>
               <a:rPr/>
               <a:t>Calculates a t statistic but recalculates df based on samples sizes and s</a:t>
-            </a:r>
-          </a:p>
-        </p:txBody>
-      </p:sp>
-      <p:sp>
-        <p:nvSpPr>
-          <p:cNvPr id="5" name="Text Placeholder 4"/>
-          <p:cNvSpPr>
-            <a:spLocks noGrp="1"/>
-          </p:cNvSpPr>
-          <p:nvPr>
-            <p:ph idx="3" sz="quarter" type="body"/>
-          </p:nvPr>
-        </p:nvSpPr>
-        <p:spPr/>
-        <p:txBody>
-          <a:bodyPr/>
-          <a:lstStyle/>
-          <a:p>
-            <a:pPr lvl="0" indent="0">
-              <a:buNone/>
-            </a:pPr>
-            <a:r>
-              <a:rPr>
-                <a:solidFill>
-                  <a:srgbClr val="003B4F"/>
-                </a:solidFill>
-                <a:latin typeface="Courier"/>
-              </a:rPr>
-              <a:t>log_ne12_island_box_plot &lt;- isl_ne12_df </a:t>
-            </a:r>
-            <a:r>
-              <a:rPr>
-                <a:solidFill>
-                  <a:srgbClr val="5E5E5E"/>
-                </a:solidFill>
-                <a:latin typeface="Courier"/>
-              </a:rPr>
-              <a:t>%&gt;%</a:t>
-            </a:r>
-            <a:r>
-              <a:rPr>
-                <a:solidFill>
-                  <a:srgbClr val="003B4F"/>
-                </a:solidFill>
-                <a:latin typeface="Courier"/>
-              </a:rPr>
-              <a:t> </a:t>
-            </a:r>
-            <a:br/>
-            <a:r>
-              <a:rPr>
-                <a:solidFill>
-                  <a:srgbClr val="003B4F"/>
-                </a:solidFill>
-                <a:latin typeface="Courier"/>
-              </a:rPr>
-              <a:t>  </a:t>
-            </a:r>
-            <a:r>
-              <a:rPr>
-                <a:solidFill>
-                  <a:srgbClr val="4758AB"/>
-                </a:solidFill>
-                <a:latin typeface="Courier"/>
-              </a:rPr>
-              <a:t>ggplot</a:t>
-            </a:r>
-            <a:r>
-              <a:rPr>
-                <a:solidFill>
-                  <a:srgbClr val="003B4F"/>
-                </a:solidFill>
-                <a:latin typeface="Courier"/>
-              </a:rPr>
-              <a:t>(</a:t>
-            </a:r>
-            <a:r>
-              <a:rPr>
-                <a:solidFill>
-                  <a:srgbClr val="4758AB"/>
-                </a:solidFill>
-                <a:latin typeface="Courier"/>
-              </a:rPr>
-              <a:t>aes</a:t>
-            </a:r>
-            <a:r>
-              <a:rPr>
-                <a:solidFill>
-                  <a:srgbClr val="003B4F"/>
-                </a:solidFill>
-                <a:latin typeface="Courier"/>
-              </a:rPr>
-              <a:t>(</a:t>
-            </a:r>
-            <a:r>
-              <a:rPr>
-                <a:solidFill>
-                  <a:srgbClr val="657422"/>
-                </a:solidFill>
-                <a:latin typeface="Courier"/>
-              </a:rPr>
-              <a:t>x=</a:t>
-            </a:r>
-            <a:r>
-              <a:rPr>
-                <a:solidFill>
-                  <a:srgbClr val="003B4F"/>
-                </a:solidFill>
-                <a:latin typeface="Courier"/>
-              </a:rPr>
-              <a:t>lake, </a:t>
-            </a:r>
-            <a:r>
-              <a:rPr>
-                <a:solidFill>
-                  <a:srgbClr val="657422"/>
-                </a:solidFill>
-                <a:latin typeface="Courier"/>
-              </a:rPr>
-              <a:t>y =</a:t>
-            </a:r>
-            <a:r>
-              <a:rPr>
-                <a:solidFill>
-                  <a:srgbClr val="003B4F"/>
-                </a:solidFill>
-                <a:latin typeface="Courier"/>
-              </a:rPr>
-              <a:t> </a:t>
-            </a:r>
-            <a:r>
-              <a:rPr>
-                <a:solidFill>
-                  <a:srgbClr val="4758AB"/>
-                </a:solidFill>
-                <a:latin typeface="Courier"/>
-              </a:rPr>
-              <a:t>log10</a:t>
-            </a:r>
-            <a:r>
-              <a:rPr>
-                <a:solidFill>
-                  <a:srgbClr val="003B4F"/>
-                </a:solidFill>
-                <a:latin typeface="Courier"/>
-              </a:rPr>
-              <a:t>(mass_g), </a:t>
-            </a:r>
-            <a:r>
-              <a:rPr>
-                <a:solidFill>
-                  <a:srgbClr val="657422"/>
-                </a:solidFill>
-                <a:latin typeface="Courier"/>
-              </a:rPr>
-              <a:t>color=</a:t>
-            </a:r>
-            <a:r>
-              <a:rPr>
-                <a:solidFill>
-                  <a:srgbClr val="003B4F"/>
-                </a:solidFill>
-                <a:latin typeface="Courier"/>
-              </a:rPr>
-              <a:t>lake)) </a:t>
-            </a:r>
-            <a:r>
-              <a:rPr>
-                <a:solidFill>
-                  <a:srgbClr val="5E5E5E"/>
-                </a:solidFill>
-                <a:latin typeface="Courier"/>
-              </a:rPr>
-              <a:t>+</a:t>
-            </a:r>
-            <a:br/>
-            <a:r>
-              <a:rPr>
-                <a:solidFill>
-                  <a:srgbClr val="003B4F"/>
-                </a:solidFill>
-                <a:latin typeface="Courier"/>
-              </a:rPr>
-              <a:t>  </a:t>
-            </a:r>
-            <a:r>
-              <a:rPr>
-                <a:solidFill>
-                  <a:srgbClr val="4758AB"/>
-                </a:solidFill>
-                <a:latin typeface="Courier"/>
-              </a:rPr>
-              <a:t>geom_boxplot</a:t>
-            </a:r>
-            <a:r>
-              <a:rPr>
-                <a:solidFill>
-                  <a:srgbClr val="003B4F"/>
-                </a:solidFill>
-                <a:latin typeface="Courier"/>
-              </a:rPr>
-              <a:t>()</a:t>
-            </a:r>
-            <a:r>
-              <a:rPr>
-                <a:solidFill>
-                  <a:srgbClr val="5E5E5E"/>
-                </a:solidFill>
-                <a:latin typeface="Courier"/>
-              </a:rPr>
-              <a:t>+</a:t>
-            </a:r>
-            <a:br/>
-            <a:r>
-              <a:rPr>
-                <a:solidFill>
-                  <a:srgbClr val="003B4F"/>
-                </a:solidFill>
-                <a:latin typeface="Courier"/>
-              </a:rPr>
-              <a:t>  </a:t>
-            </a:r>
-            <a:r>
-              <a:rPr>
-                <a:solidFill>
-                  <a:srgbClr val="4758AB"/>
-                </a:solidFill>
-                <a:latin typeface="Courier"/>
-              </a:rPr>
-              <a:t>theme_minimal</a:t>
-            </a:r>
-            <a:r>
-              <a:rPr>
-                <a:solidFill>
-                  <a:srgbClr val="003B4F"/>
-                </a:solidFill>
-                <a:latin typeface="Courier"/>
-              </a:rPr>
-              <a:t>()</a:t>
-            </a:r>
-            <a:br/>
-            <a:br/>
-            <a:br/>
-            <a:r>
-              <a:rPr>
-                <a:solidFill>
-                  <a:srgbClr val="003B4F"/>
-                </a:solidFill>
-                <a:latin typeface="Courier"/>
-              </a:rPr>
-              <a:t>ne12_island_box_plot </a:t>
-            </a:r>
-            <a:r>
-              <a:rPr>
-                <a:solidFill>
-                  <a:srgbClr val="5E5E5E"/>
-                </a:solidFill>
-                <a:latin typeface="Courier"/>
-              </a:rPr>
-              <a:t>+</a:t>
-            </a:r>
-            <a:r>
-              <a:rPr>
-                <a:solidFill>
-                  <a:srgbClr val="003B4F"/>
-                </a:solidFill>
-                <a:latin typeface="Courier"/>
-              </a:rPr>
-              <a:t>log_ne12_island_box_plot </a:t>
-            </a:r>
-            <a:r>
-              <a:rPr>
-                <a:solidFill>
-                  <a:srgbClr val="5E5E5E"/>
-                </a:solidFill>
-                <a:latin typeface="Courier"/>
-              </a:rPr>
-              <a:t>+</a:t>
-            </a:r>
-            <a:r>
-              <a:rPr>
-                <a:solidFill>
-                  <a:srgbClr val="4758AB"/>
-                </a:solidFill>
-                <a:latin typeface="Courier"/>
-              </a:rPr>
-              <a:t>plot_layout</a:t>
-            </a:r>
-            <a:r>
-              <a:rPr>
-                <a:solidFill>
-                  <a:srgbClr val="003B4F"/>
-                </a:solidFill>
-                <a:latin typeface="Courier"/>
-              </a:rPr>
-              <a:t>(</a:t>
-            </a:r>
-            <a:r>
-              <a:rPr>
-                <a:solidFill>
-                  <a:srgbClr val="657422"/>
-                </a:solidFill>
-                <a:latin typeface="Courier"/>
-              </a:rPr>
-              <a:t>guides=</a:t>
-            </a:r>
-            <a:r>
-              <a:rPr>
-                <a:solidFill>
-                  <a:srgbClr val="20794D"/>
-                </a:solidFill>
-                <a:latin typeface="Courier"/>
-              </a:rPr>
-              <a:t>"collect"</a:t>
-            </a:r>
-            <a:r>
-              <a:rPr>
-                <a:solidFill>
-                  <a:srgbClr val="003B4F"/>
-                </a:solidFill>
-                <a:latin typeface="Courier"/>
-              </a:rPr>
-              <a:t>)</a:t>
             </a:r>
           </a:p>
         </p:txBody>
@@ -5945,8 +5026,8 @@
         </p:blipFill>
         <p:spPr bwMode="auto">
           <a:xfrm>
-            <a:off x="5130800" y="1295400"/>
-            <a:ext cx="3276600" cy="3276600"/>
+            <a:off x="6121400" y="1498600"/>
+            <a:ext cx="2781300" cy="2781300"/>
           </a:xfrm>
           <a:prstGeom prst="rect">
             <a:avLst/>
@@ -5994,11 +5075,8 @@
         <p:spPr>
           <a:xfrm>
             <a:off x="0" y="0"/>
-            <a:ext cx="9144000" cy="602780"/>
+            <a:ext cx="9144000" cy="582780"/>
           </a:xfrm>
-          <a:solidFill>
-            <a:srgbClr val="70121D"/>
-          </a:solidFill>
         </p:spPr>
         <p:txBody>
           <a:bodyPr/>
@@ -6021,7 +5099,7 @@
             <a:spLocks noGrp="1"/>
           </p:cNvSpPr>
           <p:nvPr>
-            <p:ph idx="1" sz="half"/>
+            <p:ph idx="1"/>
           </p:nvPr>
         </p:nvSpPr>
         <p:spPr/>
@@ -6063,22 +5141,6 @@
               <a:t>t.test(y1, y2, var.equal = FALSE, paired = FALSE)</a:t>
             </a:r>
           </a:p>
-        </p:txBody>
-      </p:sp>
-      <p:sp>
-        <p:nvSpPr>
-          <p:cNvPr id="4" name="Content Placeholder 3"/>
-          <p:cNvSpPr>
-            <a:spLocks noGrp="1"/>
-          </p:cNvSpPr>
-          <p:nvPr>
-            <p:ph idx="2" sz="half"/>
-          </p:nvPr>
-        </p:nvSpPr>
-        <p:spPr/>
-        <p:txBody>
-          <a:bodyPr/>
-          <a:lstStyle/>
           <a:p>
             <a:pPr lvl="0" indent="0">
               <a:buNone/>
@@ -6178,11 +5240,8 @@
         <p:spPr>
           <a:xfrm>
             <a:off x="0" y="0"/>
-            <a:ext cx="9144000" cy="602780"/>
+            <a:ext cx="9144000" cy="582780"/>
           </a:xfrm>
-          <a:solidFill>
-            <a:srgbClr val="70121D"/>
-          </a:solidFill>
         </p:spPr>
         <p:txBody>
           <a:bodyPr/>
@@ -6205,7 +5264,7 @@
             <a:spLocks noGrp="1"/>
           </p:cNvSpPr>
           <p:nvPr>
-            <p:ph idx="1" sz="half"/>
+            <p:ph idx="1"/>
           </p:nvPr>
         </p:nvSpPr>
         <p:spPr/>
@@ -6269,31 +5328,6 @@
             <a:r>
               <a:rPr/>
               <a:t>Best when normality assumption can not be met by transformation (weird distribution) or large outliers</a:t>
-            </a:r>
-          </a:p>
-        </p:txBody>
-      </p:sp>
-      <p:sp>
-        <p:nvSpPr>
-          <p:cNvPr id="4" name="Content Placeholder 3"/>
-          <p:cNvSpPr>
-            <a:spLocks noGrp="1"/>
-          </p:cNvSpPr>
-          <p:nvPr>
-            <p:ph idx="2" sz="half"/>
-          </p:nvPr>
-        </p:nvSpPr>
-        <p:spPr/>
-        <p:txBody>
-          <a:bodyPr/>
-          <a:lstStyle/>
-          <a:p>
-            <a:pPr lvl="0" indent="0" marL="0">
-              <a:buNone/>
-            </a:pPr>
-            <a:r>
-              <a:rPr/>
-              <a:t>&lt;</a:t>
             </a:r>
           </a:p>
           <a:p>
@@ -6346,6 +5380,168 @@
           <a:chExt cx="0" cy="0"/>
         </a:xfrm>
       </p:grpSpPr>
+      <p:sp>
+        <p:nvSpPr>
+          <p:cNvPr id="2" name="Title 1"/>
+          <p:cNvSpPr>
+            <a:spLocks noGrp="1"/>
+          </p:cNvSpPr>
+          <p:nvPr>
+            <p:ph type="title"/>
+          </p:nvPr>
+        </p:nvSpPr>
+        <p:spPr>
+          <a:xfrm>
+            <a:off x="0" y="0"/>
+            <a:ext cx="9144000" cy="602780"/>
+          </a:xfrm>
+          <a:solidFill>
+            <a:srgbClr val="70121D"/>
+          </a:solidFill>
+        </p:spPr>
+        <p:txBody>
+          <a:bodyPr/>
+          <a:lstStyle/>
+          <a:p>
+            <a:pPr lvl="0" indent="0" marL="0">
+              <a:buNone/>
+            </a:pPr>
+            <a:r>
+              <a:rPr/>
+              <a:t>Permutation tests</a:t>
+            </a:r>
+          </a:p>
+        </p:txBody>
+      </p:sp>
+      <p:sp>
+        <p:nvSpPr>
+          <p:cNvPr id="3" name="Content Placeholder 2"/>
+          <p:cNvSpPr>
+            <a:spLocks noGrp="1"/>
+          </p:cNvSpPr>
+          <p:nvPr>
+            <p:ph idx="1" sz="half"/>
+          </p:nvPr>
+        </p:nvSpPr>
+        <p:spPr/>
+        <p:txBody>
+          <a:bodyPr/>
+          <a:lstStyle/>
+          <a:p>
+            <a:pPr lvl="0"/>
+            <a:r>
+              <a:rPr/>
+              <a:t>Permutation tests based on resampling: reshuffling of original data</a:t>
+            </a:r>
+          </a:p>
+          <a:p>
+            <a:pPr lvl="0"/>
+            <a:r>
+              <a:rPr/>
+              <a:t>Resampling allows parameter estimation when distribution unknown, including SEs and CIs of statistics (means, medians)</a:t>
+            </a:r>
+          </a:p>
+          <a:p>
+            <a:pPr lvl="0"/>
+            <a:r>
+              <a:rPr/>
+              <a:t>Common approach is bootstrap: resample sample with replacement many times, recalculate sample stats</a:t>
+            </a:r>
+          </a:p>
+          <a:p>
+            <a:pPr lvl="0"/>
+            <a:r>
+              <a:rPr/>
+              <a:t>Use the </a:t>
+            </a:r>
+            <a:r>
+              <a:rPr>
+                <a:latin typeface="Courier"/>
+              </a:rPr>
+              <a:t>perm</a:t>
+            </a:r>
+            <a:r>
+              <a:rPr/>
+              <a:t> package</a:t>
+            </a:r>
+          </a:p>
+          <a:p>
+            <a:pPr lvl="0"/>
+            <a:r>
+              <a:rPr/>
+              <a:t>Ho: µ</a:t>
+            </a:r>
+            <a:r>
+              <a:rPr baseline="-25000"/>
+              <a:t>A</a:t>
+            </a:r>
+            <a:r>
+              <a:rPr/>
+              <a:t> = µ</a:t>
+            </a:r>
+            <a:r>
+              <a:rPr baseline="-25000"/>
+              <a:t>B</a:t>
+            </a:r>
+          </a:p>
+          <a:p>
+            <a:pPr lvl="0"/>
+            <a:r>
+              <a:rPr/>
+              <a:t>Ha: µ</a:t>
+            </a:r>
+            <a:r>
+              <a:rPr baseline="-25000"/>
+              <a:t>A</a:t>
+            </a:r>
+            <a:r>
+              <a:rPr/>
+              <a:t> ≠µ</a:t>
+            </a:r>
+            <a:r>
+              <a:rPr baseline="-25000"/>
+              <a:t>B</a:t>
+            </a:r>
+          </a:p>
+          <a:p>
+            <a:pPr lvl="0"/>
+            <a:r>
+              <a:rPr/>
+              <a:t>Calculates the difference ∆ in means between two groups</a:t>
+            </a:r>
+          </a:p>
+        </p:txBody>
+      </p:sp>
+      <p:pic>
+        <p:nvPicPr>
+          <p:cNvPr descr="07_01_lecture_powerpoint_files/figure-pptx/unnamed-chunk-11-1.png" id="0" name="Picture 1"/>
+          <p:cNvPicPr>
+            <a:picLocks noGrp="1" noChangeAspect="1"/>
+          </p:cNvPicPr>
+          <p:nvPr/>
+        </p:nvPicPr>
+        <p:blipFill>
+          <a:blip r:embed="rId2"/>
+          <a:stretch>
+            <a:fillRect/>
+          </a:stretch>
+        </p:blipFill>
+        <p:spPr bwMode="auto">
+          <a:xfrm>
+            <a:off x="6121400" y="1498600"/>
+            <a:ext cx="2781300" cy="2781300"/>
+          </a:xfrm>
+          <a:prstGeom prst="rect">
+            <a:avLst/>
+          </a:prstGeom>
+          <a:noFill/>
+          <a:ln w="9525">
+            <a:noFill/>
+            <a:headEnd/>
+            <a:tailEnd/>
+          </a:ln>
+        </p:spPr>
+      </p:pic>
     </p:spTree>
   </p:cSld>
 </p:sld>
@@ -6380,9 +5576,12 @@
         </p:nvSpPr>
         <p:spPr>
           <a:xfrm>
-            <a:off x="139485" y="78119"/>
-            <a:ext cx="8229600" cy="607682"/>
+            <a:off x="0" y="0"/>
+            <a:ext cx="9144000" cy="602780"/>
           </a:xfrm>
+          <a:solidFill>
+            <a:srgbClr val="70121D"/>
+          </a:solidFill>
         </p:spPr>
         <p:txBody>
           <a:bodyPr/>
@@ -6400,12 +5599,12 @@
       </p:sp>
       <p:sp>
         <p:nvSpPr>
-          <p:cNvPr id="3" name="Text Placeholder 2"/>
-          <p:cNvSpPr>
-            <a:spLocks noGrp="1"/>
-          </p:cNvSpPr>
-          <p:nvPr>
-            <p:ph idx="1" type="body"/>
+          <p:cNvPr id="3" name="Content Placeholder 2"/>
+          <p:cNvSpPr>
+            <a:spLocks noGrp="1"/>
+          </p:cNvSpPr>
+          <p:nvPr>
+            <p:ph idx="1" sz="half"/>
           </p:nvPr>
         </p:nvSpPr>
         <p:spPr/>
@@ -6416,143 +5615,64 @@
             <a:pPr lvl="0"/>
             <a:r>
               <a:rPr/>
-              <a:t>Permutation tests based on resampling: reshuffling of original data</a:t>
+              <a:t>Randomly reshuffle observations between groups (keeping n</a:t>
+            </a:r>
+            <a:r>
+              <a:rPr baseline="-25000"/>
+              <a:t>NE 12</a:t>
+            </a:r>
+            <a:r>
+              <a:rPr/>
+              <a:t>=323 and n</a:t>
+            </a:r>
+            <a:r>
+              <a:rPr baseline="-25000"/>
+              <a:t>Island</a:t>
+            </a:r>
+            <a:r>
+              <a:rPr/>
+              <a:t>=10), calculate ∆</a:t>
             </a:r>
           </a:p>
           <a:p>
             <a:pPr lvl="0"/>
             <a:r>
               <a:rPr/>
-              <a:t>Resampling allows parameter estimation when distribution unknown, including SEs and CIs of statistics (means, medians)</a:t>
+              <a:t>Repeat &gt;1,000 times</a:t>
             </a:r>
           </a:p>
           <a:p>
             <a:pPr lvl="0"/>
             <a:r>
               <a:rPr/>
-              <a:t>Common approach is bootstrap: resample sample with replacement many times, recalculate sample stats</a:t>
+              <a:t>Record proportion of the different means i</a:t>
             </a:r>
           </a:p>
           <a:p>
             <a:pPr lvl="0"/>
             <a:r>
               <a:rPr/>
-              <a:t>Use the </a:t>
-            </a:r>
-            <a:r>
-              <a:rPr>
-                <a:latin typeface="Courier"/>
-              </a:rPr>
-              <a:t>perm</a:t>
-            </a:r>
-            <a:r>
-              <a:rPr/>
-              <a:t> package</a:t>
+              <a:t>This is equivalent to p-value and can be used in “traditional” H test framework</a:t>
             </a:r>
           </a:p>
           <a:p>
             <a:pPr lvl="0"/>
             <a:r>
               <a:rPr/>
-              <a:t>Ho: µ</a:t>
-            </a:r>
-            <a:r>
-              <a:rPr baseline="-25000"/>
-              <a:t>A</a:t>
-            </a:r>
-            <a:r>
-              <a:rPr/>
-              <a:t> = µ</a:t>
-            </a:r>
-            <a:r>
-              <a:rPr baseline="-25000"/>
-              <a:t>B</a:t>
-            </a:r>
-            <a:br/>
-          </a:p>
-          <a:p>
-            <a:pPr lvl="0"/>
-            <a:r>
-              <a:rPr/>
-              <a:t>Ha: µ</a:t>
-            </a:r>
-            <a:r>
-              <a:rPr baseline="-25000"/>
-              <a:t>A</a:t>
-            </a:r>
-            <a:r>
-              <a:rPr/>
-              <a:t> ≠µ</a:t>
-            </a:r>
-            <a:r>
-              <a:rPr baseline="-25000"/>
-              <a:t>B</a:t>
-            </a:r>
-          </a:p>
-          <a:p>
-            <a:pPr lvl="0"/>
-            <a:r>
-              <a:rPr/>
-              <a:t>Calculates the difference ∆ in means between two groups</a:t>
-            </a:r>
-          </a:p>
-        </p:txBody>
-      </p:sp>
-      <p:sp>
-        <p:nvSpPr>
-          <p:cNvPr id="5" name="Text Placeholder 4"/>
-          <p:cNvSpPr>
-            <a:spLocks noGrp="1"/>
-          </p:cNvSpPr>
-          <p:nvPr>
-            <p:ph idx="3" sz="quarter" type="body"/>
-          </p:nvPr>
-        </p:nvSpPr>
-        <p:spPr/>
-        <p:txBody>
-          <a:bodyPr/>
-          <a:lstStyle/>
-          <a:p>
-            <a:pPr lvl="0" indent="0" marL="0">
-              <a:buNone/>
-            </a:pPr>
-            <a:r>
-              <a:rPr/>
-              <a:t>&lt;!</a:t>
-            </a:r>
-          </a:p>
-        </p:txBody>
-      </p:sp>
-      <p:pic>
-        <p:nvPicPr>
-          <p:cNvPr descr="07_01_lecture_powerpoint_files/figure-pptx/unnamed-chunk-11-1.png" id="0" name="Picture 1"/>
-          <p:cNvPicPr>
-            <a:picLocks noGrp="1" noChangeAspect="1"/>
-          </p:cNvPicPr>
-          <p:nvPr/>
-        </p:nvPicPr>
-        <p:blipFill>
-          <a:blip r:embed="rId2"/>
-          <a:stretch>
-            <a:fillRect/>
-          </a:stretch>
-        </p:blipFill>
-        <p:spPr bwMode="auto">
-          <a:xfrm>
-            <a:off x="5130800" y="1295400"/>
-            <a:ext cx="3276600" cy="3276600"/>
-          </a:xfrm>
-          <a:prstGeom prst="rect">
-            <a:avLst/>
-          </a:prstGeom>
-          <a:noFill/>
-          <a:ln w="9525">
-            <a:noFill/>
-            <a:headEnd/>
-            <a:tailEnd/>
-          </a:ln>
-        </p:spPr>
-      </p:pic>
+              <a:t>For a graphical explanation:</a:t>
+            </a:r>
+          </a:p>
+          <a:p>
+            <a:pPr lvl="1"/>
+            <a:r>
+              <a:rPr>
+                <a:hlinkClick r:id="rId2"/>
+              </a:rPr>
+              <a:t>Graphical Explanation</a:t>
+            </a:r>
+          </a:p>
+        </p:txBody>
+      </p:sp>
     </p:spTree>
   </p:cSld>
 </p:sld>
@@ -6710,11 +5830,8 @@
         <p:spPr>
           <a:xfrm>
             <a:off x="0" y="0"/>
-            <a:ext cx="9144000" cy="602780"/>
+            <a:ext cx="9144000" cy="582780"/>
           </a:xfrm>
-          <a:solidFill>
-            <a:srgbClr val="70121D"/>
-          </a:solidFill>
         </p:spPr>
         <p:txBody>
           <a:bodyPr/>
@@ -6737,7 +5854,7 @@
             <a:spLocks noGrp="1"/>
           </p:cNvSpPr>
           <p:nvPr>
-            <p:ph idx="1" sz="half"/>
+            <p:ph idx="1"/>
           </p:nvPr>
         </p:nvSpPr>
         <p:spPr/>
@@ -6748,60 +5865,845 @@
             <a:pPr lvl="0"/>
             <a:r>
               <a:rPr/>
-              <a:t>Randomly reshuffle observations between groups (keeping n</a:t>
-            </a:r>
-            <a:r>
-              <a:rPr baseline="-25000"/>
-              <a:t>NE 12</a:t>
-            </a:r>
-            <a:r>
-              <a:rPr/>
-              <a:t>=323 and n</a:t>
-            </a:r>
-            <a:r>
-              <a:rPr baseline="-25000"/>
-              <a:t>Island</a:t>
-            </a:r>
-            <a:r>
-              <a:rPr/>
-              <a:t>=10), calculate ∆</a:t>
+              <a:t>In R (using ‘perm’ package):</a:t>
             </a:r>
           </a:p>
           <a:p>
             <a:pPr lvl="0"/>
             <a:r>
               <a:rPr/>
-              <a:t>Repeat &gt;1,000 times</a:t>
-            </a:r>
-          </a:p>
-          <a:p>
-            <a:pPr lvl="0"/>
-            <a:r>
-              <a:rPr/>
-              <a:t>Record proportion of the different means i</a:t>
-            </a:r>
-          </a:p>
-          <a:p>
-            <a:pPr lvl="0"/>
-            <a:r>
-              <a:rPr/>
-              <a:t>This is equivalent to p-value and can be used in “traditional” H test framework</a:t>
-            </a:r>
-          </a:p>
-          <a:p>
-            <a:pPr lvl="0"/>
-            <a:r>
-              <a:rPr/>
-              <a:t>For a graphical explanation:</a:t>
-            </a:r>
-          </a:p>
-          <a:p>
-            <a:pPr lvl="1"/>
-            <a:r>
-              <a:rPr>
-                <a:hlinkClick r:id="rId2"/>
-              </a:rPr>
-              <a:t>Graphical Explanation</a:t>
+              <a:t>Assumptions: both groups have similar distribution; equal variance</a:t>
+            </a:r>
+          </a:p>
+          <a:p>
+            <a:pPr lvl="0" indent="0">
+              <a:buNone/>
+            </a:pPr>
+            <a:r>
+              <a:rPr>
+                <a:solidFill>
+                  <a:srgbClr val="4758AB"/>
+                </a:solidFill>
+                <a:latin typeface="Courier"/>
+              </a:rPr>
+              <a:t>library</a:t>
+            </a:r>
+            <a:r>
+              <a:rPr>
+                <a:solidFill>
+                  <a:srgbClr val="003B4F"/>
+                </a:solidFill>
+                <a:latin typeface="Courier"/>
+              </a:rPr>
+              <a:t>(perm) </a:t>
+            </a:r>
+            <a:br/>
+            <a:br/>
+            <a:r>
+              <a:rPr>
+                <a:solidFill>
+                  <a:srgbClr val="5E5E5E"/>
+                </a:solidFill>
+                <a:latin typeface="Courier"/>
+              </a:rPr>
+              <a:t># Prepare data for permutation test</a:t>
+            </a:r>
+            <a:br/>
+            <a:r>
+              <a:rPr>
+                <a:solidFill>
+                  <a:srgbClr val="003B4F"/>
+                </a:solidFill>
+                <a:latin typeface="Courier"/>
+              </a:rPr>
+              <a:t>ne12_perm_data &lt;- isl_ne12_df </a:t>
+            </a:r>
+            <a:r>
+              <a:rPr>
+                <a:solidFill>
+                  <a:srgbClr val="5E5E5E"/>
+                </a:solidFill>
+                <a:latin typeface="Courier"/>
+              </a:rPr>
+              <a:t>%&gt;%</a:t>
+            </a:r>
+            <a:r>
+              <a:rPr>
+                <a:solidFill>
+                  <a:srgbClr val="003B4F"/>
+                </a:solidFill>
+                <a:latin typeface="Courier"/>
+              </a:rPr>
+              <a:t> </a:t>
+            </a:r>
+            <a:br/>
+            <a:r>
+              <a:rPr>
+                <a:solidFill>
+                  <a:srgbClr val="003B4F"/>
+                </a:solidFill>
+                <a:latin typeface="Courier"/>
+              </a:rPr>
+              <a:t>  </a:t>
+            </a:r>
+            <a:r>
+              <a:rPr>
+                <a:solidFill>
+                  <a:srgbClr val="4758AB"/>
+                </a:solidFill>
+                <a:latin typeface="Courier"/>
+              </a:rPr>
+              <a:t>filter</a:t>
+            </a:r>
+            <a:r>
+              <a:rPr>
+                <a:solidFill>
+                  <a:srgbClr val="003B4F"/>
+                </a:solidFill>
+                <a:latin typeface="Courier"/>
+              </a:rPr>
+              <a:t>(lake </a:t>
+            </a:r>
+            <a:r>
+              <a:rPr>
+                <a:solidFill>
+                  <a:srgbClr val="5E5E5E"/>
+                </a:solidFill>
+                <a:latin typeface="Courier"/>
+              </a:rPr>
+              <a:t>==</a:t>
+            </a:r>
+            <a:r>
+              <a:rPr>
+                <a:solidFill>
+                  <a:srgbClr val="003B4F"/>
+                </a:solidFill>
+                <a:latin typeface="Courier"/>
+              </a:rPr>
+              <a:t> </a:t>
+            </a:r>
+            <a:r>
+              <a:rPr>
+                <a:solidFill>
+                  <a:srgbClr val="20794D"/>
+                </a:solidFill>
+                <a:latin typeface="Courier"/>
+              </a:rPr>
+              <a:t>"NE 12"</a:t>
+            </a:r>
+            <a:r>
+              <a:rPr>
+                <a:solidFill>
+                  <a:srgbClr val="003B4F"/>
+                </a:solidFill>
+                <a:latin typeface="Courier"/>
+              </a:rPr>
+              <a:t>) </a:t>
+            </a:r>
+            <a:r>
+              <a:rPr>
+                <a:solidFill>
+                  <a:srgbClr val="5E5E5E"/>
+                </a:solidFill>
+                <a:latin typeface="Courier"/>
+              </a:rPr>
+              <a:t>%&gt;%</a:t>
+            </a:r>
+            <a:r>
+              <a:rPr>
+                <a:solidFill>
+                  <a:srgbClr val="003B4F"/>
+                </a:solidFill>
+                <a:latin typeface="Courier"/>
+              </a:rPr>
+              <a:t> </a:t>
+            </a:r>
+            <a:br/>
+            <a:r>
+              <a:rPr>
+                <a:solidFill>
+                  <a:srgbClr val="003B4F"/>
+                </a:solidFill>
+                <a:latin typeface="Courier"/>
+              </a:rPr>
+              <a:t>  </a:t>
+            </a:r>
+            <a:r>
+              <a:rPr>
+                <a:solidFill>
+                  <a:srgbClr val="4758AB"/>
+                </a:solidFill>
+                <a:latin typeface="Courier"/>
+              </a:rPr>
+              <a:t>pull</a:t>
+            </a:r>
+            <a:r>
+              <a:rPr>
+                <a:solidFill>
+                  <a:srgbClr val="003B4F"/>
+                </a:solidFill>
+                <a:latin typeface="Courier"/>
+              </a:rPr>
+              <a:t>(length_mm)</a:t>
+            </a:r>
+            <a:br/>
+            <a:br/>
+            <a:r>
+              <a:rPr>
+                <a:solidFill>
+                  <a:srgbClr val="5E5E5E"/>
+                </a:solidFill>
+                <a:latin typeface="Courier"/>
+              </a:rPr>
+              <a:t># Randomly sample exactly 25 observations from NE 12 (set seed for reproducibility)</a:t>
+            </a:r>
+            <a:br/>
+            <a:r>
+              <a:rPr>
+                <a:solidFill>
+                  <a:srgbClr val="4758AB"/>
+                </a:solidFill>
+                <a:latin typeface="Courier"/>
+              </a:rPr>
+              <a:t>set.seed</a:t>
+            </a:r>
+            <a:r>
+              <a:rPr>
+                <a:solidFill>
+                  <a:srgbClr val="003B4F"/>
+                </a:solidFill>
+                <a:latin typeface="Courier"/>
+              </a:rPr>
+              <a:t>(</a:t>
+            </a:r>
+            <a:r>
+              <a:rPr>
+                <a:solidFill>
+                  <a:srgbClr val="AD0000"/>
+                </a:solidFill>
+                <a:latin typeface="Courier"/>
+              </a:rPr>
+              <a:t>123</a:t>
+            </a:r>
+            <a:r>
+              <a:rPr>
+                <a:solidFill>
+                  <a:srgbClr val="003B4F"/>
+                </a:solidFill>
+                <a:latin typeface="Courier"/>
+              </a:rPr>
+              <a:t>)</a:t>
+            </a:r>
+            <a:br/>
+            <a:r>
+              <a:rPr>
+                <a:solidFill>
+                  <a:srgbClr val="003B4F"/>
+                </a:solidFill>
+                <a:latin typeface="Courier"/>
+              </a:rPr>
+              <a:t>ne12_perm_data &lt;- </a:t>
+            </a:r>
+            <a:r>
+              <a:rPr>
+                <a:solidFill>
+                  <a:srgbClr val="4758AB"/>
+                </a:solidFill>
+                <a:latin typeface="Courier"/>
+              </a:rPr>
+              <a:t>sample</a:t>
+            </a:r>
+            <a:r>
+              <a:rPr>
+                <a:solidFill>
+                  <a:srgbClr val="003B4F"/>
+                </a:solidFill>
+                <a:latin typeface="Courier"/>
+              </a:rPr>
+              <a:t>(ne12_perm_data, </a:t>
+            </a:r>
+            <a:r>
+              <a:rPr>
+                <a:solidFill>
+                  <a:srgbClr val="657422"/>
+                </a:solidFill>
+                <a:latin typeface="Courier"/>
+              </a:rPr>
+              <a:t>size =</a:t>
+            </a:r>
+            <a:r>
+              <a:rPr>
+                <a:solidFill>
+                  <a:srgbClr val="003B4F"/>
+                </a:solidFill>
+                <a:latin typeface="Courier"/>
+              </a:rPr>
+              <a:t> </a:t>
+            </a:r>
+            <a:r>
+              <a:rPr>
+                <a:solidFill>
+                  <a:srgbClr val="AD0000"/>
+                </a:solidFill>
+                <a:latin typeface="Courier"/>
+              </a:rPr>
+              <a:t>25</a:t>
+            </a:r>
+            <a:r>
+              <a:rPr>
+                <a:solidFill>
+                  <a:srgbClr val="003B4F"/>
+                </a:solidFill>
+                <a:latin typeface="Courier"/>
+              </a:rPr>
+              <a:t>, </a:t>
+            </a:r>
+            <a:r>
+              <a:rPr>
+                <a:solidFill>
+                  <a:srgbClr val="657422"/>
+                </a:solidFill>
+                <a:latin typeface="Courier"/>
+              </a:rPr>
+              <a:t>replace =</a:t>
+            </a:r>
+            <a:r>
+              <a:rPr>
+                <a:solidFill>
+                  <a:srgbClr val="003B4F"/>
+                </a:solidFill>
+                <a:latin typeface="Courier"/>
+              </a:rPr>
+              <a:t> </a:t>
+            </a:r>
+            <a:r>
+              <a:rPr>
+                <a:solidFill>
+                  <a:srgbClr val="8F5902"/>
+                </a:solidFill>
+                <a:latin typeface="Courier"/>
+              </a:rPr>
+              <a:t>FALSE</a:t>
+            </a:r>
+            <a:r>
+              <a:rPr>
+                <a:solidFill>
+                  <a:srgbClr val="003B4F"/>
+                </a:solidFill>
+                <a:latin typeface="Courier"/>
+              </a:rPr>
+              <a:t>)</a:t>
+            </a:r>
+            <a:br/>
+            <a:br/>
+            <a:r>
+              <a:rPr>
+                <a:solidFill>
+                  <a:srgbClr val="003B4F"/>
+                </a:solidFill>
+                <a:latin typeface="Courier"/>
+              </a:rPr>
+              <a:t>island_perm_data &lt;- isl_ne12_df </a:t>
+            </a:r>
+            <a:r>
+              <a:rPr>
+                <a:solidFill>
+                  <a:srgbClr val="5E5E5E"/>
+                </a:solidFill>
+                <a:latin typeface="Courier"/>
+              </a:rPr>
+              <a:t>%&gt;%</a:t>
+            </a:r>
+            <a:r>
+              <a:rPr>
+                <a:solidFill>
+                  <a:srgbClr val="003B4F"/>
+                </a:solidFill>
+                <a:latin typeface="Courier"/>
+              </a:rPr>
+              <a:t> </a:t>
+            </a:r>
+            <a:br/>
+            <a:r>
+              <a:rPr>
+                <a:solidFill>
+                  <a:srgbClr val="003B4F"/>
+                </a:solidFill>
+                <a:latin typeface="Courier"/>
+              </a:rPr>
+              <a:t>  </a:t>
+            </a:r>
+            <a:r>
+              <a:rPr>
+                <a:solidFill>
+                  <a:srgbClr val="4758AB"/>
+                </a:solidFill>
+                <a:latin typeface="Courier"/>
+              </a:rPr>
+              <a:t>filter</a:t>
+            </a:r>
+            <a:r>
+              <a:rPr>
+                <a:solidFill>
+                  <a:srgbClr val="003B4F"/>
+                </a:solidFill>
+                <a:latin typeface="Courier"/>
+              </a:rPr>
+              <a:t>(lake </a:t>
+            </a:r>
+            <a:r>
+              <a:rPr>
+                <a:solidFill>
+                  <a:srgbClr val="5E5E5E"/>
+                </a:solidFill>
+                <a:latin typeface="Courier"/>
+              </a:rPr>
+              <a:t>==</a:t>
+            </a:r>
+            <a:r>
+              <a:rPr>
+                <a:solidFill>
+                  <a:srgbClr val="003B4F"/>
+                </a:solidFill>
+                <a:latin typeface="Courier"/>
+              </a:rPr>
+              <a:t> </a:t>
+            </a:r>
+            <a:r>
+              <a:rPr>
+                <a:solidFill>
+                  <a:srgbClr val="20794D"/>
+                </a:solidFill>
+                <a:latin typeface="Courier"/>
+              </a:rPr>
+              <a:t>"Island Lake"</a:t>
+            </a:r>
+            <a:r>
+              <a:rPr>
+                <a:solidFill>
+                  <a:srgbClr val="003B4F"/>
+                </a:solidFill>
+                <a:latin typeface="Courier"/>
+              </a:rPr>
+              <a:t>) </a:t>
+            </a:r>
+            <a:r>
+              <a:rPr>
+                <a:solidFill>
+                  <a:srgbClr val="5E5E5E"/>
+                </a:solidFill>
+                <a:latin typeface="Courier"/>
+              </a:rPr>
+              <a:t>%&gt;%</a:t>
+            </a:r>
+            <a:r>
+              <a:rPr>
+                <a:solidFill>
+                  <a:srgbClr val="003B4F"/>
+                </a:solidFill>
+                <a:latin typeface="Courier"/>
+              </a:rPr>
+              <a:t> </a:t>
+            </a:r>
+            <a:br/>
+            <a:r>
+              <a:rPr>
+                <a:solidFill>
+                  <a:srgbClr val="003B4F"/>
+                </a:solidFill>
+                <a:latin typeface="Courier"/>
+              </a:rPr>
+              <a:t>  </a:t>
+            </a:r>
+            <a:r>
+              <a:rPr>
+                <a:solidFill>
+                  <a:srgbClr val="4758AB"/>
+                </a:solidFill>
+                <a:latin typeface="Courier"/>
+              </a:rPr>
+              <a:t>pull</a:t>
+            </a:r>
+            <a:r>
+              <a:rPr>
+                <a:solidFill>
+                  <a:srgbClr val="003B4F"/>
+                </a:solidFill>
+                <a:latin typeface="Courier"/>
+              </a:rPr>
+              <a:t>(length_mm)</a:t>
+            </a:r>
+            <a:br/>
+            <a:br/>
+            <a:r>
+              <a:rPr>
+                <a:solidFill>
+                  <a:srgbClr val="5E5E5E"/>
+                </a:solidFill>
+                <a:latin typeface="Courier"/>
+              </a:rPr>
+              <a:t># Calculate the observed difference in means</a:t>
+            </a:r>
+            <a:br/>
+            <a:r>
+              <a:rPr>
+                <a:solidFill>
+                  <a:srgbClr val="003B4F"/>
+                </a:solidFill>
+                <a:latin typeface="Courier"/>
+              </a:rPr>
+              <a:t>observed_diff &lt;- </a:t>
+            </a:r>
+            <a:r>
+              <a:rPr>
+                <a:solidFill>
+                  <a:srgbClr val="4758AB"/>
+                </a:solidFill>
+                <a:latin typeface="Courier"/>
+              </a:rPr>
+              <a:t>mean</a:t>
+            </a:r>
+            <a:r>
+              <a:rPr>
+                <a:solidFill>
+                  <a:srgbClr val="003B4F"/>
+                </a:solidFill>
+                <a:latin typeface="Courier"/>
+              </a:rPr>
+              <a:t>(ne12_perm_data, </a:t>
+            </a:r>
+            <a:r>
+              <a:rPr>
+                <a:solidFill>
+                  <a:srgbClr val="657422"/>
+                </a:solidFill>
+                <a:latin typeface="Courier"/>
+              </a:rPr>
+              <a:t>na.rm =</a:t>
+            </a:r>
+            <a:r>
+              <a:rPr>
+                <a:solidFill>
+                  <a:srgbClr val="003B4F"/>
+                </a:solidFill>
+                <a:latin typeface="Courier"/>
+              </a:rPr>
+              <a:t> </a:t>
+            </a:r>
+            <a:r>
+              <a:rPr>
+                <a:solidFill>
+                  <a:srgbClr val="8F5902"/>
+                </a:solidFill>
+                <a:latin typeface="Courier"/>
+              </a:rPr>
+              <a:t>TRUE</a:t>
+            </a:r>
+            <a:r>
+              <a:rPr>
+                <a:solidFill>
+                  <a:srgbClr val="003B4F"/>
+                </a:solidFill>
+                <a:latin typeface="Courier"/>
+              </a:rPr>
+              <a:t>) </a:t>
+            </a:r>
+            <a:r>
+              <a:rPr>
+                <a:solidFill>
+                  <a:srgbClr val="5E5E5E"/>
+                </a:solidFill>
+                <a:latin typeface="Courier"/>
+              </a:rPr>
+              <a:t>-</a:t>
+            </a:r>
+            <a:r>
+              <a:rPr>
+                <a:solidFill>
+                  <a:srgbClr val="003B4F"/>
+                </a:solidFill>
+                <a:latin typeface="Courier"/>
+              </a:rPr>
+              <a:t> </a:t>
+            </a:r>
+            <a:r>
+              <a:rPr>
+                <a:solidFill>
+                  <a:srgbClr val="4758AB"/>
+                </a:solidFill>
+                <a:latin typeface="Courier"/>
+              </a:rPr>
+              <a:t>mean</a:t>
+            </a:r>
+            <a:r>
+              <a:rPr>
+                <a:solidFill>
+                  <a:srgbClr val="003B4F"/>
+                </a:solidFill>
+                <a:latin typeface="Courier"/>
+              </a:rPr>
+              <a:t>(island_perm_data, </a:t>
+            </a:r>
+            <a:r>
+              <a:rPr>
+                <a:solidFill>
+                  <a:srgbClr val="657422"/>
+                </a:solidFill>
+                <a:latin typeface="Courier"/>
+              </a:rPr>
+              <a:t>na.rm =</a:t>
+            </a:r>
+            <a:r>
+              <a:rPr>
+                <a:solidFill>
+                  <a:srgbClr val="003B4F"/>
+                </a:solidFill>
+                <a:latin typeface="Courier"/>
+              </a:rPr>
+              <a:t> </a:t>
+            </a:r>
+            <a:r>
+              <a:rPr>
+                <a:solidFill>
+                  <a:srgbClr val="8F5902"/>
+                </a:solidFill>
+                <a:latin typeface="Courier"/>
+              </a:rPr>
+              <a:t>TRUE</a:t>
+            </a:r>
+            <a:r>
+              <a:rPr>
+                <a:solidFill>
+                  <a:srgbClr val="003B4F"/>
+                </a:solidFill>
+                <a:latin typeface="Courier"/>
+              </a:rPr>
+              <a:t>)</a:t>
+            </a:r>
+            <a:br/>
+            <a:br/>
+            <a:r>
+              <a:rPr>
+                <a:solidFill>
+                  <a:srgbClr val="5E5E5E"/>
+                </a:solidFill>
+                <a:latin typeface="Courier"/>
+              </a:rPr>
+              <a:t># Perform permutation test for difference in means using perm package</a:t>
+            </a:r>
+            <a:br/>
+            <a:r>
+              <a:rPr>
+                <a:solidFill>
+                  <a:srgbClr val="4758AB"/>
+                </a:solidFill>
+                <a:latin typeface="Courier"/>
+              </a:rPr>
+              <a:t>permTS</a:t>
+            </a:r>
+            <a:r>
+              <a:rPr>
+                <a:solidFill>
+                  <a:srgbClr val="003B4F"/>
+                </a:solidFill>
+                <a:latin typeface="Courier"/>
+              </a:rPr>
+              <a:t>(ne12_perm_data, island_perm_data, </a:t>
+            </a:r>
+            <a:br/>
+            <a:r>
+              <a:rPr>
+                <a:solidFill>
+                  <a:srgbClr val="003B4F"/>
+                </a:solidFill>
+                <a:latin typeface="Courier"/>
+              </a:rPr>
+              <a:t>       </a:t>
+            </a:r>
+            <a:r>
+              <a:rPr>
+                <a:solidFill>
+                  <a:srgbClr val="657422"/>
+                </a:solidFill>
+                <a:latin typeface="Courier"/>
+              </a:rPr>
+              <a:t>alternative =</a:t>
+            </a:r>
+            <a:r>
+              <a:rPr>
+                <a:solidFill>
+                  <a:srgbClr val="003B4F"/>
+                </a:solidFill>
+                <a:latin typeface="Courier"/>
+              </a:rPr>
+              <a:t> </a:t>
+            </a:r>
+            <a:r>
+              <a:rPr>
+                <a:solidFill>
+                  <a:srgbClr val="20794D"/>
+                </a:solidFill>
+                <a:latin typeface="Courier"/>
+              </a:rPr>
+              <a:t>"two.sided"</a:t>
+            </a:r>
+            <a:r>
+              <a:rPr>
+                <a:solidFill>
+                  <a:srgbClr val="003B4F"/>
+                </a:solidFill>
+                <a:latin typeface="Courier"/>
+              </a:rPr>
+              <a:t>, </a:t>
+            </a:r>
+            <a:br/>
+            <a:r>
+              <a:rPr>
+                <a:solidFill>
+                  <a:srgbClr val="003B4F"/>
+                </a:solidFill>
+                <a:latin typeface="Courier"/>
+              </a:rPr>
+              <a:t>       </a:t>
+            </a:r>
+            <a:r>
+              <a:rPr>
+                <a:solidFill>
+                  <a:srgbClr val="657422"/>
+                </a:solidFill>
+                <a:latin typeface="Courier"/>
+              </a:rPr>
+              <a:t>method =</a:t>
+            </a:r>
+            <a:r>
+              <a:rPr>
+                <a:solidFill>
+                  <a:srgbClr val="003B4F"/>
+                </a:solidFill>
+                <a:latin typeface="Courier"/>
+              </a:rPr>
+              <a:t> </a:t>
+            </a:r>
+            <a:r>
+              <a:rPr>
+                <a:solidFill>
+                  <a:srgbClr val="20794D"/>
+                </a:solidFill>
+                <a:latin typeface="Courier"/>
+              </a:rPr>
+              <a:t>"exact.mc"</a:t>
+            </a:r>
+            <a:r>
+              <a:rPr>
+                <a:solidFill>
+                  <a:srgbClr val="003B4F"/>
+                </a:solidFill>
+                <a:latin typeface="Courier"/>
+              </a:rPr>
+              <a:t>, </a:t>
+            </a:r>
+            <a:br/>
+            <a:r>
+              <a:rPr>
+                <a:solidFill>
+                  <a:srgbClr val="003B4F"/>
+                </a:solidFill>
+                <a:latin typeface="Courier"/>
+              </a:rPr>
+              <a:t>       </a:t>
+            </a:r>
+            <a:r>
+              <a:rPr>
+                <a:solidFill>
+                  <a:srgbClr val="657422"/>
+                </a:solidFill>
+                <a:latin typeface="Courier"/>
+              </a:rPr>
+              <a:t>control =</a:t>
+            </a:r>
+            <a:r>
+              <a:rPr>
+                <a:solidFill>
+                  <a:srgbClr val="003B4F"/>
+                </a:solidFill>
+                <a:latin typeface="Courier"/>
+              </a:rPr>
+              <a:t> </a:t>
+            </a:r>
+            <a:r>
+              <a:rPr>
+                <a:solidFill>
+                  <a:srgbClr val="4758AB"/>
+                </a:solidFill>
+                <a:latin typeface="Courier"/>
+              </a:rPr>
+              <a:t>permControl</a:t>
+            </a:r>
+            <a:r>
+              <a:rPr>
+                <a:solidFill>
+                  <a:srgbClr val="003B4F"/>
+                </a:solidFill>
+                <a:latin typeface="Courier"/>
+              </a:rPr>
+              <a:t>(</a:t>
+            </a:r>
+            <a:r>
+              <a:rPr>
+                <a:solidFill>
+                  <a:srgbClr val="657422"/>
+                </a:solidFill>
+                <a:latin typeface="Courier"/>
+              </a:rPr>
+              <a:t>nmc =</a:t>
+            </a:r>
+            <a:r>
+              <a:rPr>
+                <a:solidFill>
+                  <a:srgbClr val="003B4F"/>
+                </a:solidFill>
+                <a:latin typeface="Courier"/>
+              </a:rPr>
+              <a:t> </a:t>
+            </a:r>
+            <a:r>
+              <a:rPr>
+                <a:solidFill>
+                  <a:srgbClr val="AD0000"/>
+                </a:solidFill>
+                <a:latin typeface="Courier"/>
+              </a:rPr>
+              <a:t>10000</a:t>
+            </a:r>
+            <a:r>
+              <a:rPr>
+                <a:solidFill>
+                  <a:srgbClr val="003B4F"/>
+                </a:solidFill>
+                <a:latin typeface="Courier"/>
+              </a:rPr>
+              <a:t>))</a:t>
+            </a:r>
+          </a:p>
+          <a:p>
+            <a:pPr lvl="0" indent="0">
+              <a:buNone/>
+            </a:pPr>
+            <a:r>
+              <a:rPr>
+                <a:latin typeface="Courier"/>
+              </a:rPr>
+              <a:t>
+    Exact Permutation Test Estimated by Monte Carlo
+data:  GROUP 1 and GROUP 2
+p-value = 2e-04
+alternative hypothesis: true mean GROUP 1 - mean GROUP 2 is not equal to 0
+sample estimates:
+mean GROUP 1 - mean GROUP 2 
+                    -333.08 
+p-value estimated from 10000 Monte Carlo replications
+99 percent confidence interval on p-value:
+ 0.000000000 0.001059383 </a:t>
             </a:r>
           </a:p>
         </p:txBody>
@@ -6853,7 +6755,7 @@
             </a:pPr>
             <a:r>
               <a:rPr/>
-              <a:t>Permutation tests</a:t>
+              <a:t>Summary</a:t>
             </a:r>
           </a:p>
         </p:txBody>
@@ -6873,848 +6775,367 @@
           <a:bodyPr/>
           <a:lstStyle/>
           <a:p>
+            <a:pPr lvl="0" indent="0" marL="0">
+              <a:spcBef>
+                <a:spcPts val="3000"/>
+              </a:spcBef>
+              <a:buNone/>
+            </a:pPr>
+            <a:r>
+              <a:rPr b="1"/>
+              <a:t>Testing Assumptions of Parametric Tests</a:t>
+            </a:r>
+          </a:p>
+          <a:p>
+            <a:pPr lvl="0" indent="0" marL="0">
+              <a:spcBef>
+                <a:spcPts val="3000"/>
+              </a:spcBef>
+              <a:buNone/>
+            </a:pPr>
+            <a:r>
+              <a:rPr b="1"/>
+              <a:t>Key Assumptions</a:t>
+            </a:r>
+          </a:p>
+          <a:p>
             <a:pPr lvl="0"/>
             <a:r>
-              <a:rPr/>
-              <a:t>In R (using ‘perm’ package):</a:t>
+              <a:rPr b="1"/>
+              <a:t>Random sampling</a:t>
+            </a:r>
+            <a:r>
+              <a:rPr/>
+              <a:t>: Samples are randomly collected from populations</a:t>
             </a:r>
           </a:p>
           <a:p>
             <a:pPr lvl="0"/>
             <a:r>
-              <a:rPr/>
-              <a:t>Assumptions: both groups have similar distribution; equal variance</a:t>
-            </a:r>
-          </a:p>
-          <a:p>
-            <a:pPr lvl="0" indent="0">
+              <a:rPr b="1"/>
+              <a:t>Normality</a:t>
+            </a:r>
+            <a:r>
+              <a:rPr/>
+              <a:t>: Data follows a normal distribution</a:t>
+            </a:r>
+          </a:p>
+          <a:p>
+            <a:pPr lvl="0"/>
+            <a:r>
+              <a:rPr b="1"/>
+              <a:t>Equal variance</a:t>
+            </a:r>
+            <a:r>
+              <a:rPr/>
+              <a:t>: Samples come from populations with similar variability</a:t>
+            </a:r>
+          </a:p>
+          <a:p>
+            <a:pPr lvl="0"/>
+            <a:r>
+              <a:rPr b="1"/>
+              <a:t>No outliers</a:t>
+            </a:r>
+            <a:r>
+              <a:rPr/>
+              <a:t>: No extreme values that can skew results</a:t>
+            </a:r>
+          </a:p>
+          <a:p>
+            <a:pPr lvl="0" indent="0" marL="0">
+              <a:spcBef>
+                <a:spcPts val="3000"/>
+              </a:spcBef>
               <a:buNone/>
             </a:pPr>
             <a:r>
-              <a:rPr>
-                <a:solidFill>
-                  <a:srgbClr val="4758AB"/>
-                </a:solidFill>
-                <a:latin typeface="Courier"/>
-              </a:rPr>
-              <a:t>library</a:t>
-            </a:r>
-            <a:r>
-              <a:rPr>
-                <a:solidFill>
-                  <a:srgbClr val="003B4F"/>
-                </a:solidFill>
-                <a:latin typeface="Courier"/>
-              </a:rPr>
-              <a:t>(perm) </a:t>
-            </a:r>
-            <a:br/>
-            <a:br/>
-            <a:r>
-              <a:rPr>
-                <a:solidFill>
-                  <a:srgbClr val="5E5E5E"/>
-                </a:solidFill>
-                <a:latin typeface="Courier"/>
-              </a:rPr>
-              <a:t># Prepare data for permutation test</a:t>
-            </a:r>
-            <a:br/>
-            <a:r>
-              <a:rPr>
-                <a:solidFill>
-                  <a:srgbClr val="003B4F"/>
-                </a:solidFill>
-                <a:latin typeface="Courier"/>
-              </a:rPr>
-              <a:t>ne12_perm_data &lt;- isl_ne12_df </a:t>
-            </a:r>
-            <a:r>
-              <a:rPr>
-                <a:solidFill>
-                  <a:srgbClr val="5E5E5E"/>
-                </a:solidFill>
-                <a:latin typeface="Courier"/>
-              </a:rPr>
-              <a:t>%&gt;%</a:t>
-            </a:r>
-            <a:r>
-              <a:rPr>
-                <a:solidFill>
-                  <a:srgbClr val="003B4F"/>
-                </a:solidFill>
-                <a:latin typeface="Courier"/>
-              </a:rPr>
-              <a:t> </a:t>
-            </a:r>
-            <a:br/>
-            <a:r>
-              <a:rPr>
-                <a:solidFill>
-                  <a:srgbClr val="003B4F"/>
-                </a:solidFill>
-                <a:latin typeface="Courier"/>
-              </a:rPr>
-              <a:t>  </a:t>
-            </a:r>
-            <a:r>
-              <a:rPr>
-                <a:solidFill>
-                  <a:srgbClr val="4758AB"/>
-                </a:solidFill>
-                <a:latin typeface="Courier"/>
-              </a:rPr>
-              <a:t>filter</a:t>
-            </a:r>
-            <a:r>
-              <a:rPr>
-                <a:solidFill>
-                  <a:srgbClr val="003B4F"/>
-                </a:solidFill>
-                <a:latin typeface="Courier"/>
-              </a:rPr>
-              <a:t>(lake </a:t>
-            </a:r>
-            <a:r>
-              <a:rPr>
-                <a:solidFill>
-                  <a:srgbClr val="5E5E5E"/>
-                </a:solidFill>
-                <a:latin typeface="Courier"/>
-              </a:rPr>
-              <a:t>==</a:t>
-            </a:r>
-            <a:r>
-              <a:rPr>
-                <a:solidFill>
-                  <a:srgbClr val="003B4F"/>
-                </a:solidFill>
-                <a:latin typeface="Courier"/>
-              </a:rPr>
-              <a:t> </a:t>
-            </a:r>
-            <a:r>
-              <a:rPr>
-                <a:solidFill>
-                  <a:srgbClr val="20794D"/>
-                </a:solidFill>
-                <a:latin typeface="Courier"/>
-              </a:rPr>
-              <a:t>"NE 12"</a:t>
-            </a:r>
-            <a:r>
-              <a:rPr>
-                <a:solidFill>
-                  <a:srgbClr val="003B4F"/>
-                </a:solidFill>
-                <a:latin typeface="Courier"/>
-              </a:rPr>
-              <a:t>) </a:t>
-            </a:r>
-            <a:r>
-              <a:rPr>
-                <a:solidFill>
-                  <a:srgbClr val="5E5E5E"/>
-                </a:solidFill>
-                <a:latin typeface="Courier"/>
-              </a:rPr>
-              <a:t>%&gt;%</a:t>
-            </a:r>
-            <a:r>
-              <a:rPr>
-                <a:solidFill>
-                  <a:srgbClr val="003B4F"/>
-                </a:solidFill>
-                <a:latin typeface="Courier"/>
-              </a:rPr>
-              <a:t> </a:t>
-            </a:r>
-            <a:br/>
-            <a:r>
-              <a:rPr>
-                <a:solidFill>
-                  <a:srgbClr val="003B4F"/>
-                </a:solidFill>
-                <a:latin typeface="Courier"/>
-              </a:rPr>
-              <a:t>  </a:t>
-            </a:r>
-            <a:r>
-              <a:rPr>
-                <a:solidFill>
-                  <a:srgbClr val="4758AB"/>
-                </a:solidFill>
-                <a:latin typeface="Courier"/>
-              </a:rPr>
-              <a:t>pull</a:t>
-            </a:r>
-            <a:r>
-              <a:rPr>
-                <a:solidFill>
-                  <a:srgbClr val="003B4F"/>
-                </a:solidFill>
-                <a:latin typeface="Courier"/>
-              </a:rPr>
-              <a:t>(length_mm)</a:t>
-            </a:r>
-            <a:br/>
-            <a:br/>
-            <a:r>
-              <a:rPr>
-                <a:solidFill>
-                  <a:srgbClr val="5E5E5E"/>
-                </a:solidFill>
-                <a:latin typeface="Courier"/>
-              </a:rPr>
-              <a:t># Randomly sample exactly 25 observations from NE 12 (set seed for reproducibility)</a:t>
-            </a:r>
-            <a:br/>
-            <a:r>
-              <a:rPr>
-                <a:solidFill>
-                  <a:srgbClr val="4758AB"/>
-                </a:solidFill>
-                <a:latin typeface="Courier"/>
-              </a:rPr>
-              <a:t>set.seed</a:t>
-            </a:r>
-            <a:r>
-              <a:rPr>
-                <a:solidFill>
-                  <a:srgbClr val="003B4F"/>
-                </a:solidFill>
-                <a:latin typeface="Courier"/>
-              </a:rPr>
-              <a:t>(</a:t>
-            </a:r>
-            <a:r>
-              <a:rPr>
-                <a:solidFill>
-                  <a:srgbClr val="AD0000"/>
-                </a:solidFill>
-                <a:latin typeface="Courier"/>
-              </a:rPr>
-              <a:t>123</a:t>
-            </a:r>
-            <a:r>
-              <a:rPr>
-                <a:solidFill>
-                  <a:srgbClr val="003B4F"/>
-                </a:solidFill>
-                <a:latin typeface="Courier"/>
-              </a:rPr>
-              <a:t>)</a:t>
-            </a:r>
-            <a:br/>
-            <a:r>
-              <a:rPr>
-                <a:solidFill>
-                  <a:srgbClr val="003B4F"/>
-                </a:solidFill>
-                <a:latin typeface="Courier"/>
-              </a:rPr>
-              <a:t>ne12_perm_data &lt;- </a:t>
-            </a:r>
-            <a:r>
-              <a:rPr>
-                <a:solidFill>
-                  <a:srgbClr val="4758AB"/>
-                </a:solidFill>
-                <a:latin typeface="Courier"/>
-              </a:rPr>
-              <a:t>sample</a:t>
-            </a:r>
-            <a:r>
-              <a:rPr>
-                <a:solidFill>
-                  <a:srgbClr val="003B4F"/>
-                </a:solidFill>
-                <a:latin typeface="Courier"/>
-              </a:rPr>
-              <a:t>(ne12_perm_data, </a:t>
-            </a:r>
-            <a:r>
-              <a:rPr>
-                <a:solidFill>
-                  <a:srgbClr val="657422"/>
-                </a:solidFill>
-                <a:latin typeface="Courier"/>
-              </a:rPr>
-              <a:t>size =</a:t>
-            </a:r>
-            <a:r>
-              <a:rPr>
-                <a:solidFill>
-                  <a:srgbClr val="003B4F"/>
-                </a:solidFill>
-                <a:latin typeface="Courier"/>
-              </a:rPr>
-              <a:t> </a:t>
-            </a:r>
-            <a:r>
-              <a:rPr>
-                <a:solidFill>
-                  <a:srgbClr val="AD0000"/>
-                </a:solidFill>
-                <a:latin typeface="Courier"/>
-              </a:rPr>
-              <a:t>25</a:t>
-            </a:r>
-            <a:r>
-              <a:rPr>
-                <a:solidFill>
-                  <a:srgbClr val="003B4F"/>
-                </a:solidFill>
-                <a:latin typeface="Courier"/>
-              </a:rPr>
-              <a:t>, </a:t>
-            </a:r>
-            <a:r>
-              <a:rPr>
-                <a:solidFill>
-                  <a:srgbClr val="657422"/>
-                </a:solidFill>
-                <a:latin typeface="Courier"/>
-              </a:rPr>
-              <a:t>replace =</a:t>
-            </a:r>
-            <a:r>
-              <a:rPr>
-                <a:solidFill>
-                  <a:srgbClr val="003B4F"/>
-                </a:solidFill>
-                <a:latin typeface="Courier"/>
-              </a:rPr>
-              <a:t> </a:t>
-            </a:r>
-            <a:r>
-              <a:rPr>
-                <a:solidFill>
-                  <a:srgbClr val="8F5902"/>
-                </a:solidFill>
-                <a:latin typeface="Courier"/>
-              </a:rPr>
-              <a:t>FALSE</a:t>
-            </a:r>
-            <a:r>
-              <a:rPr>
-                <a:solidFill>
-                  <a:srgbClr val="003B4F"/>
-                </a:solidFill>
-                <a:latin typeface="Courier"/>
-              </a:rPr>
-              <a:t>)</a:t>
-            </a:r>
-            <a:br/>
-            <a:br/>
-            <a:r>
-              <a:rPr>
-                <a:solidFill>
-                  <a:srgbClr val="003B4F"/>
-                </a:solidFill>
-                <a:latin typeface="Courier"/>
-              </a:rPr>
-              <a:t>island_perm_data &lt;- isl_ne12_df </a:t>
-            </a:r>
-            <a:r>
-              <a:rPr>
-                <a:solidFill>
-                  <a:srgbClr val="5E5E5E"/>
-                </a:solidFill>
-                <a:latin typeface="Courier"/>
-              </a:rPr>
-              <a:t>%&gt;%</a:t>
-            </a:r>
-            <a:r>
-              <a:rPr>
-                <a:solidFill>
-                  <a:srgbClr val="003B4F"/>
-                </a:solidFill>
-                <a:latin typeface="Courier"/>
-              </a:rPr>
-              <a:t> </a:t>
-            </a:r>
-            <a:br/>
-            <a:r>
-              <a:rPr>
-                <a:solidFill>
-                  <a:srgbClr val="003B4F"/>
-                </a:solidFill>
-                <a:latin typeface="Courier"/>
-              </a:rPr>
-              <a:t>  </a:t>
-            </a:r>
-            <a:r>
-              <a:rPr>
-                <a:solidFill>
-                  <a:srgbClr val="4758AB"/>
-                </a:solidFill>
-                <a:latin typeface="Courier"/>
-              </a:rPr>
-              <a:t>filter</a:t>
-            </a:r>
-            <a:r>
-              <a:rPr>
-                <a:solidFill>
-                  <a:srgbClr val="003B4F"/>
-                </a:solidFill>
-                <a:latin typeface="Courier"/>
-              </a:rPr>
-              <a:t>(lake </a:t>
-            </a:r>
-            <a:r>
-              <a:rPr>
-                <a:solidFill>
-                  <a:srgbClr val="5E5E5E"/>
-                </a:solidFill>
-                <a:latin typeface="Courier"/>
-              </a:rPr>
-              <a:t>==</a:t>
-            </a:r>
-            <a:r>
-              <a:rPr>
-                <a:solidFill>
-                  <a:srgbClr val="003B4F"/>
-                </a:solidFill>
-                <a:latin typeface="Courier"/>
-              </a:rPr>
-              <a:t> </a:t>
-            </a:r>
-            <a:r>
-              <a:rPr>
-                <a:solidFill>
-                  <a:srgbClr val="20794D"/>
-                </a:solidFill>
-                <a:latin typeface="Courier"/>
-              </a:rPr>
-              <a:t>"Island Lake"</a:t>
-            </a:r>
-            <a:r>
-              <a:rPr>
-                <a:solidFill>
-                  <a:srgbClr val="003B4F"/>
-                </a:solidFill>
-                <a:latin typeface="Courier"/>
-              </a:rPr>
-              <a:t>) </a:t>
-            </a:r>
-            <a:r>
-              <a:rPr>
-                <a:solidFill>
-                  <a:srgbClr val="5E5E5E"/>
-                </a:solidFill>
-                <a:latin typeface="Courier"/>
-              </a:rPr>
-              <a:t>%&gt;%</a:t>
-            </a:r>
-            <a:r>
-              <a:rPr>
-                <a:solidFill>
-                  <a:srgbClr val="003B4F"/>
-                </a:solidFill>
-                <a:latin typeface="Courier"/>
-              </a:rPr>
-              <a:t> </a:t>
-            </a:r>
-            <a:br/>
-            <a:r>
-              <a:rPr>
-                <a:solidFill>
-                  <a:srgbClr val="003B4F"/>
-                </a:solidFill>
-                <a:latin typeface="Courier"/>
-              </a:rPr>
-              <a:t>  </a:t>
-            </a:r>
-            <a:r>
-              <a:rPr>
-                <a:solidFill>
-                  <a:srgbClr val="4758AB"/>
-                </a:solidFill>
-                <a:latin typeface="Courier"/>
-              </a:rPr>
-              <a:t>pull</a:t>
-            </a:r>
-            <a:r>
-              <a:rPr>
-                <a:solidFill>
-                  <a:srgbClr val="003B4F"/>
-                </a:solidFill>
-                <a:latin typeface="Courier"/>
-              </a:rPr>
-              <a:t>(length_mm)</a:t>
-            </a:r>
-            <a:br/>
-            <a:br/>
-            <a:r>
-              <a:rPr>
-                <a:solidFill>
-                  <a:srgbClr val="5E5E5E"/>
-                </a:solidFill>
-                <a:latin typeface="Courier"/>
-              </a:rPr>
-              <a:t># Calculate the observed difference in means</a:t>
-            </a:r>
-            <a:br/>
-            <a:r>
-              <a:rPr>
-                <a:solidFill>
-                  <a:srgbClr val="003B4F"/>
-                </a:solidFill>
-                <a:latin typeface="Courier"/>
-              </a:rPr>
-              <a:t>observed_diff &lt;- </a:t>
-            </a:r>
-            <a:r>
-              <a:rPr>
-                <a:solidFill>
-                  <a:srgbClr val="4758AB"/>
-                </a:solidFill>
-                <a:latin typeface="Courier"/>
-              </a:rPr>
-              <a:t>mean</a:t>
-            </a:r>
-            <a:r>
-              <a:rPr>
-                <a:solidFill>
-                  <a:srgbClr val="003B4F"/>
-                </a:solidFill>
-                <a:latin typeface="Courier"/>
-              </a:rPr>
-              <a:t>(ne12_perm_data, </a:t>
-            </a:r>
-            <a:r>
-              <a:rPr>
-                <a:solidFill>
-                  <a:srgbClr val="657422"/>
-                </a:solidFill>
-                <a:latin typeface="Courier"/>
-              </a:rPr>
-              <a:t>na.rm =</a:t>
-            </a:r>
-            <a:r>
-              <a:rPr>
-                <a:solidFill>
-                  <a:srgbClr val="003B4F"/>
-                </a:solidFill>
-                <a:latin typeface="Courier"/>
-              </a:rPr>
-              <a:t> </a:t>
-            </a:r>
-            <a:r>
-              <a:rPr>
-                <a:solidFill>
-                  <a:srgbClr val="8F5902"/>
-                </a:solidFill>
-                <a:latin typeface="Courier"/>
-              </a:rPr>
-              <a:t>TRUE</a:t>
-            </a:r>
-            <a:r>
-              <a:rPr>
-                <a:solidFill>
-                  <a:srgbClr val="003B4F"/>
-                </a:solidFill>
-                <a:latin typeface="Courier"/>
-              </a:rPr>
-              <a:t>) </a:t>
-            </a:r>
-            <a:r>
-              <a:rPr>
-                <a:solidFill>
-                  <a:srgbClr val="5E5E5E"/>
-                </a:solidFill>
-                <a:latin typeface="Courier"/>
-              </a:rPr>
-              <a:t>-</a:t>
-            </a:r>
-            <a:r>
-              <a:rPr>
-                <a:solidFill>
-                  <a:srgbClr val="003B4F"/>
-                </a:solidFill>
-                <a:latin typeface="Courier"/>
-              </a:rPr>
-              <a:t> </a:t>
-            </a:r>
-            <a:r>
-              <a:rPr>
-                <a:solidFill>
-                  <a:srgbClr val="4758AB"/>
-                </a:solidFill>
-                <a:latin typeface="Courier"/>
-              </a:rPr>
-              <a:t>mean</a:t>
-            </a:r>
-            <a:r>
-              <a:rPr>
-                <a:solidFill>
-                  <a:srgbClr val="003B4F"/>
-                </a:solidFill>
-                <a:latin typeface="Courier"/>
-              </a:rPr>
-              <a:t>(island_perm_data, </a:t>
-            </a:r>
-            <a:r>
-              <a:rPr>
-                <a:solidFill>
-                  <a:srgbClr val="657422"/>
-                </a:solidFill>
-                <a:latin typeface="Courier"/>
-              </a:rPr>
-              <a:t>na.rm =</a:t>
-            </a:r>
-            <a:r>
-              <a:rPr>
-                <a:solidFill>
-                  <a:srgbClr val="003B4F"/>
-                </a:solidFill>
-                <a:latin typeface="Courier"/>
-              </a:rPr>
-              <a:t> </a:t>
-            </a:r>
-            <a:r>
-              <a:rPr>
-                <a:solidFill>
-                  <a:srgbClr val="8F5902"/>
-                </a:solidFill>
-                <a:latin typeface="Courier"/>
-              </a:rPr>
-              <a:t>TRUE</a:t>
-            </a:r>
-            <a:r>
-              <a:rPr>
-                <a:solidFill>
-                  <a:srgbClr val="003B4F"/>
-                </a:solidFill>
-                <a:latin typeface="Courier"/>
-              </a:rPr>
-              <a:t>)</a:t>
-            </a:r>
-            <a:br/>
-            <a:br/>
-            <a:r>
-              <a:rPr>
-                <a:solidFill>
-                  <a:srgbClr val="5E5E5E"/>
-                </a:solidFill>
-                <a:latin typeface="Courier"/>
-              </a:rPr>
-              <a:t># Perform permutation test for difference in means using perm package</a:t>
-            </a:r>
-            <a:br/>
-            <a:r>
-              <a:rPr>
-                <a:solidFill>
-                  <a:srgbClr val="4758AB"/>
-                </a:solidFill>
-                <a:latin typeface="Courier"/>
-              </a:rPr>
-              <a:t>permTS</a:t>
-            </a:r>
-            <a:r>
-              <a:rPr>
-                <a:solidFill>
-                  <a:srgbClr val="003B4F"/>
-                </a:solidFill>
-                <a:latin typeface="Courier"/>
-              </a:rPr>
-              <a:t>(ne12_perm_data, island_perm_data, </a:t>
-            </a:r>
-            <a:br/>
-            <a:r>
-              <a:rPr>
-                <a:solidFill>
-                  <a:srgbClr val="003B4F"/>
-                </a:solidFill>
-                <a:latin typeface="Courier"/>
-              </a:rPr>
-              <a:t>       </a:t>
-            </a:r>
-            <a:r>
-              <a:rPr>
-                <a:solidFill>
-                  <a:srgbClr val="657422"/>
-                </a:solidFill>
-                <a:latin typeface="Courier"/>
-              </a:rPr>
-              <a:t>alternative =</a:t>
-            </a:r>
-            <a:r>
-              <a:rPr>
-                <a:solidFill>
-                  <a:srgbClr val="003B4F"/>
-                </a:solidFill>
-                <a:latin typeface="Courier"/>
-              </a:rPr>
-              <a:t> </a:t>
-            </a:r>
-            <a:r>
-              <a:rPr>
-                <a:solidFill>
-                  <a:srgbClr val="20794D"/>
-                </a:solidFill>
-                <a:latin typeface="Courier"/>
-              </a:rPr>
-              <a:t>"two.sided"</a:t>
-            </a:r>
-            <a:r>
-              <a:rPr>
-                <a:solidFill>
-                  <a:srgbClr val="003B4F"/>
-                </a:solidFill>
-                <a:latin typeface="Courier"/>
-              </a:rPr>
-              <a:t>, </a:t>
-            </a:r>
-            <a:br/>
-            <a:r>
-              <a:rPr>
-                <a:solidFill>
-                  <a:srgbClr val="003B4F"/>
-                </a:solidFill>
-                <a:latin typeface="Courier"/>
-              </a:rPr>
-              <a:t>       </a:t>
-            </a:r>
-            <a:r>
-              <a:rPr>
-                <a:solidFill>
-                  <a:srgbClr val="657422"/>
-                </a:solidFill>
-                <a:latin typeface="Courier"/>
-              </a:rPr>
-              <a:t>method =</a:t>
-            </a:r>
-            <a:r>
-              <a:rPr>
-                <a:solidFill>
-                  <a:srgbClr val="003B4F"/>
-                </a:solidFill>
-                <a:latin typeface="Courier"/>
-              </a:rPr>
-              <a:t> </a:t>
-            </a:r>
-            <a:r>
-              <a:rPr>
-                <a:solidFill>
-                  <a:srgbClr val="20794D"/>
-                </a:solidFill>
-                <a:latin typeface="Courier"/>
-              </a:rPr>
-              <a:t>"exact.mc"</a:t>
-            </a:r>
-            <a:r>
-              <a:rPr>
-                <a:solidFill>
-                  <a:srgbClr val="003B4F"/>
-                </a:solidFill>
-                <a:latin typeface="Courier"/>
-              </a:rPr>
-              <a:t>, </a:t>
-            </a:r>
-            <a:br/>
-            <a:r>
-              <a:rPr>
-                <a:solidFill>
-                  <a:srgbClr val="003B4F"/>
-                </a:solidFill>
-                <a:latin typeface="Courier"/>
-              </a:rPr>
-              <a:t>       </a:t>
-            </a:r>
-            <a:r>
-              <a:rPr>
-                <a:solidFill>
-                  <a:srgbClr val="657422"/>
-                </a:solidFill>
-                <a:latin typeface="Courier"/>
-              </a:rPr>
-              <a:t>control =</a:t>
-            </a:r>
-            <a:r>
-              <a:rPr>
-                <a:solidFill>
-                  <a:srgbClr val="003B4F"/>
-                </a:solidFill>
-                <a:latin typeface="Courier"/>
-              </a:rPr>
-              <a:t> </a:t>
-            </a:r>
-            <a:r>
-              <a:rPr>
-                <a:solidFill>
-                  <a:srgbClr val="4758AB"/>
-                </a:solidFill>
-                <a:latin typeface="Courier"/>
-              </a:rPr>
-              <a:t>permControl</a:t>
-            </a:r>
-            <a:r>
-              <a:rPr>
-                <a:solidFill>
-                  <a:srgbClr val="003B4F"/>
-                </a:solidFill>
-                <a:latin typeface="Courier"/>
-              </a:rPr>
-              <a:t>(</a:t>
-            </a:r>
-            <a:r>
-              <a:rPr>
-                <a:solidFill>
-                  <a:srgbClr val="657422"/>
-                </a:solidFill>
-                <a:latin typeface="Courier"/>
-              </a:rPr>
-              <a:t>nmc =</a:t>
-            </a:r>
-            <a:r>
-              <a:rPr>
-                <a:solidFill>
-                  <a:srgbClr val="003B4F"/>
-                </a:solidFill>
-                <a:latin typeface="Courier"/>
-              </a:rPr>
-              <a:t> </a:t>
-            </a:r>
-            <a:r>
-              <a:rPr>
-                <a:solidFill>
-                  <a:srgbClr val="AD0000"/>
-                </a:solidFill>
-                <a:latin typeface="Courier"/>
-              </a:rPr>
-              <a:t>10000</a:t>
-            </a:r>
-            <a:r>
-              <a:rPr>
-                <a:solidFill>
-                  <a:srgbClr val="003B4F"/>
-                </a:solidFill>
-                <a:latin typeface="Courier"/>
-              </a:rPr>
-              <a:t>))</a:t>
-            </a:r>
-          </a:p>
-          <a:p>
-            <a:pPr lvl="0" indent="0">
+              <a:rPr b="1"/>
+              <a:t>Assessing Assumptions</a:t>
+            </a:r>
+          </a:p>
+          <a:p>
+            <a:pPr lvl="0"/>
+            <a:r>
+              <a:rPr/>
+              <a:t>Key to do every time</a:t>
+            </a:r>
+          </a:p>
+          <a:p>
+            <a:pPr lvl="0"/>
+            <a:r>
+              <a:rPr/>
+              <a:t>Should acknowledge in manuscript</a:t>
+            </a:r>
+          </a:p>
+          <a:p>
+            <a:pPr lvl="0" indent="0" marL="0">
+              <a:spcBef>
+                <a:spcPts val="3000"/>
+              </a:spcBef>
               <a:buNone/>
             </a:pPr>
             <a:r>
-              <a:rPr>
-                <a:latin typeface="Courier"/>
-              </a:rPr>
-              <a:t>
-    Exact Permutation Test Estimated by Monte Carlo
-data:  GROUP 1 and GROUP 2
-p-value = 2e-04
-alternative hypothesis: true mean GROUP 1 - mean GROUP 2 is not equal to 0
-sample estimates:
-mean GROUP 1 - mean GROUP 2 
-                    -333.08 
-p-value estimated from 10000 Monte Carlo replications
-99 percent confidence interval on p-value:
- 0.000000000 0.001059383 </a:t>
+              <a:rPr b="1"/>
+              <a:t>Data Transformations</a:t>
+            </a:r>
+          </a:p>
+          <a:p>
+            <a:pPr lvl="0" indent="0" marL="0">
+              <a:buNone/>
+            </a:pPr>
+            <a:r>
+              <a:rPr/>
+              <a:t>When assumptions aren’t met, transformations may help normalize data:</a:t>
+            </a:r>
+          </a:p>
+          <a:p>
+            <a:pPr lvl="0"/>
+            <a:r>
+              <a:rPr b="1"/>
+              <a:t>Log transformation</a:t>
+            </a:r>
+            <a:r>
+              <a:rPr/>
+              <a:t>: </a:t>
+            </a:r>
+            <a:r>
+              <a:rPr>
+                <a:latin typeface="Courier"/>
+              </a:rPr>
+              <a:t>log10(x)</a:t>
+            </a:r>
+            <a:r>
+              <a:rPr/>
+              <a:t> - Useful for right-skewed data, multiplicative effects</a:t>
+            </a:r>
+          </a:p>
+          <a:p>
+            <a:pPr lvl="0"/>
+            <a:r>
+              <a:rPr b="1"/>
+              <a:t>Square root</a:t>
+            </a:r>
+            <a:r>
+              <a:rPr/>
+              <a:t>: </a:t>
+            </a:r>
+            <a:r>
+              <a:rPr>
+                <a:latin typeface="Courier"/>
+              </a:rPr>
+              <a:t>sqrt(x)</a:t>
+            </a:r>
+            <a:r>
+              <a:rPr/>
+              <a:t> - Useful for count data, moderately right-skewed distributions</a:t>
+            </a:r>
+          </a:p>
+          <a:p>
+            <a:pPr lvl="0"/>
+            <a:r>
+              <a:rPr b="1"/>
+              <a:t>Box-Cox</a:t>
+            </a:r>
+            <a:r>
+              <a:rPr/>
+              <a:t>: More flexible family of power transformations</a:t>
+            </a:r>
+          </a:p>
+          <a:p>
+            <a:pPr lvl="0"/>
+            <a:r>
+              <a:rPr b="1"/>
+              <a:t>More specialized transformations</a:t>
+            </a:r>
+            <a:r>
+              <a:rPr/>
+              <a:t> especially for percentages o proportions</a:t>
+            </a:r>
+          </a:p>
+          <a:p>
+            <a:pPr lvl="0" indent="0" marL="0">
+              <a:spcBef>
+                <a:spcPts val="3000"/>
+              </a:spcBef>
+              <a:buNone/>
+            </a:pPr>
+            <a:r>
+              <a:rPr b="1"/>
+              <a:t>Statistical Test Options</a:t>
+            </a:r>
+          </a:p>
+          <a:p>
+            <a:pPr lvl="0" indent="0" marL="0">
+              <a:spcBef>
+                <a:spcPts val="3000"/>
+              </a:spcBef>
+              <a:buNone/>
+            </a:pPr>
+            <a:r>
+              <a:rPr b="1"/>
+              <a:t>1. Standard T-Test</a:t>
+            </a:r>
+          </a:p>
+          <a:p>
+            <a:pPr lvl="0" indent="0" marL="0">
+              <a:buNone/>
+            </a:pPr>
+            <a:r>
+              <a:rPr b="1"/>
+              <a:t>Strengths:</a:t>
+            </a:r>
+            <a:r>
+              <a:rPr/>
+              <a:t> - High statistical power when assumptions are met - Well understood and widely accepted</a:t>
+            </a:r>
+          </a:p>
+          <a:p>
+            <a:pPr lvl="0" indent="0" marL="0">
+              <a:buNone/>
+            </a:pPr>
+            <a:r>
+              <a:rPr b="1"/>
+              <a:t>Weaknesses:</a:t>
+            </a:r>
+            <a:r>
+              <a:rPr/>
+              <a:t> - Sensitive to violations of normality, equal variance - Heavily influenced by outliers</a:t>
+            </a:r>
+          </a:p>
+          <a:p>
+            <a:pPr lvl="0" indent="0" marL="0">
+              <a:spcBef>
+                <a:spcPts val="3000"/>
+              </a:spcBef>
+              <a:buNone/>
+            </a:pPr>
+            <a:r>
+              <a:rPr b="1"/>
+              <a:t>2. Welch’s T-Test</a:t>
+            </a:r>
+          </a:p>
+          <a:p>
+            <a:pPr lvl="0" indent="0" marL="0">
+              <a:buNone/>
+            </a:pPr>
+            <a:r>
+              <a:rPr b="1"/>
+              <a:t>Strengths:</a:t>
+            </a:r>
+            <a:r>
+              <a:rPr/>
+              <a:t> - Robust to violations of equal variance assumption - Handles unequal sample sizes well - Still parametric (assumes normality)</a:t>
+            </a:r>
+          </a:p>
+          <a:p>
+            <a:pPr lvl="0" indent="0" marL="0">
+              <a:buNone/>
+            </a:pPr>
+            <a:r>
+              <a:rPr b="1"/>
+              <a:t>Weaknesses:</a:t>
+            </a:r>
+            <a:r>
+              <a:rPr/>
+              <a:t> - Slightly less powerful than standard t-test when variances are equal - Still assumes normal distribution</a:t>
+            </a:r>
+          </a:p>
+          <a:p>
+            <a:pPr lvl="0" indent="0" marL="0">
+              <a:spcBef>
+                <a:spcPts val="3000"/>
+              </a:spcBef>
+              <a:buNone/>
+            </a:pPr>
+            <a:r>
+              <a:rPr b="1"/>
+              <a:t>3. Mann-Whitney-Wilcoxon Test</a:t>
+            </a:r>
+          </a:p>
+          <a:p>
+            <a:pPr lvl="0" indent="0" marL="0">
+              <a:buNone/>
+            </a:pPr>
+            <a:r>
+              <a:rPr b="1"/>
+              <a:t>Strengths:</a:t>
+            </a:r>
+            <a:r>
+              <a:rPr/>
+              <a:t> - Non-parametric: doesn’t assume normal distribution - Robust against outliers - Works with ordinal data</a:t>
+            </a:r>
+          </a:p>
+          <a:p>
+            <a:pPr lvl="0" indent="0" marL="0">
+              <a:buNone/>
+            </a:pPr>
+            <a:r>
+              <a:rPr b="1"/>
+              <a:t>Weaknesses:</a:t>
+            </a:r>
+            <a:r>
+              <a:rPr/>
+              <a:t> - Less statistical power than parametric tests - Still assumes similar distributions and approximate equal variance - Tests median differences rather than mean differences</a:t>
+            </a:r>
+          </a:p>
+          <a:p>
+            <a:pPr lvl="0" indent="0" marL="0">
+              <a:spcBef>
+                <a:spcPts val="3000"/>
+              </a:spcBef>
+              <a:buNone/>
+            </a:pPr>
+            <a:r>
+              <a:rPr b="1"/>
+              <a:t>4. Permutation Tests</a:t>
+            </a:r>
+          </a:p>
+          <a:p>
+            <a:pPr lvl="0" indent="0" marL="0">
+              <a:buNone/>
+            </a:pPr>
+            <a:r>
+              <a:rPr b="1"/>
+              <a:t>Strengths:</a:t>
+            </a:r>
+            <a:r>
+              <a:rPr/>
+              <a:t> - Distribution-free: doesn’t assume a specific distribution - Can be applied to many types of test statistics - Handles small sample sizes well - Directly estimates p-values through resampling</a:t>
+            </a:r>
+          </a:p>
+          <a:p>
+            <a:pPr lvl="0" indent="0" marL="0">
+              <a:buNone/>
+            </a:pPr>
+            <a:r>
+              <a:rPr b="1"/>
+              <a:t>Weaknesses:</a:t>
+            </a:r>
+            <a:r>
+              <a:rPr/>
+              <a:t> - Computationally intensive - Assumes exchangeability under the null hypothesis - Requires similar distributions and equal variance</a:t>
+            </a:r>
+          </a:p>
+          <a:p>
+            <a:pPr lvl="0" indent="0" marL="0">
+              <a:spcBef>
+                <a:spcPts val="3000"/>
+              </a:spcBef>
+              <a:buNone/>
+            </a:pPr>
+            <a:r>
+              <a:rPr b="1"/>
+              <a:t>Key Takeaway</a:t>
+            </a:r>
+          </a:p>
+          <a:p>
+            <a:pPr lvl="0" indent="0" marL="0">
+              <a:buNone/>
+            </a:pPr>
+            <a:r>
+              <a:rPr/>
+              <a:t>Statistical tests have different strengths and assumptions. The choice should be guided by your data characteristics, not just convenience. Always visualize your data before deciding on the appropriate test.</a:t>
             </a:r>
           </a:p>
         </p:txBody>
@@ -9046,6 +8467,15 @@
             <a:r>
               <a:rPr/>
               <a:t> - sometimes not useful</a:t>
+            </a:r>
+          </a:p>
+          <a:p>
+            <a:pPr lvl="0" indent="0" marL="0">
+              <a:buNone/>
+            </a:pPr>
+            <a:r>
+              <a:rPr/>
+              <a:t>“Null hypothesis is that data is normally distributed”</a:t>
             </a:r>
           </a:p>
         </p:txBody>

--- a/docs/lectures/lecture_07/07_01_lecture_powerpoint.pptx
+++ b/docs/lectures/lecture_07/07_01_lecture_powerpoint.pptx
@@ -5761,6 +5761,13 @@
             <a:r>
               <a:rPr b="1"/>
               <a:t>Assumptions of parametric tests</a:t>
+            </a:r>
+          </a:p>
+          <a:p>
+            <a:pPr lvl="0"/>
+            <a:r>
+              <a:rPr/>
+              <a:t>What next</a:t>
             </a:r>
           </a:p>
         </p:txBody>
